--- a/outputs/화면정의서.pptx
+++ b/outputs/화면정의서.pptx
@@ -19,7 +19,7 @@
   <p:notesSz cx="6858000" cy="9144000"/>
   <p:embeddedFontLst>
     <p:embeddedFont>
-      <p:font typeface="배달의민족 한나체 Pro" panose="020B0600000101010101" pitchFamily="50" charset="-127"/>
+      <p:font typeface="배달의민족 주아" panose="02020603020101020101" pitchFamily="18" charset="-127"/>
       <p:regular r:id="rId9"/>
     </p:embeddedFont>
     <p:embeddedFont>
@@ -28,7 +28,7 @@
       <p:bold r:id="rId11"/>
     </p:embeddedFont>
     <p:embeddedFont>
-      <p:font typeface="배달의민족 주아" panose="02020603020101020101" pitchFamily="18" charset="-127"/>
+      <p:font typeface="배달의민족 한나체 Pro" panose="020B0600000101010101" pitchFamily="50" charset="-127"/>
       <p:regular r:id="rId12"/>
     </p:embeddedFont>
   </p:embeddedFontLst>
@@ -217,7 +217,7 @@
           <a:p>
             <a:fld id="{6DA5D423-CDDD-42B9-AE6B-214D504ECB6B}" type="datetimeFigureOut">
               <a:rPr lang="ko-KR" altLang="en-US" smtClean="0"/>
-              <a:t>2021-03-12</a:t>
+              <a:t>2021-04-07</a:t>
             </a:fld>
             <a:endParaRPr lang="ko-KR" altLang="en-US"/>
           </a:p>
@@ -616,7 +616,7 @@
           <a:p>
             <a:fld id="{89228369-16BE-4621-AF2F-B3B939425A93}" type="datetimeFigureOut">
               <a:rPr lang="ko-KR" altLang="en-US" smtClean="0"/>
-              <a:t>2021-03-12</a:t>
+              <a:t>2021-04-07</a:t>
             </a:fld>
             <a:endParaRPr lang="ko-KR" altLang="en-US"/>
           </a:p>
@@ -786,7 +786,7 @@
           <a:p>
             <a:fld id="{89228369-16BE-4621-AF2F-B3B939425A93}" type="datetimeFigureOut">
               <a:rPr lang="ko-KR" altLang="en-US" smtClean="0"/>
-              <a:t>2021-03-12</a:t>
+              <a:t>2021-04-07</a:t>
             </a:fld>
             <a:endParaRPr lang="ko-KR" altLang="en-US"/>
           </a:p>
@@ -966,7 +966,7 @@
           <a:p>
             <a:fld id="{89228369-16BE-4621-AF2F-B3B939425A93}" type="datetimeFigureOut">
               <a:rPr lang="ko-KR" altLang="en-US" smtClean="0"/>
-              <a:t>2021-03-12</a:t>
+              <a:t>2021-04-07</a:t>
             </a:fld>
             <a:endParaRPr lang="ko-KR" altLang="en-US"/>
           </a:p>
@@ -1136,7 +1136,7 @@
           <a:p>
             <a:fld id="{89228369-16BE-4621-AF2F-B3B939425A93}" type="datetimeFigureOut">
               <a:rPr lang="ko-KR" altLang="en-US" smtClean="0"/>
-              <a:t>2021-03-12</a:t>
+              <a:t>2021-04-07</a:t>
             </a:fld>
             <a:endParaRPr lang="ko-KR" altLang="en-US"/>
           </a:p>
@@ -1382,7 +1382,7 @@
           <a:p>
             <a:fld id="{89228369-16BE-4621-AF2F-B3B939425A93}" type="datetimeFigureOut">
               <a:rPr lang="ko-KR" altLang="en-US" smtClean="0"/>
-              <a:t>2021-03-12</a:t>
+              <a:t>2021-04-07</a:t>
             </a:fld>
             <a:endParaRPr lang="ko-KR" altLang="en-US"/>
           </a:p>
@@ -1614,7 +1614,7 @@
           <a:p>
             <a:fld id="{89228369-16BE-4621-AF2F-B3B939425A93}" type="datetimeFigureOut">
               <a:rPr lang="ko-KR" altLang="en-US" smtClean="0"/>
-              <a:t>2021-03-12</a:t>
+              <a:t>2021-04-07</a:t>
             </a:fld>
             <a:endParaRPr lang="ko-KR" altLang="en-US"/>
           </a:p>
@@ -1981,7 +1981,7 @@
           <a:p>
             <a:fld id="{89228369-16BE-4621-AF2F-B3B939425A93}" type="datetimeFigureOut">
               <a:rPr lang="ko-KR" altLang="en-US" smtClean="0"/>
-              <a:t>2021-03-12</a:t>
+              <a:t>2021-04-07</a:t>
             </a:fld>
             <a:endParaRPr lang="ko-KR" altLang="en-US"/>
           </a:p>
@@ -2099,7 +2099,7 @@
           <a:p>
             <a:fld id="{89228369-16BE-4621-AF2F-B3B939425A93}" type="datetimeFigureOut">
               <a:rPr lang="ko-KR" altLang="en-US" smtClean="0"/>
-              <a:t>2021-03-12</a:t>
+              <a:t>2021-04-07</a:t>
             </a:fld>
             <a:endParaRPr lang="ko-KR" altLang="en-US"/>
           </a:p>
@@ -2194,7 +2194,7 @@
           <a:p>
             <a:fld id="{89228369-16BE-4621-AF2F-B3B939425A93}" type="datetimeFigureOut">
               <a:rPr lang="ko-KR" altLang="en-US" smtClean="0"/>
-              <a:t>2021-03-12</a:t>
+              <a:t>2021-04-07</a:t>
             </a:fld>
             <a:endParaRPr lang="ko-KR" altLang="en-US"/>
           </a:p>
@@ -2471,7 +2471,7 @@
           <a:p>
             <a:fld id="{89228369-16BE-4621-AF2F-B3B939425A93}" type="datetimeFigureOut">
               <a:rPr lang="ko-KR" altLang="en-US" smtClean="0"/>
-              <a:t>2021-03-12</a:t>
+              <a:t>2021-04-07</a:t>
             </a:fld>
             <a:endParaRPr lang="ko-KR" altLang="en-US"/>
           </a:p>
@@ -2724,7 +2724,7 @@
           <a:p>
             <a:fld id="{89228369-16BE-4621-AF2F-B3B939425A93}" type="datetimeFigureOut">
               <a:rPr lang="ko-KR" altLang="en-US" smtClean="0"/>
-              <a:t>2021-03-12</a:t>
+              <a:t>2021-04-07</a:t>
             </a:fld>
             <a:endParaRPr lang="ko-KR" altLang="en-US"/>
           </a:p>
@@ -2937,7 +2937,7 @@
           <a:p>
             <a:fld id="{89228369-16BE-4621-AF2F-B3B939425A93}" type="datetimeFigureOut">
               <a:rPr lang="ko-KR" altLang="en-US" smtClean="0"/>
-              <a:t>2021-03-12</a:t>
+              <a:t>2021-04-07</a:t>
             </a:fld>
             <a:endParaRPr lang="ko-KR" altLang="en-US"/>
           </a:p>
@@ -3623,10 +3623,10 @@
           </p:nvGrpSpPr>
           <p:grpSpPr>
             <a:xfrm>
-              <a:off x="4114213" y="1590675"/>
-              <a:ext cx="3714791" cy="4512708"/>
-              <a:chOff x="2843451" y="1676399"/>
-              <a:chExt cx="3714791" cy="4512708"/>
+              <a:off x="2506515" y="1901232"/>
+              <a:ext cx="4124458" cy="4285893"/>
+              <a:chOff x="1235753" y="1986956"/>
+              <a:chExt cx="4124458" cy="4285893"/>
             </a:xfrm>
           </p:grpSpPr>
           <p:sp>
@@ -3637,7 +3637,7 @@
             </p:nvSpPr>
             <p:spPr>
               <a:xfrm>
-                <a:off x="3099088" y="1676399"/>
+                <a:off x="1235753" y="1986956"/>
                 <a:ext cx="549852" cy="485775"/>
               </a:xfrm>
               <a:prstGeom prst="halfFrame">
@@ -3692,7 +3692,7 @@
             </p:nvSpPr>
             <p:spPr>
               <a:xfrm flipV="1">
-                <a:off x="3099088" y="4676774"/>
+                <a:off x="1235753" y="4987331"/>
                 <a:ext cx="549852" cy="485775"/>
               </a:xfrm>
               <a:prstGeom prst="halfFrame">
@@ -3747,7 +3747,7 @@
             </p:nvSpPr>
             <p:spPr>
               <a:xfrm flipH="1" flipV="1">
-                <a:off x="5835013" y="4676774"/>
+                <a:off x="4810359" y="4987331"/>
                 <a:ext cx="549852" cy="485775"/>
               </a:xfrm>
               <a:prstGeom prst="halfFrame">
@@ -3802,7 +3802,7 @@
             </p:nvSpPr>
             <p:spPr>
               <a:xfrm flipH="1">
-                <a:off x="5835013" y="1676399"/>
+                <a:off x="4810359" y="1986956"/>
                 <a:ext cx="549852" cy="485775"/>
               </a:xfrm>
               <a:prstGeom prst="halfFrame">
@@ -3857,8 +3857,8 @@
             </p:nvSpPr>
             <p:spPr>
               <a:xfrm>
-                <a:off x="3374014" y="1847850"/>
-                <a:ext cx="2735925" cy="3152775"/>
+                <a:off x="1722666" y="2336594"/>
+                <a:ext cx="3212759" cy="2772589"/>
               </a:xfrm>
               <a:prstGeom prst="ellipse">
                 <a:avLst/>
@@ -3902,40 +3902,14 @@
           </p:sp>
           <p:sp>
             <p:nvSpPr>
-              <p:cNvPr id="18" name="TextBox 17"/>
-              <p:cNvSpPr txBox="1"/>
-              <p:nvPr/>
-            </p:nvSpPr>
-            <p:spPr>
-              <a:xfrm>
-                <a:off x="3099088" y="5819775"/>
-                <a:ext cx="3285777" cy="369332"/>
-              </a:xfrm>
-              <a:prstGeom prst="rect">
-                <a:avLst/>
-              </a:prstGeom>
-              <a:noFill/>
-            </p:spPr>
-            <p:txBody>
-              <a:bodyPr wrap="square" rtlCol="0">
-                <a:spAutoFit/>
-              </a:bodyPr>
-              <a:lstStyle/>
-              <a:p>
-                <a:endParaRPr lang="ko-KR" altLang="en-US" dirty="0"/>
-              </a:p>
-            </p:txBody>
-          </p:sp>
-          <p:sp>
-            <p:nvSpPr>
               <p:cNvPr id="20" name="TextBox 19"/>
               <p:cNvSpPr txBox="1"/>
               <p:nvPr/>
             </p:nvSpPr>
             <p:spPr>
               <a:xfrm>
-                <a:off x="2843451" y="5417639"/>
-                <a:ext cx="3714791" cy="646331"/>
+                <a:off x="1235753" y="5670425"/>
+                <a:ext cx="3363773" cy="602424"/>
               </a:xfrm>
               <a:prstGeom prst="rect">
                 <a:avLst/>
@@ -3950,16 +3924,16 @@
               <a:p>
                 <a:pPr algn="ctr"/>
                 <a:r>
-                  <a:rPr lang="ko-KR" altLang="en-US" dirty="0" smtClean="0">
+                  <a:rPr lang="ko-KR" altLang="en-US" sz="1600" dirty="0" smtClean="0">
                     <a:solidFill>
                       <a:srgbClr val="192537"/>
                     </a:solidFill>
                     <a:latin typeface="배달의민족 한나체 Pro" panose="020B0600000101010101" pitchFamily="50" charset="-127"/>
                     <a:ea typeface="배달의민족 한나체 Pro" panose="020B0600000101010101" pitchFamily="50" charset="-127"/>
                   </a:rPr>
-                  <a:t>얼굴을 가이드라인에 맞춰주시고</a:t>
+                  <a:t>화면의 중앙에 얼굴을 맞춰 주시고</a:t>
                 </a:r>
-                <a:endParaRPr lang="en-US" altLang="ko-KR" dirty="0" smtClean="0">
+                <a:endParaRPr lang="en-US" altLang="ko-KR" sz="1600" dirty="0" smtClean="0">
                   <a:solidFill>
                     <a:srgbClr val="192537"/>
                   </a:solidFill>
@@ -3970,17 +3944,17 @@
               <a:p>
                 <a:pPr algn="ctr"/>
                 <a:r>
-                  <a:rPr lang="ko-KR" altLang="en-US" dirty="0" smtClean="0">
+                  <a:rPr lang="ko-KR" altLang="en-US" sz="1600" dirty="0" smtClean="0">
                     <a:solidFill>
                       <a:srgbClr val="192537"/>
                     </a:solidFill>
                     <a:latin typeface="배달의민족 한나체 Pro" panose="020B0600000101010101" pitchFamily="50" charset="-127"/>
                     <a:ea typeface="배달의민족 한나체 Pro" panose="020B0600000101010101" pitchFamily="50" charset="-127"/>
                   </a:rPr>
-                  <a:t>인식이 완료될때까지 잠시 기다려주세요</a:t>
+                  <a:t>버튼을 클릭해 주세요</a:t>
                 </a:r>
                 <a:r>
-                  <a:rPr lang="en-US" altLang="ko-KR" dirty="0" smtClean="0">
+                  <a:rPr lang="en-US" altLang="ko-KR" sz="1600" dirty="0" smtClean="0">
                     <a:solidFill>
                       <a:srgbClr val="192537"/>
                     </a:solidFill>
@@ -3993,351 +3967,6 @@
             </p:txBody>
           </p:sp>
         </p:grpSp>
-        <p:sp>
-          <p:nvSpPr>
-            <p:cNvPr id="21" name="TextBox 20"/>
-            <p:cNvSpPr txBox="1"/>
-            <p:nvPr/>
-          </p:nvSpPr>
-          <p:spPr>
-            <a:xfrm>
-              <a:off x="1084031" y="1826262"/>
-              <a:ext cx="1971675" cy="646331"/>
-            </a:xfrm>
-            <a:prstGeom prst="rect">
-              <a:avLst/>
-            </a:prstGeom>
-            <a:noFill/>
-          </p:spPr>
-          <p:txBody>
-            <a:bodyPr wrap="square" rtlCol="0">
-              <a:spAutoFit/>
-            </a:bodyPr>
-            <a:lstStyle/>
-            <a:p>
-              <a:pPr algn="ctr"/>
-              <a:r>
-                <a:rPr lang="ko-KR" altLang="en-US" dirty="0" smtClean="0">
-                  <a:solidFill>
-                    <a:srgbClr val="192537"/>
-                  </a:solidFill>
-                  <a:latin typeface="배달의민족 주아" panose="02020603020101020101" pitchFamily="18" charset="-127"/>
-                  <a:ea typeface="배달의민족 주아" panose="02020603020101020101" pitchFamily="18" charset="-127"/>
-                </a:rPr>
-                <a:t>방문을 진심으로</a:t>
-              </a:r>
-              <a:endParaRPr lang="en-US" altLang="ko-KR" dirty="0" smtClean="0">
-                <a:solidFill>
-                  <a:srgbClr val="192537"/>
-                </a:solidFill>
-                <a:latin typeface="배달의민족 주아" panose="02020603020101020101" pitchFamily="18" charset="-127"/>
-                <a:ea typeface="배달의민족 주아" panose="02020603020101020101" pitchFamily="18" charset="-127"/>
-              </a:endParaRPr>
-            </a:p>
-            <a:p>
-              <a:pPr algn="ctr"/>
-              <a:r>
-                <a:rPr lang="ko-KR" altLang="en-US" dirty="0" smtClean="0">
-                  <a:solidFill>
-                    <a:srgbClr val="192537"/>
-                  </a:solidFill>
-                  <a:latin typeface="배달의민족 주아" panose="02020603020101020101" pitchFamily="18" charset="-127"/>
-                  <a:ea typeface="배달의민족 주아" panose="02020603020101020101" pitchFamily="18" charset="-127"/>
-                </a:rPr>
-                <a:t>환영합니다</a:t>
-              </a:r>
-              <a:r>
-                <a:rPr lang="en-US" altLang="ko-KR" dirty="0" smtClean="0">
-                  <a:solidFill>
-                    <a:srgbClr val="192537"/>
-                  </a:solidFill>
-                  <a:latin typeface="배달의민족 주아" panose="02020603020101020101" pitchFamily="18" charset="-127"/>
-                  <a:ea typeface="배달의민족 주아" panose="02020603020101020101" pitchFamily="18" charset="-127"/>
-                </a:rPr>
-                <a:t>.</a:t>
-              </a:r>
-              <a:endParaRPr lang="ko-KR" altLang="en-US" dirty="0">
-                <a:solidFill>
-                  <a:srgbClr val="192537"/>
-                </a:solidFill>
-                <a:latin typeface="배달의민족 주아" panose="02020603020101020101" pitchFamily="18" charset="-127"/>
-                <a:ea typeface="배달의민족 주아" panose="02020603020101020101" pitchFamily="18" charset="-127"/>
-              </a:endParaRPr>
-            </a:p>
-          </p:txBody>
-        </p:sp>
-        <p:sp>
-          <p:nvSpPr>
-            <p:cNvPr id="22" name="모서리가 둥근 직사각형 21"/>
-            <p:cNvSpPr/>
-            <p:nvPr/>
-          </p:nvSpPr>
-          <p:spPr>
-            <a:xfrm>
-              <a:off x="840915" y="2952520"/>
-              <a:ext cx="2433835" cy="2715903"/>
-            </a:xfrm>
-            <a:prstGeom prst="roundRect">
-              <a:avLst/>
-            </a:prstGeom>
-            <a:noFill/>
-            <a:ln w="28575">
-              <a:solidFill>
-                <a:srgbClr val="192537"/>
-              </a:solidFill>
-            </a:ln>
-          </p:spPr>
-          <p:style>
-            <a:lnRef idx="2">
-              <a:schemeClr val="accent1">
-                <a:shade val="50000"/>
-              </a:schemeClr>
-            </a:lnRef>
-            <a:fillRef idx="1">
-              <a:schemeClr val="accent1"/>
-            </a:fillRef>
-            <a:effectRef idx="0">
-              <a:schemeClr val="accent1"/>
-            </a:effectRef>
-            <a:fontRef idx="minor">
-              <a:schemeClr val="lt1"/>
-            </a:fontRef>
-          </p:style>
-          <p:txBody>
-            <a:bodyPr rtlCol="0" anchor="ctr"/>
-            <a:lstStyle/>
-            <a:p>
-              <a:pPr algn="ctr"/>
-              <a:endParaRPr lang="ko-KR" altLang="en-US"/>
-            </a:p>
-          </p:txBody>
-        </p:sp>
-        <p:sp>
-          <p:nvSpPr>
-            <p:cNvPr id="24" name="TextBox 23"/>
-            <p:cNvSpPr txBox="1"/>
-            <p:nvPr/>
-          </p:nvSpPr>
-          <p:spPr>
-            <a:xfrm>
-              <a:off x="1440307" y="3005014"/>
-              <a:ext cx="1265022" cy="338554"/>
-            </a:xfrm>
-            <a:prstGeom prst="rect">
-              <a:avLst/>
-            </a:prstGeom>
-            <a:noFill/>
-          </p:spPr>
-          <p:txBody>
-            <a:bodyPr wrap="square" rtlCol="0">
-              <a:spAutoFit/>
-            </a:bodyPr>
-            <a:lstStyle/>
-            <a:p>
-              <a:pPr algn="ctr"/>
-              <a:r>
-                <a:rPr lang="en-US" altLang="ko-KR" sz="1600" dirty="0" smtClean="0">
-                  <a:solidFill>
-                    <a:srgbClr val="192537"/>
-                  </a:solidFill>
-                  <a:latin typeface="배달의민족 주아" panose="02020603020101020101" pitchFamily="18" charset="-127"/>
-                  <a:ea typeface="배달의민족 주아" panose="02020603020101020101" pitchFamily="18" charset="-127"/>
-                </a:rPr>
-                <a:t>SALE </a:t>
-              </a:r>
-              <a:r>
-                <a:rPr lang="ko-KR" altLang="en-US" sz="1600" dirty="0" smtClean="0">
-                  <a:solidFill>
-                    <a:srgbClr val="192537"/>
-                  </a:solidFill>
-                  <a:latin typeface="배달의민족 주아" panose="02020603020101020101" pitchFamily="18" charset="-127"/>
-                  <a:ea typeface="배달의민족 주아" panose="02020603020101020101" pitchFamily="18" charset="-127"/>
-                </a:rPr>
-                <a:t>상품</a:t>
-              </a:r>
-              <a:endParaRPr lang="ko-KR" altLang="en-US" sz="1600" dirty="0">
-                <a:solidFill>
-                  <a:srgbClr val="192537"/>
-                </a:solidFill>
-                <a:latin typeface="배달의민족 주아" panose="02020603020101020101" pitchFamily="18" charset="-127"/>
-                <a:ea typeface="배달의민족 주아" panose="02020603020101020101" pitchFamily="18" charset="-127"/>
-              </a:endParaRPr>
-            </a:p>
-          </p:txBody>
-        </p:sp>
-        <p:sp>
-          <p:nvSpPr>
-            <p:cNvPr id="27" name="TextBox 26"/>
-            <p:cNvSpPr txBox="1"/>
-            <p:nvPr/>
-          </p:nvSpPr>
-          <p:spPr>
-            <a:xfrm>
-              <a:off x="1440307" y="4203527"/>
-              <a:ext cx="1265022" cy="338554"/>
-            </a:xfrm>
-            <a:prstGeom prst="rect">
-              <a:avLst/>
-            </a:prstGeom>
-            <a:noFill/>
-          </p:spPr>
-          <p:txBody>
-            <a:bodyPr wrap="square" rtlCol="0">
-              <a:spAutoFit/>
-            </a:bodyPr>
-            <a:lstStyle/>
-            <a:p>
-              <a:pPr algn="ctr"/>
-              <a:r>
-                <a:rPr lang="en-US" altLang="ko-KR" sz="1600" dirty="0" smtClean="0">
-                  <a:solidFill>
-                    <a:srgbClr val="192537"/>
-                  </a:solidFill>
-                  <a:latin typeface="배달의민족 주아" panose="02020603020101020101" pitchFamily="18" charset="-127"/>
-                  <a:ea typeface="배달의민족 주아" panose="02020603020101020101" pitchFamily="18" charset="-127"/>
-                </a:rPr>
-                <a:t>New </a:t>
-              </a:r>
-              <a:r>
-                <a:rPr lang="ko-KR" altLang="en-US" sz="1600" dirty="0" smtClean="0">
-                  <a:solidFill>
-                    <a:srgbClr val="192537"/>
-                  </a:solidFill>
-                  <a:latin typeface="배달의민족 주아" panose="02020603020101020101" pitchFamily="18" charset="-127"/>
-                  <a:ea typeface="배달의민족 주아" panose="02020603020101020101" pitchFamily="18" charset="-127"/>
-                </a:rPr>
-                <a:t>상품</a:t>
-              </a:r>
-              <a:endParaRPr lang="ko-KR" altLang="en-US" sz="1600" dirty="0">
-                <a:solidFill>
-                  <a:srgbClr val="192537"/>
-                </a:solidFill>
-                <a:latin typeface="배달의민족 주아" panose="02020603020101020101" pitchFamily="18" charset="-127"/>
-                <a:ea typeface="배달의민족 주아" panose="02020603020101020101" pitchFamily="18" charset="-127"/>
-              </a:endParaRPr>
-            </a:p>
-          </p:txBody>
-        </p:sp>
-        <p:pic>
-          <p:nvPicPr>
-            <p:cNvPr id="28" name="그림 27"/>
-            <p:cNvPicPr>
-              <a:picLocks noChangeAspect="1"/>
-            </p:cNvPicPr>
-            <p:nvPr/>
-          </p:nvPicPr>
-          <p:blipFill>
-            <a:blip r:embed="rId3" cstate="print">
-              <a:extLst>
-                <a:ext uri="{28A0092B-C50C-407E-A947-70E740481C1C}">
-                  <a14:useLocalDpi xmlns:a14="http://schemas.microsoft.com/office/drawing/2010/main" val="0"/>
-                </a:ext>
-              </a:extLst>
-            </a:blip>
-            <a:stretch>
-              <a:fillRect/>
-            </a:stretch>
-          </p:blipFill>
-          <p:spPr>
-            <a:xfrm>
-              <a:off x="1100436" y="3374899"/>
-              <a:ext cx="797296" cy="797296"/>
-            </a:xfrm>
-            <a:prstGeom prst="rect">
-              <a:avLst/>
-            </a:prstGeom>
-          </p:spPr>
-        </p:pic>
-        <p:pic>
-          <p:nvPicPr>
-            <p:cNvPr id="29" name="그림 28"/>
-            <p:cNvPicPr>
-              <a:picLocks noChangeAspect="1"/>
-            </p:cNvPicPr>
-            <p:nvPr/>
-          </p:nvPicPr>
-          <p:blipFill>
-            <a:blip r:embed="rId4" cstate="print">
-              <a:extLst>
-                <a:ext uri="{28A0092B-C50C-407E-A947-70E740481C1C}">
-                  <a14:useLocalDpi xmlns:a14="http://schemas.microsoft.com/office/drawing/2010/main" val="0"/>
-                </a:ext>
-              </a:extLst>
-            </a:blip>
-            <a:stretch>
-              <a:fillRect/>
-            </a:stretch>
-          </p:blipFill>
-          <p:spPr>
-            <a:xfrm>
-              <a:off x="2157252" y="3343568"/>
-              <a:ext cx="799200" cy="799200"/>
-            </a:xfrm>
-            <a:prstGeom prst="rect">
-              <a:avLst/>
-            </a:prstGeom>
-          </p:spPr>
-        </p:pic>
-        <p:pic>
-          <p:nvPicPr>
-            <p:cNvPr id="30" name="그림 29"/>
-            <p:cNvPicPr>
-              <a:picLocks noChangeAspect="1"/>
-            </p:cNvPicPr>
-            <p:nvPr/>
-          </p:nvPicPr>
-          <p:blipFill>
-            <a:blip r:embed="rId5" cstate="print">
-              <a:extLst>
-                <a:ext uri="{28A0092B-C50C-407E-A947-70E740481C1C}">
-                  <a14:useLocalDpi xmlns:a14="http://schemas.microsoft.com/office/drawing/2010/main" val="0"/>
-                </a:ext>
-              </a:extLst>
-            </a:blip>
-            <a:stretch>
-              <a:fillRect/>
-            </a:stretch>
-          </p:blipFill>
-          <p:spPr>
-            <a:xfrm>
-              <a:off x="1098532" y="4571244"/>
-              <a:ext cx="799200" cy="799200"/>
-            </a:xfrm>
-            <a:prstGeom prst="rect">
-              <a:avLst/>
-            </a:prstGeom>
-          </p:spPr>
-        </p:pic>
-        <p:pic>
-          <p:nvPicPr>
-            <p:cNvPr id="32" name="그림 31"/>
-            <p:cNvPicPr>
-              <a:picLocks noChangeAspect="1"/>
-            </p:cNvPicPr>
-            <p:nvPr/>
-          </p:nvPicPr>
-          <p:blipFill>
-            <a:blip r:embed="rId6" cstate="print">
-              <a:extLst>
-                <a:ext uri="{28A0092B-C50C-407E-A947-70E740481C1C}">
-                  <a14:useLocalDpi xmlns:a14="http://schemas.microsoft.com/office/drawing/2010/main" val="0"/>
-                </a:ext>
-              </a:extLst>
-            </a:blip>
-            <a:stretch>
-              <a:fillRect/>
-            </a:stretch>
-          </p:blipFill>
-          <p:spPr>
-            <a:xfrm>
-              <a:off x="2157252" y="4603127"/>
-              <a:ext cx="799200" cy="799200"/>
-            </a:xfrm>
-            <a:prstGeom prst="rect">
-              <a:avLst/>
-            </a:prstGeom>
-          </p:spPr>
-        </p:pic>
       </p:grpSp>
       <p:sp>
         <p:nvSpPr>
@@ -4348,7 +3977,7 @@
         <p:spPr>
           <a:xfrm>
             <a:off x="8693546" y="1934641"/>
-            <a:ext cx="3498454" cy="3416320"/>
+            <a:ext cx="3498454" cy="2862322"/>
           </a:xfrm>
           <a:prstGeom prst="rect">
             <a:avLst/>
@@ -4366,16 +3995,53 @@
               <a:buChar char="•"/>
             </a:pPr>
             <a:r>
-              <a:rPr lang="ko-KR" altLang="en-US" dirty="0" smtClean="0">
+              <a:rPr lang="ko-KR" altLang="en-US" dirty="0">
                 <a:latin typeface="배달의민족 한나체 Pro" panose="020B0600000101010101" pitchFamily="50" charset="-127"/>
                 <a:ea typeface="배달의민족 한나체 Pro" panose="020B0600000101010101" pitchFamily="50" charset="-127"/>
               </a:rPr>
-              <a:t>얼굴 인식 진행</a:t>
-            </a:r>
-            <a:endParaRPr lang="en-US" altLang="ko-KR" dirty="0" smtClean="0">
+              <a:t>마스크 착용 여부 체크</a:t>
+            </a:r>
+            <a:endParaRPr lang="en-US" altLang="ko-KR" dirty="0">
               <a:latin typeface="배달의민족 한나체 Pro" panose="020B0600000101010101" pitchFamily="50" charset="-127"/>
               <a:ea typeface="배달의민족 한나체 Pro" panose="020B0600000101010101" pitchFamily="50" charset="-127"/>
             </a:endParaRPr>
+          </a:p>
+          <a:p>
+            <a:r>
+              <a:rPr lang="en-US" altLang="ko-KR" dirty="0">
+                <a:latin typeface="배달의민족 한나체 Pro" panose="020B0600000101010101" pitchFamily="50" charset="-127"/>
+                <a:ea typeface="배달의민족 한나체 Pro" panose="020B0600000101010101" pitchFamily="50" charset="-127"/>
+              </a:rPr>
+              <a:t>   (</a:t>
+            </a:r>
+            <a:r>
+              <a:rPr lang="ko-KR" altLang="en-US" dirty="0">
+                <a:latin typeface="배달의민족 한나체 Pro" panose="020B0600000101010101" pitchFamily="50" charset="-127"/>
+                <a:ea typeface="배달의민족 한나체 Pro" panose="020B0600000101010101" pitchFamily="50" charset="-127"/>
+              </a:rPr>
+              <a:t>미착용시 경고</a:t>
+            </a:r>
+            <a:r>
+              <a:rPr lang="en-US" altLang="ko-KR" dirty="0">
+                <a:latin typeface="배달의민족 한나체 Pro" panose="020B0600000101010101" pitchFamily="50" charset="-127"/>
+                <a:ea typeface="배달의민족 한나체 Pro" panose="020B0600000101010101" pitchFamily="50" charset="-127"/>
+              </a:rPr>
+              <a:t>, </a:t>
+            </a:r>
+            <a:r>
+              <a:rPr lang="ko-KR" altLang="en-US" dirty="0">
+                <a:latin typeface="배달의민족 한나체 Pro" panose="020B0600000101010101" pitchFamily="50" charset="-127"/>
+                <a:ea typeface="배달의민족 한나체 Pro" panose="020B0600000101010101" pitchFamily="50" charset="-127"/>
+              </a:rPr>
+              <a:t>출입 불가 안내</a:t>
+            </a:r>
+            <a:r>
+              <a:rPr lang="en-US" altLang="ko-KR" dirty="0">
+                <a:latin typeface="배달의민족 한나체 Pro" panose="020B0600000101010101" pitchFamily="50" charset="-127"/>
+                <a:ea typeface="배달의민족 한나체 Pro" panose="020B0600000101010101" pitchFamily="50" charset="-127"/>
+              </a:rPr>
+              <a:t>)</a:t>
+            </a:r>
           </a:p>
           <a:p>
             <a:pPr marL="285750" indent="-285750">
@@ -4397,7 +4063,7 @@
                 <a:latin typeface="배달의민족 한나체 Pro" panose="020B0600000101010101" pitchFamily="50" charset="-127"/>
                 <a:ea typeface="배달의민족 한나체 Pro" panose="020B0600000101010101" pitchFamily="50" charset="-127"/>
               </a:rPr>
-              <a:t>마스크 착용 여부 체크</a:t>
+              <a:t>얼굴 인식 진행</a:t>
             </a:r>
             <a:endParaRPr lang="en-US" altLang="ko-KR" dirty="0">
               <a:latin typeface="배달의민족 한나체 Pro" panose="020B0600000101010101" pitchFamily="50" charset="-127"/>
@@ -4405,33 +4071,63 @@
             </a:endParaRPr>
           </a:p>
           <a:p>
+            <a:pPr marL="285750" indent="-285750">
+              <a:buFont typeface="Arial" panose="020B0604020202020204" pitchFamily="34" charset="0"/>
+              <a:buChar char="•"/>
+            </a:pPr>
+            <a:r>
+              <a:rPr lang="ko-KR" altLang="en-US" dirty="0" smtClean="0">
+                <a:latin typeface="배달의민족 한나체 Pro" panose="020B0600000101010101" pitchFamily="50" charset="-127"/>
+                <a:ea typeface="배달의민족 한나체 Pro" panose="020B0600000101010101" pitchFamily="50" charset="-127"/>
+              </a:rPr>
+              <a:t>마스크 착용 </a:t>
+            </a:r>
             <a:r>
               <a:rPr lang="en-US" altLang="ko-KR" dirty="0" smtClean="0">
                 <a:latin typeface="배달의민족 한나체 Pro" panose="020B0600000101010101" pitchFamily="50" charset="-127"/>
                 <a:ea typeface="배달의민족 한나체 Pro" panose="020B0600000101010101" pitchFamily="50" charset="-127"/>
               </a:rPr>
-              <a:t>   (</a:t>
+              <a:t>&amp; </a:t>
             </a:r>
             <a:r>
               <a:rPr lang="ko-KR" altLang="en-US" dirty="0" smtClean="0">
                 <a:latin typeface="배달의민족 한나체 Pro" panose="020B0600000101010101" pitchFamily="50" charset="-127"/>
                 <a:ea typeface="배달의민족 한나체 Pro" panose="020B0600000101010101" pitchFamily="50" charset="-127"/>
               </a:rPr>
-              <a:t>미착용시 경고</a:t>
-            </a:r>
+              <a:t>등록된 고객</a:t>
+            </a:r>
+            <a:endParaRPr lang="en-US" altLang="ko-KR" dirty="0" smtClean="0">
+              <a:latin typeface="배달의민족 한나체 Pro" panose="020B0600000101010101" pitchFamily="50" charset="-127"/>
+              <a:ea typeface="배달의민족 한나체 Pro" panose="020B0600000101010101" pitchFamily="50" charset="-127"/>
+            </a:endParaRPr>
+          </a:p>
+          <a:p>
+            <a:r>
+              <a:rPr lang="ko-KR" altLang="en-US" dirty="0" smtClean="0">
+                <a:latin typeface="배달의민족 한나체 Pro" panose="020B0600000101010101" pitchFamily="50" charset="-127"/>
+                <a:ea typeface="배달의민족 한나체 Pro" panose="020B0600000101010101" pitchFamily="50" charset="-127"/>
+              </a:rPr>
+              <a:t>    이라면 인식 완료시 입장 안내</a:t>
+            </a:r>
+            <a:endParaRPr lang="en-US" altLang="ko-KR" dirty="0" smtClean="0">
+              <a:latin typeface="배달의민족 한나체 Pro" panose="020B0600000101010101" pitchFamily="50" charset="-127"/>
+              <a:ea typeface="배달의민족 한나체 Pro" panose="020B0600000101010101" pitchFamily="50" charset="-127"/>
+            </a:endParaRPr>
+          </a:p>
+          <a:p>
             <a:r>
               <a:rPr lang="en-US" altLang="ko-KR" dirty="0" smtClean="0">
                 <a:latin typeface="배달의민족 한나체 Pro" panose="020B0600000101010101" pitchFamily="50" charset="-127"/>
                 <a:ea typeface="배달의민족 한나체 Pro" panose="020B0600000101010101" pitchFamily="50" charset="-127"/>
               </a:rPr>
-              <a:t>, </a:t>
+              <a:t>    (</a:t>
             </a:r>
             <a:r>
               <a:rPr lang="ko-KR" altLang="en-US" dirty="0" smtClean="0">
                 <a:latin typeface="배달의민족 한나체 Pro" panose="020B0600000101010101" pitchFamily="50" charset="-127"/>
                 <a:ea typeface="배달의민족 한나체 Pro" panose="020B0600000101010101" pitchFamily="50" charset="-127"/>
               </a:rPr>
-              <a:t>출입 불가 안내</a:t>
+              <a:t>매장 직원에게 고객 정보 제공</a:t>
             </a:r>
             <a:r>
               <a:rPr lang="en-US" altLang="ko-KR" dirty="0" smtClean="0">
@@ -4471,7 +4167,7 @@
                 <a:latin typeface="배달의민족 한나체 Pro" panose="020B0600000101010101" pitchFamily="50" charset="-127"/>
                 <a:ea typeface="배달의민족 한나체 Pro" panose="020B0600000101010101" pitchFamily="50" charset="-127"/>
               </a:rPr>
-              <a:t>등록된 고객</a:t>
+              <a:t>등록되지 않은 </a:t>
             </a:r>
             <a:endParaRPr lang="en-US" altLang="ko-KR" dirty="0" smtClean="0">
               <a:latin typeface="배달의민족 한나체 Pro" panose="020B0600000101010101" pitchFamily="50" charset="-127"/>
@@ -4480,122 +4176,240 @@
           </a:p>
           <a:p>
             <a:r>
+              <a:rPr lang="en-US" altLang="ko-KR" dirty="0" smtClean="0">
+                <a:latin typeface="배달의민족 한나체 Pro" panose="020B0600000101010101" pitchFamily="50" charset="-127"/>
+                <a:ea typeface="배달의민족 한나체 Pro" panose="020B0600000101010101" pitchFamily="50" charset="-127"/>
+              </a:rPr>
+              <a:t>    </a:t>
+            </a:r>
+            <a:r>
               <a:rPr lang="ko-KR" altLang="en-US" dirty="0" smtClean="0">
                 <a:latin typeface="배달의민족 한나체 Pro" panose="020B0600000101010101" pitchFamily="50" charset="-127"/>
                 <a:ea typeface="배달의민족 한나체 Pro" panose="020B0600000101010101" pitchFamily="50" charset="-127"/>
               </a:rPr>
-              <a:t>    이라면 인식 완료시 입장 안내</a:t>
-            </a:r>
-            <a:endParaRPr lang="en-US" altLang="ko-KR" dirty="0" smtClean="0">
-              <a:latin typeface="배달의민족 한나체 Pro" panose="020B0600000101010101" pitchFamily="50" charset="-127"/>
-              <a:ea typeface="배달의민족 한나체 Pro" panose="020B0600000101010101" pitchFamily="50" charset="-127"/>
-            </a:endParaRPr>
-          </a:p>
-          <a:p>
+              <a:t>고객이라면 직원에게 정보 제공</a:t>
+            </a:r>
             <a:r>
               <a:rPr lang="en-US" altLang="ko-KR" dirty="0" smtClean="0">
                 <a:latin typeface="배달의민족 한나체 Pro" panose="020B0600000101010101" pitchFamily="50" charset="-127"/>
                 <a:ea typeface="배달의민족 한나체 Pro" panose="020B0600000101010101" pitchFamily="50" charset="-127"/>
               </a:rPr>
-              <a:t>    (</a:t>
-            </a:r>
-            <a:r>
-              <a:rPr lang="ko-KR" altLang="en-US" dirty="0" smtClean="0">
-                <a:latin typeface="배달의민족 한나체 Pro" panose="020B0600000101010101" pitchFamily="50" charset="-127"/>
-                <a:ea typeface="배달의민족 한나체 Pro" panose="020B0600000101010101" pitchFamily="50" charset="-127"/>
-              </a:rPr>
-              <a:t>매장 직원에게 고객 정보 제공</a:t>
-            </a:r>
-            <a:r>
-              <a:rPr lang="en-US" altLang="ko-KR" dirty="0" smtClean="0">
-                <a:latin typeface="배달의민족 한나체 Pro" panose="020B0600000101010101" pitchFamily="50" charset="-127"/>
-                <a:ea typeface="배달의민족 한나체 Pro" panose="020B0600000101010101" pitchFamily="50" charset="-127"/>
-              </a:rPr>
-              <a:t>)</a:t>
-            </a:r>
-          </a:p>
-          <a:p>
-            <a:endParaRPr lang="en-US" altLang="ko-KR" dirty="0">
-              <a:latin typeface="배달의민족 한나체 Pro" panose="020B0600000101010101" pitchFamily="50" charset="-127"/>
-              <a:ea typeface="배달의민족 한나체 Pro" panose="020B0600000101010101" pitchFamily="50" charset="-127"/>
-            </a:endParaRPr>
-          </a:p>
-          <a:p>
-            <a:pPr marL="285750" indent="-285750">
-              <a:buFont typeface="Arial" panose="020B0604020202020204" pitchFamily="34" charset="0"/>
-              <a:buChar char="•"/>
-            </a:pPr>
-            <a:r>
-              <a:rPr lang="ko-KR" altLang="en-US" dirty="0" smtClean="0">
-                <a:latin typeface="배달의민족 한나체 Pro" panose="020B0600000101010101" pitchFamily="50" charset="-127"/>
-                <a:ea typeface="배달의민족 한나체 Pro" panose="020B0600000101010101" pitchFamily="50" charset="-127"/>
-              </a:rPr>
-              <a:t>인식이 되는 시간 동안 기다림의 </a:t>
-            </a:r>
-            <a:endParaRPr lang="en-US" altLang="ko-KR" dirty="0" smtClean="0">
-              <a:latin typeface="배달의민족 한나체 Pro" panose="020B0600000101010101" pitchFamily="50" charset="-127"/>
-              <a:ea typeface="배달의민족 한나체 Pro" panose="020B0600000101010101" pitchFamily="50" charset="-127"/>
-            </a:endParaRPr>
-          </a:p>
-          <a:p>
-            <a:r>
-              <a:rPr lang="en-US" altLang="ko-KR" dirty="0">
-                <a:latin typeface="배달의민족 한나체 Pro" panose="020B0600000101010101" pitchFamily="50" charset="-127"/>
-                <a:ea typeface="배달의민족 한나체 Pro" panose="020B0600000101010101" pitchFamily="50" charset="-127"/>
-              </a:rPr>
-              <a:t> </a:t>
-            </a:r>
-            <a:r>
-              <a:rPr lang="en-US" altLang="ko-KR" dirty="0" smtClean="0">
-                <a:latin typeface="배달의민족 한나체 Pro" panose="020B0600000101010101" pitchFamily="50" charset="-127"/>
-                <a:ea typeface="배달의민족 한나체 Pro" panose="020B0600000101010101" pitchFamily="50" charset="-127"/>
-              </a:rPr>
-              <a:t>   </a:t>
-            </a:r>
-            <a:r>
-              <a:rPr lang="ko-KR" altLang="en-US" dirty="0" smtClean="0">
-                <a:latin typeface="배달의민족 한나체 Pro" panose="020B0600000101010101" pitchFamily="50" charset="-127"/>
-                <a:ea typeface="배달의민족 한나체 Pro" panose="020B0600000101010101" pitchFamily="50" charset="-127"/>
-              </a:rPr>
-              <a:t>지루함을 없애기 위한</a:t>
-            </a:r>
-            <a:r>
-              <a:rPr lang="en-US" altLang="ko-KR" dirty="0">
-                <a:latin typeface="배달의민족 한나체 Pro" panose="020B0600000101010101" pitchFamily="50" charset="-127"/>
-                <a:ea typeface="배달의민족 한나체 Pro" panose="020B0600000101010101" pitchFamily="50" charset="-127"/>
-              </a:rPr>
-              <a:t> </a:t>
-            </a:r>
-          </a:p>
-          <a:p>
-            <a:r>
-              <a:rPr lang="en-US" altLang="ko-KR" dirty="0" smtClean="0">
-                <a:latin typeface="배달의민족 한나체 Pro" panose="020B0600000101010101" pitchFamily="50" charset="-127"/>
-                <a:ea typeface="배달의민족 한나체 Pro" panose="020B0600000101010101" pitchFamily="50" charset="-127"/>
-              </a:rPr>
-              <a:t>    SALE, NEW</a:t>
-            </a:r>
-            <a:r>
-              <a:rPr lang="ko-KR" altLang="en-US" dirty="0">
-                <a:latin typeface="배달의민족 한나체 Pro" panose="020B0600000101010101" pitchFamily="50" charset="-127"/>
-                <a:ea typeface="배달의민족 한나체 Pro" panose="020B0600000101010101" pitchFamily="50" charset="-127"/>
-              </a:rPr>
-              <a:t> </a:t>
-            </a:r>
-            <a:r>
-              <a:rPr lang="ko-KR" altLang="en-US" dirty="0" smtClean="0">
-                <a:latin typeface="배달의민족 한나체 Pro" panose="020B0600000101010101" pitchFamily="50" charset="-127"/>
-                <a:ea typeface="배달의민족 한나체 Pro" panose="020B0600000101010101" pitchFamily="50" charset="-127"/>
-              </a:rPr>
-              <a:t>상품 소개</a:t>
-            </a:r>
-            <a:endParaRPr lang="en-US" altLang="ko-KR" dirty="0" smtClean="0">
-              <a:latin typeface="배달의민족 한나체 Pro" panose="020B0600000101010101" pitchFamily="50" charset="-127"/>
-              <a:ea typeface="배달의민족 한나체 Pro" panose="020B0600000101010101" pitchFamily="50" charset="-127"/>
-            </a:endParaRPr>
-          </a:p>
-        </p:txBody>
-      </p:sp>
+              <a:t>x</a:t>
+            </a:r>
+          </a:p>
+        </p:txBody>
+      </p:sp>
+      <p:pic>
+        <p:nvPicPr>
+          <p:cNvPr id="2" name="그림 1"/>
+          <p:cNvPicPr>
+            <a:picLocks noChangeAspect="1"/>
+          </p:cNvPicPr>
+          <p:nvPr/>
+        </p:nvPicPr>
+        <p:blipFill>
+          <a:blip r:embed="rId3" cstate="print">
+            <a:extLst>
+              <a:ext uri="{28A0092B-C50C-407E-A947-70E740481C1C}">
+                <a14:useLocalDpi xmlns:a14="http://schemas.microsoft.com/office/drawing/2010/main" val="0"/>
+              </a:ext>
+            </a:extLst>
+          </a:blip>
+          <a:stretch>
+            <a:fillRect/>
+          </a:stretch>
+        </p:blipFill>
+        <p:spPr>
+          <a:xfrm>
+            <a:off x="241418" y="1940729"/>
+            <a:ext cx="1645258" cy="3430964"/>
+          </a:xfrm>
+          <a:prstGeom prst="rect">
+            <a:avLst/>
+          </a:prstGeom>
+        </p:spPr>
+      </p:pic>
+      <p:sp>
+        <p:nvSpPr>
+          <p:cNvPr id="3" name="TextBox 2"/>
+          <p:cNvSpPr txBox="1"/>
+          <p:nvPr/>
+        </p:nvSpPr>
+        <p:spPr>
+          <a:xfrm>
+            <a:off x="848009" y="1940729"/>
+            <a:ext cx="551754" cy="3323987"/>
+          </a:xfrm>
+          <a:prstGeom prst="rect">
+            <a:avLst/>
+          </a:prstGeom>
+          <a:noFill/>
+        </p:spPr>
+        <p:txBody>
+          <a:bodyPr wrap="none" rtlCol="0" anchor="ctr">
+            <a:spAutoFit/>
+          </a:bodyPr>
+          <a:lstStyle/>
+          <a:p>
+            <a:pPr algn="ctr"/>
+            <a:r>
+              <a:rPr lang="en-US" altLang="ko-KR" sz="3000" dirty="0" smtClean="0"/>
+              <a:t>W</a:t>
+            </a:r>
+          </a:p>
+          <a:p>
+            <a:pPr algn="ctr"/>
+            <a:r>
+              <a:rPr lang="en-US" altLang="ko-KR" sz="3000" dirty="0" smtClean="0"/>
+              <a:t>E</a:t>
+            </a:r>
+          </a:p>
+          <a:p>
+            <a:pPr algn="ctr"/>
+            <a:r>
+              <a:rPr lang="en-US" altLang="ko-KR" sz="3000" dirty="0" smtClean="0"/>
+              <a:t>L</a:t>
+            </a:r>
+          </a:p>
+          <a:p>
+            <a:pPr algn="ctr"/>
+            <a:r>
+              <a:rPr lang="en-US" altLang="ko-KR" sz="3000" dirty="0" smtClean="0"/>
+              <a:t>C</a:t>
+            </a:r>
+          </a:p>
+          <a:p>
+            <a:pPr algn="ctr"/>
+            <a:r>
+              <a:rPr lang="en-US" altLang="ko-KR" sz="3000" dirty="0" smtClean="0"/>
+              <a:t>O</a:t>
+            </a:r>
+          </a:p>
+          <a:p>
+            <a:pPr algn="ctr"/>
+            <a:r>
+              <a:rPr lang="en-US" altLang="ko-KR" sz="3000" dirty="0" smtClean="0"/>
+              <a:t>M</a:t>
+            </a:r>
+          </a:p>
+          <a:p>
+            <a:pPr algn="ctr"/>
+            <a:r>
+              <a:rPr lang="en-US" altLang="ko-KR" sz="3000" dirty="0" smtClean="0"/>
+              <a:t>E</a:t>
+            </a:r>
+            <a:endParaRPr lang="ko-KR" altLang="en-US" sz="3000" dirty="0"/>
+          </a:p>
+        </p:txBody>
+      </p:sp>
+      <p:sp>
+        <p:nvSpPr>
+          <p:cNvPr id="6" name="모서리가 둥근 직사각형 5"/>
+          <p:cNvSpPr/>
+          <p:nvPr/>
+        </p:nvSpPr>
+        <p:spPr>
+          <a:xfrm>
+            <a:off x="6724996" y="1845936"/>
+            <a:ext cx="1371600" cy="3519669"/>
+          </a:xfrm>
+          <a:prstGeom prst="roundRect">
+            <a:avLst/>
+          </a:prstGeom>
+          <a:solidFill>
+            <a:srgbClr val="192537"/>
+          </a:solidFill>
+          <a:ln w="38100">
+            <a:solidFill>
+              <a:srgbClr val="192537"/>
+            </a:solidFill>
+          </a:ln>
+        </p:spPr>
+        <p:style>
+          <a:lnRef idx="2">
+            <a:schemeClr val="accent1">
+              <a:shade val="50000"/>
+            </a:schemeClr>
+          </a:lnRef>
+          <a:fillRef idx="1">
+            <a:schemeClr val="accent1"/>
+          </a:fillRef>
+          <a:effectRef idx="0">
+            <a:schemeClr val="accent1"/>
+          </a:effectRef>
+          <a:fontRef idx="minor">
+            <a:schemeClr val="lt1"/>
+          </a:fontRef>
+        </p:style>
+        <p:txBody>
+          <a:bodyPr rtlCol="0" anchor="ctr"/>
+          <a:lstStyle/>
+          <a:p>
+            <a:pPr algn="ctr"/>
+            <a:endParaRPr lang="ko-KR" altLang="en-US"/>
+          </a:p>
+        </p:txBody>
+      </p:sp>
+      <p:pic>
+        <p:nvPicPr>
+          <p:cNvPr id="7" name="그림 6"/>
+          <p:cNvPicPr>
+            <a:picLocks noChangeAspect="1"/>
+          </p:cNvPicPr>
+          <p:nvPr/>
+        </p:nvPicPr>
+        <p:blipFill>
+          <a:blip r:embed="rId4" cstate="print">
+            <a:extLst>
+              <a:ext uri="{28A0092B-C50C-407E-A947-70E740481C1C}">
+                <a14:useLocalDpi xmlns:a14="http://schemas.microsoft.com/office/drawing/2010/main" val="0"/>
+              </a:ext>
+            </a:extLst>
+          </a:blip>
+          <a:stretch>
+            <a:fillRect/>
+          </a:stretch>
+        </p:blipFill>
+        <p:spPr>
+          <a:xfrm>
+            <a:off x="5646127" y="5626627"/>
+            <a:ext cx="622896" cy="622896"/>
+          </a:xfrm>
+          <a:prstGeom prst="rect">
+            <a:avLst/>
+          </a:prstGeom>
+        </p:spPr>
+      </p:pic>
+      <p:pic>
+        <p:nvPicPr>
+          <p:cNvPr id="9" name="그림 8"/>
+          <p:cNvPicPr>
+            <a:picLocks noChangeAspect="1"/>
+          </p:cNvPicPr>
+          <p:nvPr/>
+        </p:nvPicPr>
+        <p:blipFill>
+          <a:blip r:embed="rId5" cstate="print">
+            <a:extLst>
+              <a:ext uri="{28A0092B-C50C-407E-A947-70E740481C1C}">
+                <a14:useLocalDpi xmlns:a14="http://schemas.microsoft.com/office/drawing/2010/main" val="0"/>
+              </a:ext>
+            </a:extLst>
+          </a:blip>
+          <a:stretch>
+            <a:fillRect/>
+          </a:stretch>
+        </p:blipFill>
+        <p:spPr>
+          <a:xfrm>
+            <a:off x="6770928" y="1934640"/>
+            <a:ext cx="1325668" cy="3330075"/>
+          </a:xfrm>
+          <a:prstGeom prst="rect">
+            <a:avLst/>
+          </a:prstGeom>
+        </p:spPr>
+      </p:pic>
     </p:spTree>
     <p:extLst>
       <p:ext uri="{BB962C8B-B14F-4D97-AF65-F5344CB8AC3E}">
@@ -4910,10 +4724,10 @@
           </p:nvGrpSpPr>
           <p:grpSpPr>
             <a:xfrm>
-              <a:off x="4114213" y="1590675"/>
-              <a:ext cx="3714791" cy="4512708"/>
-              <a:chOff x="2843451" y="1676399"/>
-              <a:chExt cx="3714791" cy="4512708"/>
+              <a:off x="3014687" y="2333270"/>
+              <a:ext cx="4640940" cy="3770113"/>
+              <a:chOff x="1743925" y="2418994"/>
+              <a:chExt cx="4640940" cy="3770113"/>
             </a:xfrm>
           </p:grpSpPr>
           <p:sp>
@@ -4924,7 +4738,7 @@
             </p:nvSpPr>
             <p:spPr>
               <a:xfrm>
-                <a:off x="3099088" y="1676399"/>
+                <a:off x="1743925" y="2418994"/>
                 <a:ext cx="549852" cy="485775"/>
               </a:xfrm>
               <a:prstGeom prst="halfFrame">
@@ -4979,7 +4793,7 @@
             </p:nvSpPr>
             <p:spPr>
               <a:xfrm flipV="1">
-                <a:off x="3099088" y="4676774"/>
+                <a:off x="1743925" y="4991230"/>
                 <a:ext cx="549852" cy="485775"/>
               </a:xfrm>
               <a:prstGeom prst="halfFrame">
@@ -5034,7 +4848,7 @@
             </p:nvSpPr>
             <p:spPr>
               <a:xfrm flipH="1" flipV="1">
-                <a:off x="5835013" y="4676774"/>
+                <a:off x="4479850" y="4991230"/>
                 <a:ext cx="549852" cy="485775"/>
               </a:xfrm>
               <a:prstGeom prst="halfFrame">
@@ -5089,7 +4903,7 @@
             </p:nvSpPr>
             <p:spPr>
               <a:xfrm flipH="1">
-                <a:off x="5835013" y="1676399"/>
+                <a:off x="4479850" y="2418994"/>
                 <a:ext cx="549852" cy="485775"/>
               </a:xfrm>
               <a:prstGeom prst="halfFrame">
@@ -5144,8 +4958,8 @@
             </p:nvSpPr>
             <p:spPr>
               <a:xfrm>
-                <a:off x="3374014" y="1847850"/>
-                <a:ext cx="2735925" cy="3152775"/>
+                <a:off x="2192118" y="2666168"/>
+                <a:ext cx="2389391" cy="2753442"/>
               </a:xfrm>
               <a:prstGeom prst="ellipse">
                 <a:avLst/>
@@ -5213,72 +5027,6 @@
               </a:p>
             </p:txBody>
           </p:sp>
-          <p:sp>
-            <p:nvSpPr>
-              <p:cNvPr id="20" name="TextBox 19"/>
-              <p:cNvSpPr txBox="1"/>
-              <p:nvPr/>
-            </p:nvSpPr>
-            <p:spPr>
-              <a:xfrm>
-                <a:off x="2843451" y="5417639"/>
-                <a:ext cx="3714791" cy="646331"/>
-              </a:xfrm>
-              <a:prstGeom prst="rect">
-                <a:avLst/>
-              </a:prstGeom>
-              <a:noFill/>
-            </p:spPr>
-            <p:txBody>
-              <a:bodyPr wrap="square" rtlCol="0">
-                <a:spAutoFit/>
-              </a:bodyPr>
-              <a:lstStyle/>
-              <a:p>
-                <a:pPr algn="ctr"/>
-                <a:r>
-                  <a:rPr lang="ko-KR" altLang="en-US" dirty="0" smtClean="0">
-                    <a:solidFill>
-                      <a:srgbClr val="192537"/>
-                    </a:solidFill>
-                    <a:latin typeface="배달의민족 한나체 Pro" panose="020B0600000101010101" pitchFamily="50" charset="-127"/>
-                    <a:ea typeface="배달의민족 한나체 Pro" panose="020B0600000101010101" pitchFamily="50" charset="-127"/>
-                  </a:rPr>
-                  <a:t>얼굴을 가이드라인에 맞춰주시고</a:t>
-                </a:r>
-                <a:endParaRPr lang="en-US" altLang="ko-KR" dirty="0" smtClean="0">
-                  <a:solidFill>
-                    <a:srgbClr val="192537"/>
-                  </a:solidFill>
-                  <a:latin typeface="배달의민족 한나체 Pro" panose="020B0600000101010101" pitchFamily="50" charset="-127"/>
-                  <a:ea typeface="배달의민족 한나체 Pro" panose="020B0600000101010101" pitchFamily="50" charset="-127"/>
-                </a:endParaRPr>
-              </a:p>
-              <a:p>
-                <a:pPr algn="ctr"/>
-                <a:r>
-                  <a:rPr lang="ko-KR" altLang="en-US" dirty="0" smtClean="0">
-                    <a:solidFill>
-                      <a:srgbClr val="192537"/>
-                    </a:solidFill>
-                    <a:latin typeface="배달의민족 한나체 Pro" panose="020B0600000101010101" pitchFamily="50" charset="-127"/>
-                    <a:ea typeface="배달의민족 한나체 Pro" panose="020B0600000101010101" pitchFamily="50" charset="-127"/>
-                  </a:rPr>
-                  <a:t>결제가 완료될때까지 잠시 기다려주세요</a:t>
-                </a:r>
-                <a:r>
-                  <a:rPr lang="en-US" altLang="ko-KR" dirty="0" smtClean="0">
-                    <a:solidFill>
-                      <a:srgbClr val="192537"/>
-                    </a:solidFill>
-                    <a:latin typeface="배달의민족 한나체 Pro" panose="020B0600000101010101" pitchFamily="50" charset="-127"/>
-                    <a:ea typeface="배달의민족 한나체 Pro" panose="020B0600000101010101" pitchFamily="50" charset="-127"/>
-                  </a:rPr>
-                  <a:t>.</a:t>
-                </a:r>
-              </a:p>
-            </p:txBody>
-          </p:sp>
         </p:grpSp>
         <p:sp>
           <p:nvSpPr>
@@ -5288,7 +5036,7 @@
           </p:nvSpPr>
           <p:spPr>
             <a:xfrm>
-              <a:off x="1083359" y="1825536"/>
+              <a:off x="659363" y="2990417"/>
               <a:ext cx="1971675" cy="646331"/>
             </a:xfrm>
             <a:prstGeom prst="rect">
@@ -5311,7 +5059,7 @@
                   <a:latin typeface="배달의민족 주아" panose="02020603020101020101" pitchFamily="18" charset="-127"/>
                   <a:ea typeface="배달의민족 주아" panose="02020603020101020101" pitchFamily="18" charset="-127"/>
                 </a:rPr>
-                <a:t>등록된 결제 수단으로</a:t>
+                <a:t>버튼을 눌러</a:t>
               </a:r>
               <a:endParaRPr lang="en-US" altLang="ko-KR" dirty="0" smtClean="0">
                 <a:solidFill>
@@ -5331,7 +5079,7 @@
                   <a:latin typeface="배달의민족 주아" panose="02020603020101020101" pitchFamily="18" charset="-127"/>
                   <a:ea typeface="배달의민족 주아" panose="02020603020101020101" pitchFamily="18" charset="-127"/>
                 </a:rPr>
-                <a:t>결제됩니다</a:t>
+                <a:t>합계를 확인 하세요</a:t>
               </a:r>
               <a:r>
                 <a:rPr lang="en-US" altLang="ko-KR" dirty="0" smtClean="0">
@@ -5353,234 +5101,6 @@
             </a:p>
           </p:txBody>
         </p:sp>
-        <p:sp>
-          <p:nvSpPr>
-            <p:cNvPr id="22" name="모서리가 둥근 직사각형 21"/>
-            <p:cNvSpPr/>
-            <p:nvPr/>
-          </p:nvSpPr>
-          <p:spPr>
-            <a:xfrm>
-              <a:off x="836216" y="2694683"/>
-              <a:ext cx="2433835" cy="2715903"/>
-            </a:xfrm>
-            <a:prstGeom prst="roundRect">
-              <a:avLst/>
-            </a:prstGeom>
-            <a:noFill/>
-            <a:ln w="28575">
-              <a:solidFill>
-                <a:srgbClr val="192537"/>
-              </a:solidFill>
-            </a:ln>
-          </p:spPr>
-          <p:style>
-            <a:lnRef idx="2">
-              <a:schemeClr val="accent1">
-                <a:shade val="50000"/>
-              </a:schemeClr>
-            </a:lnRef>
-            <a:fillRef idx="1">
-              <a:schemeClr val="accent1"/>
-            </a:fillRef>
-            <a:effectRef idx="0">
-              <a:schemeClr val="accent1"/>
-            </a:effectRef>
-            <a:fontRef idx="minor">
-              <a:schemeClr val="lt1"/>
-            </a:fontRef>
-          </p:style>
-          <p:txBody>
-            <a:bodyPr rtlCol="0" anchor="ctr"/>
-            <a:lstStyle/>
-            <a:p>
-              <a:pPr algn="ctr"/>
-              <a:endParaRPr lang="ko-KR" altLang="en-US"/>
-            </a:p>
-          </p:txBody>
-        </p:sp>
-        <p:sp>
-          <p:nvSpPr>
-            <p:cNvPr id="24" name="TextBox 23"/>
-            <p:cNvSpPr txBox="1"/>
-            <p:nvPr/>
-          </p:nvSpPr>
-          <p:spPr>
-            <a:xfrm>
-              <a:off x="1420622" y="2757793"/>
-              <a:ext cx="1265022" cy="338554"/>
-            </a:xfrm>
-            <a:prstGeom prst="rect">
-              <a:avLst/>
-            </a:prstGeom>
-            <a:noFill/>
-          </p:spPr>
-          <p:txBody>
-            <a:bodyPr wrap="square" rtlCol="0">
-              <a:spAutoFit/>
-            </a:bodyPr>
-            <a:lstStyle/>
-            <a:p>
-              <a:pPr algn="ctr"/>
-              <a:r>
-                <a:rPr lang="ko-KR" altLang="en-US" sz="1600" dirty="0" smtClean="0">
-                  <a:solidFill>
-                    <a:srgbClr val="192537"/>
-                  </a:solidFill>
-                  <a:latin typeface="배달의민족 주아" panose="02020603020101020101" pitchFamily="18" charset="-127"/>
-                  <a:ea typeface="배달의민족 주아" panose="02020603020101020101" pitchFamily="18" charset="-127"/>
-                </a:rPr>
-                <a:t>구매 목록</a:t>
-              </a:r>
-              <a:endParaRPr lang="ko-KR" altLang="en-US" sz="1600" dirty="0">
-                <a:solidFill>
-                  <a:srgbClr val="192537"/>
-                </a:solidFill>
-                <a:latin typeface="배달의민족 주아" panose="02020603020101020101" pitchFamily="18" charset="-127"/>
-                <a:ea typeface="배달의민족 주아" panose="02020603020101020101" pitchFamily="18" charset="-127"/>
-              </a:endParaRPr>
-            </a:p>
-          </p:txBody>
-        </p:sp>
-        <p:sp>
-          <p:nvSpPr>
-            <p:cNvPr id="27" name="TextBox 26"/>
-            <p:cNvSpPr txBox="1"/>
-            <p:nvPr/>
-          </p:nvSpPr>
-          <p:spPr>
-            <a:xfrm>
-              <a:off x="955979" y="3148765"/>
-              <a:ext cx="1265022" cy="307777"/>
-            </a:xfrm>
-            <a:prstGeom prst="rect">
-              <a:avLst/>
-            </a:prstGeom>
-            <a:noFill/>
-          </p:spPr>
-          <p:txBody>
-            <a:bodyPr wrap="square" rtlCol="0">
-              <a:spAutoFit/>
-            </a:bodyPr>
-            <a:lstStyle/>
-            <a:p>
-              <a:pPr algn="ctr"/>
-              <a:r>
-                <a:rPr lang="ko-KR" altLang="en-US" sz="1400" dirty="0" smtClean="0">
-                  <a:solidFill>
-                    <a:srgbClr val="192537"/>
-                  </a:solidFill>
-                  <a:latin typeface="배달의민족 주아" panose="02020603020101020101" pitchFamily="18" charset="-127"/>
-                  <a:ea typeface="배달의민족 주아" panose="02020603020101020101" pitchFamily="18" charset="-127"/>
-                </a:rPr>
-                <a:t>상품명</a:t>
-              </a:r>
-              <a:endParaRPr lang="ko-KR" altLang="en-US" sz="1400" dirty="0">
-                <a:solidFill>
-                  <a:srgbClr val="192537"/>
-                </a:solidFill>
-                <a:latin typeface="배달의민족 주아" panose="02020603020101020101" pitchFamily="18" charset="-127"/>
-                <a:ea typeface="배달의민족 주아" panose="02020603020101020101" pitchFamily="18" charset="-127"/>
-              </a:endParaRPr>
-            </a:p>
-          </p:txBody>
-        </p:sp>
-        <p:sp>
-          <p:nvSpPr>
-            <p:cNvPr id="31" name="TextBox 30"/>
-            <p:cNvSpPr txBox="1"/>
-            <p:nvPr/>
-          </p:nvSpPr>
-          <p:spPr>
-            <a:xfrm>
-              <a:off x="2400370" y="3148765"/>
-              <a:ext cx="672552" cy="307777"/>
-            </a:xfrm>
-            <a:prstGeom prst="rect">
-              <a:avLst/>
-            </a:prstGeom>
-            <a:noFill/>
-          </p:spPr>
-          <p:txBody>
-            <a:bodyPr wrap="square" rtlCol="0">
-              <a:spAutoFit/>
-            </a:bodyPr>
-            <a:lstStyle/>
-            <a:p>
-              <a:pPr algn="ctr"/>
-              <a:r>
-                <a:rPr lang="ko-KR" altLang="en-US" sz="1400" dirty="0" smtClean="0">
-                  <a:solidFill>
-                    <a:srgbClr val="192537"/>
-                  </a:solidFill>
-                  <a:latin typeface="배달의민족 주아" panose="02020603020101020101" pitchFamily="18" charset="-127"/>
-                  <a:ea typeface="배달의민족 주아" panose="02020603020101020101" pitchFamily="18" charset="-127"/>
-                </a:rPr>
-                <a:t>가격</a:t>
-              </a:r>
-              <a:endParaRPr lang="ko-KR" altLang="en-US" sz="1400" dirty="0">
-                <a:solidFill>
-                  <a:srgbClr val="192537"/>
-                </a:solidFill>
-                <a:latin typeface="배달의민족 주아" panose="02020603020101020101" pitchFamily="18" charset="-127"/>
-                <a:ea typeface="배달의민족 주아" panose="02020603020101020101" pitchFamily="18" charset="-127"/>
-              </a:endParaRPr>
-            </a:p>
-          </p:txBody>
-        </p:sp>
-        <p:sp>
-          <p:nvSpPr>
-            <p:cNvPr id="38" name="TextBox 37"/>
-            <p:cNvSpPr txBox="1"/>
-            <p:nvPr/>
-          </p:nvSpPr>
-          <p:spPr>
-            <a:xfrm>
-              <a:off x="1057945" y="4990744"/>
-              <a:ext cx="2012262" cy="307777"/>
-            </a:xfrm>
-            <a:prstGeom prst="rect">
-              <a:avLst/>
-            </a:prstGeom>
-            <a:noFill/>
-          </p:spPr>
-          <p:txBody>
-            <a:bodyPr wrap="square" rtlCol="0">
-              <a:spAutoFit/>
-            </a:bodyPr>
-            <a:lstStyle/>
-            <a:p>
-              <a:pPr algn="ctr"/>
-              <a:r>
-                <a:rPr lang="ko-KR" altLang="en-US" sz="1400" dirty="0" smtClean="0">
-                  <a:solidFill>
-                    <a:srgbClr val="192537"/>
-                  </a:solidFill>
-                  <a:latin typeface="배달의민족 주아" panose="02020603020101020101" pitchFamily="18" charset="-127"/>
-                  <a:ea typeface="배달의민족 주아" panose="02020603020101020101" pitchFamily="18" charset="-127"/>
-                </a:rPr>
-                <a:t>총액 </a:t>
-              </a:r>
-              <a:r>
-                <a:rPr lang="en-US" altLang="ko-KR" sz="1400" dirty="0" smtClean="0">
-                  <a:solidFill>
-                    <a:srgbClr val="192537"/>
-                  </a:solidFill>
-                  <a:latin typeface="배달의민족 주아" panose="02020603020101020101" pitchFamily="18" charset="-127"/>
-                  <a:ea typeface="배달의민족 주아" panose="02020603020101020101" pitchFamily="18" charset="-127"/>
-                </a:rPr>
-                <a:t>: 100,000,000</a:t>
-              </a:r>
-              <a:endParaRPr lang="ko-KR" altLang="en-US" sz="1400" dirty="0">
-                <a:solidFill>
-                  <a:srgbClr val="192537"/>
-                </a:solidFill>
-                <a:latin typeface="배달의민족 주아" panose="02020603020101020101" pitchFamily="18" charset="-127"/>
-                <a:ea typeface="배달의민족 주아" panose="02020603020101020101" pitchFamily="18" charset="-127"/>
-              </a:endParaRPr>
-            </a:p>
-          </p:txBody>
-        </p:sp>
       </p:grpSp>
       <p:sp>
         <p:nvSpPr>
@@ -5689,218 +5209,88 @@
                 <a:latin typeface="배달의민족 한나체 Pro" panose="020B0600000101010101" pitchFamily="50" charset="-127"/>
                 <a:ea typeface="배달의민족 한나체 Pro" panose="020B0600000101010101" pitchFamily="50" charset="-127"/>
               </a:rPr>
-              <a:t>구매 목록을 볼 수 있으며</a:t>
+              <a:t>총 결제 해야할 금액을 확인할 수 있습니다</a:t>
             </a:r>
             <a:r>
               <a:rPr lang="en-US" altLang="ko-KR" dirty="0" smtClean="0">
                 <a:latin typeface="배달의민족 한나체 Pro" panose="020B0600000101010101" pitchFamily="50" charset="-127"/>
                 <a:ea typeface="배달의민족 한나체 Pro" panose="020B0600000101010101" pitchFamily="50" charset="-127"/>
               </a:rPr>
-              <a:t>,</a:t>
-            </a:r>
-          </a:p>
-          <a:p>
-            <a:r>
-              <a:rPr lang="en-US" altLang="ko-KR" dirty="0" smtClean="0">
-                <a:latin typeface="배달의민족 한나체 Pro" panose="020B0600000101010101" pitchFamily="50" charset="-127"/>
-                <a:ea typeface="배달의민족 한나체 Pro" panose="020B0600000101010101" pitchFamily="50" charset="-127"/>
-              </a:rPr>
-              <a:t>    </a:t>
-            </a:r>
-            <a:r>
-              <a:rPr lang="ko-KR" altLang="en-US" dirty="0" smtClean="0">
-                <a:latin typeface="배달의민족 한나체 Pro" panose="020B0600000101010101" pitchFamily="50" charset="-127"/>
-                <a:ea typeface="배달의민족 한나체 Pro" panose="020B0600000101010101" pitchFamily="50" charset="-127"/>
-              </a:rPr>
-              <a:t>개별 금액 및 총액을 </a:t>
-            </a:r>
-            <a:endParaRPr lang="en-US" altLang="ko-KR" dirty="0" smtClean="0">
-              <a:latin typeface="배달의민족 한나체 Pro" panose="020B0600000101010101" pitchFamily="50" charset="-127"/>
-              <a:ea typeface="배달의민족 한나체 Pro" panose="020B0600000101010101" pitchFamily="50" charset="-127"/>
-            </a:endParaRPr>
-          </a:p>
-          <a:p>
-            <a:r>
-              <a:rPr lang="en-US" altLang="ko-KR" dirty="0">
-                <a:latin typeface="배달의민족 한나체 Pro" panose="020B0600000101010101" pitchFamily="50" charset="-127"/>
-                <a:ea typeface="배달의민족 한나체 Pro" panose="020B0600000101010101" pitchFamily="50" charset="-127"/>
-              </a:rPr>
-              <a:t> </a:t>
-            </a:r>
-            <a:r>
-              <a:rPr lang="en-US" altLang="ko-KR" dirty="0" smtClean="0">
-                <a:latin typeface="배달의민족 한나체 Pro" panose="020B0600000101010101" pitchFamily="50" charset="-127"/>
-                <a:ea typeface="배달의민족 한나체 Pro" panose="020B0600000101010101" pitchFamily="50" charset="-127"/>
-              </a:rPr>
-              <a:t>   </a:t>
-            </a:r>
-            <a:r>
-              <a:rPr lang="ko-KR" altLang="en-US" dirty="0" smtClean="0">
-                <a:latin typeface="배달의민족 한나체 Pro" panose="020B0600000101010101" pitchFamily="50" charset="-127"/>
-                <a:ea typeface="배달의민족 한나체 Pro" panose="020B0600000101010101" pitchFamily="50" charset="-127"/>
-              </a:rPr>
-              <a:t>확인할 수 있습니다</a:t>
-            </a:r>
-            <a:r>
-              <a:rPr lang="en-US" altLang="ko-KR" dirty="0" smtClean="0">
-                <a:latin typeface="배달의민족 한나체 Pro" panose="020B0600000101010101" pitchFamily="50" charset="-127"/>
-                <a:ea typeface="배달의민족 한나체 Pro" panose="020B0600000101010101" pitchFamily="50" charset="-127"/>
-              </a:rPr>
               <a:t>.</a:t>
             </a:r>
           </a:p>
         </p:txBody>
       </p:sp>
-      <p:cxnSp>
-        <p:nvCxnSpPr>
-          <p:cNvPr id="3" name="직선 연결선 2"/>
-          <p:cNvCxnSpPr/>
-          <p:nvPr/>
-        </p:nvCxnSpPr>
-        <p:spPr>
-          <a:xfrm>
-            <a:off x="474266" y="3152941"/>
-            <a:ext cx="2433835" cy="0"/>
-          </a:xfrm>
-          <a:prstGeom prst="line">
-            <a:avLst/>
-          </a:prstGeom>
-          <a:ln w="28575">
-            <a:solidFill>
-              <a:srgbClr val="192537"/>
-            </a:solidFill>
-          </a:ln>
-        </p:spPr>
-        <p:style>
-          <a:lnRef idx="1">
-            <a:schemeClr val="accent1"/>
-          </a:lnRef>
-          <a:fillRef idx="0">
-            <a:schemeClr val="accent1"/>
-          </a:fillRef>
-          <a:effectRef idx="0">
-            <a:schemeClr val="accent1"/>
-          </a:effectRef>
-          <a:fontRef idx="minor">
-            <a:schemeClr val="tx1"/>
-          </a:fontRef>
-        </p:style>
-      </p:cxnSp>
-      <p:cxnSp>
-        <p:nvCxnSpPr>
-          <p:cNvPr id="7" name="직선 연결선 6"/>
-          <p:cNvCxnSpPr/>
-          <p:nvPr/>
-        </p:nvCxnSpPr>
-        <p:spPr>
-          <a:xfrm>
-            <a:off x="1861995" y="3167811"/>
-            <a:ext cx="0" cy="1781006"/>
-          </a:xfrm>
-          <a:prstGeom prst="line">
-            <a:avLst/>
-          </a:prstGeom>
-          <a:ln w="28575">
-            <a:solidFill>
-              <a:srgbClr val="192537"/>
-            </a:solidFill>
-          </a:ln>
-        </p:spPr>
-        <p:style>
-          <a:lnRef idx="1">
-            <a:schemeClr val="accent1"/>
-          </a:lnRef>
-          <a:fillRef idx="0">
-            <a:schemeClr val="accent1"/>
-          </a:fillRef>
-          <a:effectRef idx="0">
-            <a:schemeClr val="accent1"/>
-          </a:effectRef>
-          <a:fontRef idx="minor">
-            <a:schemeClr val="tx1"/>
-          </a:fontRef>
-        </p:style>
-      </p:cxnSp>
-      <p:cxnSp>
-        <p:nvCxnSpPr>
-          <p:cNvPr id="35" name="직선 연결선 34"/>
-          <p:cNvCxnSpPr/>
-          <p:nvPr/>
-        </p:nvCxnSpPr>
-        <p:spPr>
-          <a:xfrm>
-            <a:off x="474266" y="4933947"/>
-            <a:ext cx="2433835" cy="0"/>
-          </a:xfrm>
-          <a:prstGeom prst="line">
-            <a:avLst/>
-          </a:prstGeom>
-          <a:ln w="28575">
-            <a:solidFill>
-              <a:srgbClr val="192537"/>
-            </a:solidFill>
-          </a:ln>
-        </p:spPr>
-        <p:style>
-          <a:lnRef idx="1">
-            <a:schemeClr val="accent1"/>
-          </a:lnRef>
-          <a:fillRef idx="0">
-            <a:schemeClr val="accent1"/>
-          </a:fillRef>
-          <a:effectRef idx="0">
-            <a:schemeClr val="accent1"/>
-          </a:effectRef>
-          <a:fontRef idx="minor">
-            <a:schemeClr val="tx1"/>
-          </a:fontRef>
-        </p:style>
-      </p:cxnSp>
-      <p:cxnSp>
-        <p:nvCxnSpPr>
-          <p:cNvPr id="36" name="직선 연결선 35"/>
-          <p:cNvCxnSpPr/>
-          <p:nvPr/>
-        </p:nvCxnSpPr>
-        <p:spPr>
-          <a:xfrm>
-            <a:off x="474266" y="3466060"/>
-            <a:ext cx="2433835" cy="0"/>
-          </a:xfrm>
-          <a:prstGeom prst="line">
-            <a:avLst/>
-          </a:prstGeom>
-          <a:ln w="28575">
-            <a:solidFill>
-              <a:srgbClr val="192537"/>
-            </a:solidFill>
-          </a:ln>
-        </p:spPr>
-        <p:style>
-          <a:lnRef idx="1">
-            <a:schemeClr val="accent1"/>
-          </a:lnRef>
-          <a:fillRef idx="0">
-            <a:schemeClr val="accent1"/>
-          </a:fillRef>
-          <a:effectRef idx="0">
-            <a:schemeClr val="accent1"/>
-          </a:effectRef>
-          <a:fontRef idx="minor">
-            <a:schemeClr val="tx1"/>
-          </a:fontRef>
-        </p:style>
-      </p:cxnSp>
-      <p:sp>
-        <p:nvSpPr>
-          <p:cNvPr id="9" name="TextBox 8"/>
+      <p:pic>
+        <p:nvPicPr>
+          <p:cNvPr id="2" name="그림 1"/>
+          <p:cNvPicPr>
+            <a:picLocks noChangeAspect="1"/>
+          </p:cNvPicPr>
+          <p:nvPr/>
+        </p:nvPicPr>
+        <p:blipFill>
+          <a:blip r:embed="rId3" cstate="print">
+            <a:extLst>
+              <a:ext uri="{28A0092B-C50C-407E-A947-70E740481C1C}">
+                <a14:useLocalDpi xmlns:a14="http://schemas.microsoft.com/office/drawing/2010/main" val="0"/>
+              </a:ext>
+            </a:extLst>
+          </a:blip>
+          <a:stretch>
+            <a:fillRect/>
+          </a:stretch>
+        </p:blipFill>
+        <p:spPr>
+          <a:xfrm>
+            <a:off x="860448" y="3904142"/>
+            <a:ext cx="845604" cy="845604"/>
+          </a:xfrm>
+          <a:prstGeom prst="rect">
+            <a:avLst/>
+          </a:prstGeom>
+        </p:spPr>
+      </p:pic>
+      <p:pic>
+        <p:nvPicPr>
+          <p:cNvPr id="6" name="그림 5"/>
+          <p:cNvPicPr>
+            <a:picLocks noChangeAspect="1"/>
+          </p:cNvPicPr>
+          <p:nvPr/>
+        </p:nvPicPr>
+        <p:blipFill>
+          <a:blip r:embed="rId4" cstate="print">
+            <a:extLst>
+              <a:ext uri="{28A0092B-C50C-407E-A947-70E740481C1C}">
+                <a14:useLocalDpi xmlns:a14="http://schemas.microsoft.com/office/drawing/2010/main" val="0"/>
+              </a:ext>
+            </a:extLst>
+          </a:blip>
+          <a:stretch>
+            <a:fillRect/>
+          </a:stretch>
+        </p:blipFill>
+        <p:spPr>
+          <a:xfrm>
+            <a:off x="6712444" y="3904142"/>
+            <a:ext cx="845604" cy="845604"/>
+          </a:xfrm>
+          <a:prstGeom prst="rect">
+            <a:avLst/>
+          </a:prstGeom>
+        </p:spPr>
+      </p:pic>
+      <p:sp>
+        <p:nvSpPr>
+          <p:cNvPr id="37" name="TextBox 36"/>
           <p:cNvSpPr txBox="1"/>
           <p:nvPr/>
         </p:nvSpPr>
         <p:spPr>
           <a:xfrm>
-            <a:off x="474254" y="3560014"/>
-            <a:ext cx="1200914" cy="307777"/>
+            <a:off x="6149409" y="3009463"/>
+            <a:ext cx="1971675" cy="646331"/>
           </a:xfrm>
           <a:prstGeom prst="rect">
             <a:avLst/>
@@ -5913,152 +5303,53 @@
           </a:bodyPr>
           <a:lstStyle/>
           <a:p>
-            <a:r>
-              <a:rPr lang="ko-KR" altLang="en-US" sz="1400" dirty="0" smtClean="0">
-                <a:latin typeface="배달의민족 한나체 Pro" panose="020B0600000101010101" pitchFamily="50" charset="-127"/>
-                <a:ea typeface="배달의민족 한나체 Pro" panose="020B0600000101010101" pitchFamily="50" charset="-127"/>
-              </a:rPr>
-              <a:t>벤츠 </a:t>
-            </a:r>
-            <a:r>
-              <a:rPr lang="en-US" altLang="ko-KR" sz="1400" dirty="0" smtClean="0">
-                <a:latin typeface="배달의민족 한나체 Pro" panose="020B0600000101010101" pitchFamily="50" charset="-127"/>
-                <a:ea typeface="배달의민족 한나체 Pro" panose="020B0600000101010101" pitchFamily="50" charset="-127"/>
-              </a:rPr>
-              <a:t>e350</a:t>
-            </a:r>
-            <a:endParaRPr lang="ko-KR" altLang="en-US" sz="1400" dirty="0">
-              <a:latin typeface="배달의민족 한나체 Pro" panose="020B0600000101010101" pitchFamily="50" charset="-127"/>
-              <a:ea typeface="배달의민족 한나체 Pro" panose="020B0600000101010101" pitchFamily="50" charset="-127"/>
+            <a:pPr algn="ctr"/>
+            <a:r>
+              <a:rPr lang="ko-KR" altLang="en-US" dirty="0" smtClean="0">
+                <a:solidFill>
+                  <a:srgbClr val="192537"/>
+                </a:solidFill>
+                <a:latin typeface="배달의민족 주아" panose="02020603020101020101" pitchFamily="18" charset="-127"/>
+                <a:ea typeface="배달의민족 주아" panose="02020603020101020101" pitchFamily="18" charset="-127"/>
+              </a:rPr>
+              <a:t>결제를 원하시면</a:t>
+            </a:r>
+            <a:endParaRPr lang="en-US" altLang="ko-KR" dirty="0" smtClean="0">
+              <a:solidFill>
+                <a:srgbClr val="192537"/>
+              </a:solidFill>
+              <a:latin typeface="배달의민족 주아" panose="02020603020101020101" pitchFamily="18" charset="-127"/>
+              <a:ea typeface="배달의민족 주아" panose="02020603020101020101" pitchFamily="18" charset="-127"/>
             </a:endParaRPr>
           </a:p>
-        </p:txBody>
-      </p:sp>
-      <p:sp>
-        <p:nvSpPr>
-          <p:cNvPr id="39" name="TextBox 38"/>
-          <p:cNvSpPr txBox="1"/>
-          <p:nvPr/>
-        </p:nvSpPr>
-        <p:spPr>
-          <a:xfrm>
-            <a:off x="1826164" y="3553012"/>
-            <a:ext cx="1200034" cy="307777"/>
-          </a:xfrm>
-          <a:prstGeom prst="rect">
-            <a:avLst/>
-          </a:prstGeom>
-          <a:noFill/>
-        </p:spPr>
-        <p:txBody>
-          <a:bodyPr wrap="square" rtlCol="0">
-            <a:spAutoFit/>
-          </a:bodyPr>
-          <a:lstStyle/>
-          <a:p>
-            <a:r>
-              <a:rPr lang="en-US" altLang="ko-KR" sz="1400" dirty="0" smtClean="0">
-                <a:latin typeface="배달의민족 한나체 Pro" panose="020B0600000101010101" pitchFamily="50" charset="-127"/>
-                <a:ea typeface="배달의민족 한나체 Pro" panose="020B0600000101010101" pitchFamily="50" charset="-127"/>
-              </a:rPr>
-              <a:t>89,500,000</a:t>
-            </a:r>
-            <a:endParaRPr lang="ko-KR" altLang="en-US" sz="1400" dirty="0">
-              <a:latin typeface="배달의민족 한나체 Pro" panose="020B0600000101010101" pitchFamily="50" charset="-127"/>
-              <a:ea typeface="배달의민족 한나체 Pro" panose="020B0600000101010101" pitchFamily="50" charset="-127"/>
-            </a:endParaRPr>
-          </a:p>
-        </p:txBody>
-      </p:sp>
-      <p:sp>
-        <p:nvSpPr>
-          <p:cNvPr id="41" name="TextBox 40"/>
-          <p:cNvSpPr txBox="1"/>
-          <p:nvPr/>
-        </p:nvSpPr>
-        <p:spPr>
-          <a:xfrm>
-            <a:off x="474266" y="3906722"/>
-            <a:ext cx="1413234" cy="307777"/>
-          </a:xfrm>
-          <a:prstGeom prst="rect">
-            <a:avLst/>
-          </a:prstGeom>
-          <a:noFill/>
-        </p:spPr>
-        <p:txBody>
-          <a:bodyPr wrap="square" rtlCol="0">
-            <a:spAutoFit/>
-          </a:bodyPr>
-          <a:lstStyle/>
-          <a:p>
-            <a:r>
-              <a:rPr lang="ko-KR" altLang="en-US" sz="1400" dirty="0" err="1" smtClean="0">
-                <a:latin typeface="배달의민족 한나체 Pro" panose="020B0600000101010101" pitchFamily="50" charset="-127"/>
-                <a:ea typeface="배달의민족 한나체 Pro" panose="020B0600000101010101" pitchFamily="50" charset="-127"/>
-              </a:rPr>
-              <a:t>에르메스</a:t>
-            </a:r>
-            <a:r>
-              <a:rPr lang="ko-KR" altLang="en-US" sz="1400" dirty="0" smtClean="0">
-                <a:latin typeface="배달의민족 한나체 Pro" panose="020B0600000101010101" pitchFamily="50" charset="-127"/>
-                <a:ea typeface="배달의민족 한나체 Pro" panose="020B0600000101010101" pitchFamily="50" charset="-127"/>
-              </a:rPr>
-              <a:t> </a:t>
-            </a:r>
-            <a:r>
-              <a:rPr lang="ko-KR" altLang="en-US" sz="1400" dirty="0" err="1" smtClean="0">
-                <a:latin typeface="배달의민족 한나체 Pro" panose="020B0600000101010101" pitchFamily="50" charset="-127"/>
-                <a:ea typeface="배달의민족 한나체 Pro" panose="020B0600000101010101" pitchFamily="50" charset="-127"/>
-              </a:rPr>
-              <a:t>벌킨</a:t>
-            </a:r>
-            <a:r>
-              <a:rPr lang="en-US" altLang="ko-KR" sz="1400" dirty="0" smtClean="0">
-                <a:latin typeface="배달의민족 한나체 Pro" panose="020B0600000101010101" pitchFamily="50" charset="-127"/>
-                <a:ea typeface="배달의민족 한나체 Pro" panose="020B0600000101010101" pitchFamily="50" charset="-127"/>
-              </a:rPr>
-              <a:t>30</a:t>
-            </a:r>
-            <a:endParaRPr lang="ko-KR" altLang="en-US" sz="1400" dirty="0">
-              <a:latin typeface="배달의민족 한나체 Pro" panose="020B0600000101010101" pitchFamily="50" charset="-127"/>
-              <a:ea typeface="배달의민족 한나체 Pro" panose="020B0600000101010101" pitchFamily="50" charset="-127"/>
-            </a:endParaRPr>
-          </a:p>
-        </p:txBody>
-      </p:sp>
-      <p:sp>
-        <p:nvSpPr>
-          <p:cNvPr id="42" name="TextBox 41"/>
-          <p:cNvSpPr txBox="1"/>
-          <p:nvPr/>
-        </p:nvSpPr>
-        <p:spPr>
-          <a:xfrm>
-            <a:off x="1836491" y="3899473"/>
-            <a:ext cx="1200034" cy="307777"/>
-          </a:xfrm>
-          <a:prstGeom prst="rect">
-            <a:avLst/>
-          </a:prstGeom>
-          <a:noFill/>
-        </p:spPr>
-        <p:txBody>
-          <a:bodyPr wrap="square" rtlCol="0">
-            <a:spAutoFit/>
-          </a:bodyPr>
-          <a:lstStyle/>
-          <a:p>
-            <a:r>
-              <a:rPr lang="en-US" altLang="ko-KR" sz="1400" dirty="0" smtClean="0">
-                <a:latin typeface="배달의민족 한나체 Pro" panose="020B0600000101010101" pitchFamily="50" charset="-127"/>
-                <a:ea typeface="배달의민족 한나체 Pro" panose="020B0600000101010101" pitchFamily="50" charset="-127"/>
-              </a:rPr>
-              <a:t>10,500,000</a:t>
-            </a:r>
-            <a:endParaRPr lang="ko-KR" altLang="en-US" sz="1400" dirty="0">
-              <a:latin typeface="배달의민족 한나체 Pro" panose="020B0600000101010101" pitchFamily="50" charset="-127"/>
-              <a:ea typeface="배달의민족 한나체 Pro" panose="020B0600000101010101" pitchFamily="50" charset="-127"/>
+          <a:p>
+            <a:pPr algn="ctr"/>
+            <a:r>
+              <a:rPr lang="ko-KR" altLang="en-US" dirty="0" smtClean="0">
+                <a:solidFill>
+                  <a:srgbClr val="192537"/>
+                </a:solidFill>
+                <a:latin typeface="배달의민족 주아" panose="02020603020101020101" pitchFamily="18" charset="-127"/>
+                <a:ea typeface="배달의민족 주아" panose="02020603020101020101" pitchFamily="18" charset="-127"/>
+              </a:rPr>
+              <a:t>버튼을 눌러 주세요</a:t>
+            </a:r>
+            <a:r>
+              <a:rPr lang="en-US" altLang="ko-KR" dirty="0" smtClean="0">
+                <a:solidFill>
+                  <a:srgbClr val="192537"/>
+                </a:solidFill>
+                <a:latin typeface="배달의민족 주아" panose="02020603020101020101" pitchFamily="18" charset="-127"/>
+                <a:ea typeface="배달의민족 주아" panose="02020603020101020101" pitchFamily="18" charset="-127"/>
+              </a:rPr>
+              <a:t>.</a:t>
+            </a:r>
+            <a:endParaRPr lang="ko-KR" altLang="en-US" dirty="0">
+              <a:solidFill>
+                <a:srgbClr val="192537"/>
+              </a:solidFill>
+              <a:latin typeface="배달의민족 주아" panose="02020603020101020101" pitchFamily="18" charset="-127"/>
+              <a:ea typeface="배달의민족 주아" panose="02020603020101020101" pitchFamily="18" charset="-127"/>
             </a:endParaRPr>
           </a:p>
         </p:txBody>
@@ -9876,7 +9167,7 @@
         <p:spPr>
           <a:xfrm>
             <a:off x="8675768" y="2528374"/>
-            <a:ext cx="3498454" cy="2308324"/>
+            <a:ext cx="3498454" cy="2862322"/>
           </a:xfrm>
           <a:prstGeom prst="rect">
             <a:avLst/>
@@ -10035,7 +9326,7 @@
                 <a:latin typeface="배달의민족 한나체 Pro" panose="020B0600000101010101" pitchFamily="50" charset="-127"/>
                 <a:ea typeface="배달의민족 한나체 Pro" panose="020B0600000101010101" pitchFamily="50" charset="-127"/>
               </a:rPr>
-              <a:t>만족도를 확인할 수 있습니다</a:t>
+              <a:t>최근 만족도를 확인할 수 있습니다</a:t>
             </a:r>
             <a:r>
               <a:rPr lang="en-US" altLang="ko-KR" dirty="0" smtClean="0">
@@ -10896,8 +10187,8 @@
         </p:nvSpPr>
         <p:spPr>
           <a:xfrm>
-            <a:off x="719503" y="3711594"/>
-            <a:ext cx="1673177" cy="1692771"/>
+            <a:off x="718964" y="3942138"/>
+            <a:ext cx="1673177" cy="1292662"/>
           </a:xfrm>
           <a:prstGeom prst="rect">
             <a:avLst/>
@@ -10914,7 +10205,7 @@
                 <a:latin typeface="배달의민족 주아" panose="02020603020101020101" pitchFamily="18" charset="-127"/>
                 <a:ea typeface="배달의민족 주아" panose="02020603020101020101" pitchFamily="18" charset="-127"/>
               </a:rPr>
-              <a:t>등급 </a:t>
+              <a:t>관심 상품 </a:t>
             </a:r>
             <a:r>
               <a:rPr lang="en-US" altLang="ko-KR" sz="1300" dirty="0" smtClean="0">
@@ -10928,61 +10219,7 @@
                 <a:latin typeface="배달의민족 주아" panose="02020603020101020101" pitchFamily="18" charset="-127"/>
                 <a:ea typeface="배달의민족 주아" panose="02020603020101020101" pitchFamily="18" charset="-127"/>
               </a:rPr>
-              <a:t>다이아몬드</a:t>
-            </a:r>
-            <a:endParaRPr lang="en-US" altLang="ko-KR" sz="1300" dirty="0" smtClean="0">
-              <a:latin typeface="배달의민족 주아" panose="02020603020101020101" pitchFamily="18" charset="-127"/>
-              <a:ea typeface="배달의민족 주아" panose="02020603020101020101" pitchFamily="18" charset="-127"/>
-            </a:endParaRPr>
-          </a:p>
-          <a:p>
-            <a:r>
-              <a:rPr lang="ko-KR" altLang="en-US" sz="1300" dirty="0" smtClean="0">
-                <a:latin typeface="배달의민족 주아" panose="02020603020101020101" pitchFamily="18" charset="-127"/>
-                <a:ea typeface="배달의민족 주아" panose="02020603020101020101" pitchFamily="18" charset="-127"/>
-              </a:rPr>
-              <a:t>관심 상품 </a:t>
-            </a:r>
-            <a:r>
-              <a:rPr lang="en-US" altLang="ko-KR" sz="1300" dirty="0" smtClean="0">
-                <a:latin typeface="배달의민족 주아" panose="02020603020101020101" pitchFamily="18" charset="-127"/>
-                <a:ea typeface="배달의민족 주아" panose="02020603020101020101" pitchFamily="18" charset="-127"/>
-              </a:rPr>
-              <a:t>: </a:t>
-            </a:r>
-            <a:r>
-              <a:rPr lang="ko-KR" altLang="en-US" sz="1300" dirty="0" smtClean="0">
-                <a:latin typeface="배달의민족 주아" panose="02020603020101020101" pitchFamily="18" charset="-127"/>
-                <a:ea typeface="배달의민족 주아" panose="02020603020101020101" pitchFamily="18" charset="-127"/>
-              </a:rPr>
               <a:t>명품 </a:t>
-            </a:r>
-            <a:endParaRPr lang="en-US" altLang="ko-KR" sz="1300" dirty="0" smtClean="0">
-              <a:latin typeface="배달의민족 주아" panose="02020603020101020101" pitchFamily="18" charset="-127"/>
-              <a:ea typeface="배달의민족 주아" panose="02020603020101020101" pitchFamily="18" charset="-127"/>
-            </a:endParaRPr>
-          </a:p>
-          <a:p>
-            <a:r>
-              <a:rPr lang="ko-KR" altLang="en-US" sz="1300" dirty="0" smtClean="0">
-                <a:latin typeface="배달의민족 주아" panose="02020603020101020101" pitchFamily="18" charset="-127"/>
-                <a:ea typeface="배달의민족 주아" panose="02020603020101020101" pitchFamily="18" charset="-127"/>
-              </a:rPr>
-              <a:t>매장 방문 횟수 </a:t>
-            </a:r>
-            <a:r>
-              <a:rPr lang="en-US" altLang="ko-KR" sz="1300" dirty="0" smtClean="0">
-                <a:latin typeface="배달의민족 주아" panose="02020603020101020101" pitchFamily="18" charset="-127"/>
-                <a:ea typeface="배달의민족 주아" panose="02020603020101020101" pitchFamily="18" charset="-127"/>
-              </a:rPr>
-              <a:t>: 13</a:t>
-            </a:r>
-            <a:r>
-              <a:rPr lang="ko-KR" altLang="en-US" sz="1300" dirty="0" smtClean="0">
-                <a:latin typeface="배달의민족 주아" panose="02020603020101020101" pitchFamily="18" charset="-127"/>
-                <a:ea typeface="배달의민족 주아" panose="02020603020101020101" pitchFamily="18" charset="-127"/>
-              </a:rPr>
-              <a:t>회</a:t>
             </a:r>
             <a:endParaRPr lang="en-US" altLang="ko-KR" sz="1300" dirty="0" smtClean="0">
               <a:latin typeface="배달의민족 주아" panose="02020603020101020101" pitchFamily="18" charset="-127"/>
@@ -11231,8 +10468,8 @@
         </p:nvSpPr>
         <p:spPr>
           <a:xfrm>
-            <a:off x="2610516" y="3711594"/>
-            <a:ext cx="1673177" cy="1692771"/>
+            <a:off x="2616524" y="3947249"/>
+            <a:ext cx="1673177" cy="1292662"/>
           </a:xfrm>
           <a:prstGeom prst="rect">
             <a:avLst/>
@@ -11249,7 +10486,7 @@
                 <a:latin typeface="배달의민족 주아" panose="02020603020101020101" pitchFamily="18" charset="-127"/>
                 <a:ea typeface="배달의민족 주아" panose="02020603020101020101" pitchFamily="18" charset="-127"/>
               </a:rPr>
-              <a:t>등급 </a:t>
+              <a:t>관심 상품 </a:t>
             </a:r>
             <a:r>
               <a:rPr lang="en-US" altLang="ko-KR" sz="1300" dirty="0" smtClean="0">
@@ -11263,61 +10500,7 @@
                 <a:latin typeface="배달의민족 주아" panose="02020603020101020101" pitchFamily="18" charset="-127"/>
                 <a:ea typeface="배달의민족 주아" panose="02020603020101020101" pitchFamily="18" charset="-127"/>
               </a:rPr>
-              <a:t>새싹</a:t>
-            </a:r>
-            <a:endParaRPr lang="en-US" altLang="ko-KR" sz="1300" dirty="0" smtClean="0">
-              <a:latin typeface="배달의민족 주아" panose="02020603020101020101" pitchFamily="18" charset="-127"/>
-              <a:ea typeface="배달의민족 주아" panose="02020603020101020101" pitchFamily="18" charset="-127"/>
-            </a:endParaRPr>
-          </a:p>
-          <a:p>
-            <a:r>
-              <a:rPr lang="ko-KR" altLang="en-US" sz="1300" dirty="0" smtClean="0">
-                <a:latin typeface="배달의민족 주아" panose="02020603020101020101" pitchFamily="18" charset="-127"/>
-                <a:ea typeface="배달의민족 주아" panose="02020603020101020101" pitchFamily="18" charset="-127"/>
-              </a:rPr>
-              <a:t>관심 상품 </a:t>
-            </a:r>
-            <a:r>
-              <a:rPr lang="en-US" altLang="ko-KR" sz="1300" dirty="0" smtClean="0">
-                <a:latin typeface="배달의민족 주아" panose="02020603020101020101" pitchFamily="18" charset="-127"/>
-                <a:ea typeface="배달의민족 주아" panose="02020603020101020101" pitchFamily="18" charset="-127"/>
-              </a:rPr>
-              <a:t>: </a:t>
-            </a:r>
-            <a:r>
-              <a:rPr lang="ko-KR" altLang="en-US" sz="1300" dirty="0" smtClean="0">
-                <a:latin typeface="배달의민족 주아" panose="02020603020101020101" pitchFamily="18" charset="-127"/>
-                <a:ea typeface="배달의민족 주아" panose="02020603020101020101" pitchFamily="18" charset="-127"/>
-              </a:rPr>
               <a:t>비니</a:t>
-            </a:r>
-            <a:endParaRPr lang="en-US" altLang="ko-KR" sz="1300" dirty="0" smtClean="0">
-              <a:latin typeface="배달의민족 주아" panose="02020603020101020101" pitchFamily="18" charset="-127"/>
-              <a:ea typeface="배달의민족 주아" panose="02020603020101020101" pitchFamily="18" charset="-127"/>
-            </a:endParaRPr>
-          </a:p>
-          <a:p>
-            <a:r>
-              <a:rPr lang="ko-KR" altLang="en-US" sz="1300" dirty="0" smtClean="0">
-                <a:latin typeface="배달의민족 주아" panose="02020603020101020101" pitchFamily="18" charset="-127"/>
-                <a:ea typeface="배달의민족 주아" panose="02020603020101020101" pitchFamily="18" charset="-127"/>
-              </a:rPr>
-              <a:t>매장 방문 횟수 </a:t>
-            </a:r>
-            <a:r>
-              <a:rPr lang="en-US" altLang="ko-KR" sz="1300" dirty="0" smtClean="0">
-                <a:latin typeface="배달의민족 주아" panose="02020603020101020101" pitchFamily="18" charset="-127"/>
-                <a:ea typeface="배달의민족 주아" panose="02020603020101020101" pitchFamily="18" charset="-127"/>
-              </a:rPr>
-              <a:t>: 6</a:t>
-            </a:r>
-            <a:r>
-              <a:rPr lang="ko-KR" altLang="en-US" sz="1300" dirty="0" smtClean="0">
-                <a:latin typeface="배달의민족 주아" panose="02020603020101020101" pitchFamily="18" charset="-127"/>
-                <a:ea typeface="배달의민족 주아" panose="02020603020101020101" pitchFamily="18" charset="-127"/>
-              </a:rPr>
-              <a:t>회</a:t>
             </a:r>
             <a:endParaRPr lang="en-US" altLang="ko-KR" sz="1300" dirty="0" smtClean="0">
               <a:latin typeface="배달의민족 주아" panose="02020603020101020101" pitchFamily="18" charset="-127"/>
@@ -11805,8 +10988,8 @@
         </p:nvSpPr>
         <p:spPr>
           <a:xfrm>
-            <a:off x="4485653" y="3711594"/>
-            <a:ext cx="1673177" cy="1692771"/>
+            <a:off x="4485653" y="3929313"/>
+            <a:ext cx="1673177" cy="1292662"/>
           </a:xfrm>
           <a:prstGeom prst="rect">
             <a:avLst/>
@@ -11823,7 +11006,7 @@
                 <a:latin typeface="배달의민족 주아" panose="02020603020101020101" pitchFamily="18" charset="-127"/>
                 <a:ea typeface="배달의민족 주아" panose="02020603020101020101" pitchFamily="18" charset="-127"/>
               </a:rPr>
-              <a:t>등급 </a:t>
+              <a:t>관심 상품 </a:t>
             </a:r>
             <a:r>
               <a:rPr lang="en-US" altLang="ko-KR" sz="1300" dirty="0" smtClean="0">
@@ -11837,7 +11020,7 @@
                 <a:latin typeface="배달의민족 주아" panose="02020603020101020101" pitchFamily="18" charset="-127"/>
                 <a:ea typeface="배달의민족 주아" panose="02020603020101020101" pitchFamily="18" charset="-127"/>
               </a:rPr>
-              <a:t>실버</a:t>
+              <a:t>셔츠 </a:t>
             </a:r>
             <a:endParaRPr lang="en-US" altLang="ko-KR" sz="1300" dirty="0" smtClean="0">
               <a:latin typeface="배달의민족 주아" panose="02020603020101020101" pitchFamily="18" charset="-127"/>
@@ -11850,7 +11033,7 @@
                 <a:latin typeface="배달의민족 주아" panose="02020603020101020101" pitchFamily="18" charset="-127"/>
                 <a:ea typeface="배달의민족 주아" panose="02020603020101020101" pitchFamily="18" charset="-127"/>
               </a:rPr>
-              <a:t>관심 상품 </a:t>
+              <a:t>요구 사항 </a:t>
             </a:r>
             <a:r>
               <a:rPr lang="en-US" altLang="ko-KR" sz="1300" dirty="0" smtClean="0">
@@ -11859,12 +11042,14 @@
               </a:rPr>
               <a:t>: </a:t>
             </a:r>
+          </a:p>
+          <a:p>
             <a:r>
               <a:rPr lang="ko-KR" altLang="en-US" sz="1300" dirty="0" smtClean="0">
                 <a:latin typeface="배달의민족 주아" panose="02020603020101020101" pitchFamily="18" charset="-127"/>
                 <a:ea typeface="배달의민족 주아" panose="02020603020101020101" pitchFamily="18" charset="-127"/>
               </a:rPr>
-              <a:t>셔츠 </a:t>
+              <a:t>저는 신상 셔츠는 다</a:t>
             </a:r>
             <a:endParaRPr lang="en-US" altLang="ko-KR" sz="1300" dirty="0" smtClean="0">
               <a:latin typeface="배달의민족 주아" panose="02020603020101020101" pitchFamily="18" charset="-127"/>
@@ -11877,21 +11062,7 @@
                 <a:latin typeface="배달의민족 주아" panose="02020603020101020101" pitchFamily="18" charset="-127"/>
                 <a:ea typeface="배달의민족 주아" panose="02020603020101020101" pitchFamily="18" charset="-127"/>
               </a:rPr>
-              <a:t>매장 방문 횟수 </a:t>
-            </a:r>
-            <a:r>
-              <a:rPr lang="en-US" altLang="ko-KR" sz="1300" dirty="0" smtClean="0">
-                <a:latin typeface="배달의민족 주아" panose="02020603020101020101" pitchFamily="18" charset="-127"/>
-                <a:ea typeface="배달의민족 주아" panose="02020603020101020101" pitchFamily="18" charset="-127"/>
-              </a:rPr>
-              <a:t>: 3</a:t>
-            </a:r>
-            <a:r>
-              <a:rPr lang="ko-KR" altLang="en-US" sz="1300" dirty="0" smtClean="0">
-                <a:latin typeface="배달의민족 주아" panose="02020603020101020101" pitchFamily="18" charset="-127"/>
-                <a:ea typeface="배달의민족 주아" panose="02020603020101020101" pitchFamily="18" charset="-127"/>
-              </a:rPr>
-              <a:t>회</a:t>
+              <a:t>구매할꺼에요</a:t>
             </a:r>
             <a:endParaRPr lang="en-US" altLang="ko-KR" sz="1300" dirty="0" smtClean="0">
               <a:latin typeface="배달의민족 주아" panose="02020603020101020101" pitchFamily="18" charset="-127"/>
@@ -11904,78 +11075,36 @@
                 <a:latin typeface="배달의민족 주아" panose="02020603020101020101" pitchFamily="18" charset="-127"/>
                 <a:ea typeface="배달의민족 주아" panose="02020603020101020101" pitchFamily="18" charset="-127"/>
               </a:rPr>
-              <a:t>요구 사항 </a:t>
+              <a:t>추천부탁드려요</a:t>
             </a:r>
             <a:r>
               <a:rPr lang="en-US" altLang="ko-KR" sz="1300" dirty="0" smtClean="0">
                 <a:latin typeface="배달의민족 주아" panose="02020603020101020101" pitchFamily="18" charset="-127"/>
                 <a:ea typeface="배달의민족 주아" panose="02020603020101020101" pitchFamily="18" charset="-127"/>
               </a:rPr>
-              <a:t>: </a:t>
-            </a:r>
-          </a:p>
-          <a:p>
+              <a:t>.</a:t>
+            </a:r>
+          </a:p>
+          <a:p>
+            <a:r>
+              <a:rPr lang="en-US" altLang="ko-KR" sz="1300" dirty="0" smtClean="0">
+                <a:latin typeface="배달의민족 주아" panose="02020603020101020101" pitchFamily="18" charset="-127"/>
+                <a:ea typeface="배달의민족 주아" panose="02020603020101020101" pitchFamily="18" charset="-127"/>
+              </a:rPr>
+              <a:t>=&gt;</a:t>
+            </a:r>
             <a:r>
               <a:rPr lang="ko-KR" altLang="en-US" sz="1300" dirty="0" smtClean="0">
                 <a:latin typeface="배달의민족 주아" panose="02020603020101020101" pitchFamily="18" charset="-127"/>
                 <a:ea typeface="배달의민족 주아" panose="02020603020101020101" pitchFamily="18" charset="-127"/>
               </a:rPr>
-              <a:t>저는 신상 셔츠는 다</a:t>
+              <a:t>만족도 확인</a:t>
             </a:r>
             <a:endParaRPr lang="en-US" altLang="ko-KR" sz="1300" dirty="0" smtClean="0">
               <a:latin typeface="배달의민족 주아" panose="02020603020101020101" pitchFamily="18" charset="-127"/>
               <a:ea typeface="배달의민족 주아" panose="02020603020101020101" pitchFamily="18" charset="-127"/>
             </a:endParaRPr>
           </a:p>
-          <a:p>
-            <a:r>
-              <a:rPr lang="ko-KR" altLang="en-US" sz="1300" dirty="0" smtClean="0">
-                <a:latin typeface="배달의민족 주아" panose="02020603020101020101" pitchFamily="18" charset="-127"/>
-                <a:ea typeface="배달의민족 주아" panose="02020603020101020101" pitchFamily="18" charset="-127"/>
-              </a:rPr>
-              <a:t>구매할꺼에요</a:t>
-            </a:r>
-            <a:endParaRPr lang="en-US" altLang="ko-KR" sz="1300" dirty="0" smtClean="0">
-              <a:latin typeface="배달의민족 주아" panose="02020603020101020101" pitchFamily="18" charset="-127"/>
-              <a:ea typeface="배달의민족 주아" panose="02020603020101020101" pitchFamily="18" charset="-127"/>
-            </a:endParaRPr>
-          </a:p>
-          <a:p>
-            <a:r>
-              <a:rPr lang="ko-KR" altLang="en-US" sz="1300" dirty="0" smtClean="0">
-                <a:latin typeface="배달의민족 주아" panose="02020603020101020101" pitchFamily="18" charset="-127"/>
-                <a:ea typeface="배달의민족 주아" panose="02020603020101020101" pitchFamily="18" charset="-127"/>
-              </a:rPr>
-              <a:t>추천부탁드려요</a:t>
-            </a:r>
-            <a:r>
-              <a:rPr lang="en-US" altLang="ko-KR" sz="1300" dirty="0" smtClean="0">
-                <a:latin typeface="배달의민족 주아" panose="02020603020101020101" pitchFamily="18" charset="-127"/>
-                <a:ea typeface="배달의민족 주아" panose="02020603020101020101" pitchFamily="18" charset="-127"/>
-              </a:rPr>
-              <a:t>.</a:t>
-            </a:r>
-          </a:p>
-          <a:p>
-            <a:r>
-              <a:rPr lang="en-US" altLang="ko-KR" sz="1300" dirty="0" smtClean="0">
-                <a:latin typeface="배달의민족 주아" panose="02020603020101020101" pitchFamily="18" charset="-127"/>
-                <a:ea typeface="배달의민족 주아" panose="02020603020101020101" pitchFamily="18" charset="-127"/>
-              </a:rPr>
-              <a:t>=&gt;</a:t>
-            </a:r>
-            <a:r>
-              <a:rPr lang="ko-KR" altLang="en-US" sz="1300" dirty="0" smtClean="0">
-                <a:latin typeface="배달의민족 주아" panose="02020603020101020101" pitchFamily="18" charset="-127"/>
-                <a:ea typeface="배달의민족 주아" panose="02020603020101020101" pitchFamily="18" charset="-127"/>
-              </a:rPr>
-              <a:t>만족도 확인</a:t>
-            </a:r>
-            <a:endParaRPr lang="en-US" altLang="ko-KR" sz="1300" dirty="0" smtClean="0">
-              <a:latin typeface="배달의민족 주아" panose="02020603020101020101" pitchFamily="18" charset="-127"/>
-              <a:ea typeface="배달의민족 주아" panose="02020603020101020101" pitchFamily="18" charset="-127"/>
-            </a:endParaRPr>
-          </a:p>
         </p:txBody>
       </p:sp>
       <p:sp>
@@ -11986,8 +11115,8 @@
         </p:nvSpPr>
         <p:spPr>
           <a:xfrm>
-            <a:off x="6359228" y="3711594"/>
-            <a:ext cx="1673177" cy="1692771"/>
+            <a:off x="6356006" y="3929313"/>
+            <a:ext cx="1673177" cy="1292662"/>
           </a:xfrm>
           <a:prstGeom prst="rect">
             <a:avLst/>
@@ -12004,7 +11133,7 @@
                 <a:latin typeface="배달의민족 주아" panose="02020603020101020101" pitchFamily="18" charset="-127"/>
                 <a:ea typeface="배달의민족 주아" panose="02020603020101020101" pitchFamily="18" charset="-127"/>
               </a:rPr>
-              <a:t>등급 </a:t>
+              <a:t>관심 상품 </a:t>
             </a:r>
             <a:r>
               <a:rPr lang="en-US" altLang="ko-KR" sz="1300" dirty="0" smtClean="0">
@@ -12018,61 +11147,7 @@
                 <a:latin typeface="배달의민족 주아" panose="02020603020101020101" pitchFamily="18" charset="-127"/>
                 <a:ea typeface="배달의민족 주아" panose="02020603020101020101" pitchFamily="18" charset="-127"/>
               </a:rPr>
-              <a:t>골드</a:t>
-            </a:r>
-            <a:endParaRPr lang="en-US" altLang="ko-KR" sz="1300" dirty="0" smtClean="0">
-              <a:latin typeface="배달의민족 주아" panose="02020603020101020101" pitchFamily="18" charset="-127"/>
-              <a:ea typeface="배달의민족 주아" panose="02020603020101020101" pitchFamily="18" charset="-127"/>
-            </a:endParaRPr>
-          </a:p>
-          <a:p>
-            <a:r>
-              <a:rPr lang="ko-KR" altLang="en-US" sz="1300" dirty="0" smtClean="0">
-                <a:latin typeface="배달의민족 주아" panose="02020603020101020101" pitchFamily="18" charset="-127"/>
-                <a:ea typeface="배달의민족 주아" panose="02020603020101020101" pitchFamily="18" charset="-127"/>
-              </a:rPr>
-              <a:t>관심 상품 </a:t>
-            </a:r>
-            <a:r>
-              <a:rPr lang="en-US" altLang="ko-KR" sz="1300" dirty="0" smtClean="0">
-                <a:latin typeface="배달의민족 주아" panose="02020603020101020101" pitchFamily="18" charset="-127"/>
-                <a:ea typeface="배달의민족 주아" panose="02020603020101020101" pitchFamily="18" charset="-127"/>
-              </a:rPr>
-              <a:t>: </a:t>
-            </a:r>
-            <a:r>
-              <a:rPr lang="ko-KR" altLang="en-US" sz="1300" dirty="0" smtClean="0">
-                <a:latin typeface="배달의민족 주아" panose="02020603020101020101" pitchFamily="18" charset="-127"/>
-                <a:ea typeface="배달의민족 주아" panose="02020603020101020101" pitchFamily="18" charset="-127"/>
-              </a:rPr>
               <a:t>비키니 </a:t>
-            </a:r>
-            <a:endParaRPr lang="en-US" altLang="ko-KR" sz="1300" dirty="0" smtClean="0">
-              <a:latin typeface="배달의민족 주아" panose="02020603020101020101" pitchFamily="18" charset="-127"/>
-              <a:ea typeface="배달의민족 주아" panose="02020603020101020101" pitchFamily="18" charset="-127"/>
-            </a:endParaRPr>
-          </a:p>
-          <a:p>
-            <a:r>
-              <a:rPr lang="ko-KR" altLang="en-US" sz="1300" dirty="0" smtClean="0">
-                <a:latin typeface="배달의민족 주아" panose="02020603020101020101" pitchFamily="18" charset="-127"/>
-                <a:ea typeface="배달의민족 주아" panose="02020603020101020101" pitchFamily="18" charset="-127"/>
-              </a:rPr>
-              <a:t>매장 방문 횟수 </a:t>
-            </a:r>
-            <a:r>
-              <a:rPr lang="en-US" altLang="ko-KR" sz="1300" dirty="0" smtClean="0">
-                <a:latin typeface="배달의민족 주아" panose="02020603020101020101" pitchFamily="18" charset="-127"/>
-                <a:ea typeface="배달의민족 주아" panose="02020603020101020101" pitchFamily="18" charset="-127"/>
-              </a:rPr>
-              <a:t>: 8</a:t>
-            </a:r>
-            <a:r>
-              <a:rPr lang="ko-KR" altLang="en-US" sz="1300" dirty="0" smtClean="0">
-                <a:latin typeface="배달의민족 주아" panose="02020603020101020101" pitchFamily="18" charset="-127"/>
-                <a:ea typeface="배달의민족 주아" panose="02020603020101020101" pitchFamily="18" charset="-127"/>
-              </a:rPr>
-              <a:t>회</a:t>
             </a:r>
             <a:endParaRPr lang="en-US" altLang="ko-KR" sz="1300" dirty="0" smtClean="0">
               <a:latin typeface="배달의민족 주아" panose="02020603020101020101" pitchFamily="18" charset="-127"/>
@@ -13018,8 +12093,8 @@
         </p:nvCxnSpPr>
         <p:spPr>
           <a:xfrm>
-            <a:off x="3557394" y="4417695"/>
-            <a:ext cx="713751" cy="0"/>
+            <a:off x="3508450" y="4410497"/>
+            <a:ext cx="955485" cy="0"/>
           </a:xfrm>
           <a:prstGeom prst="line">
             <a:avLst/>
@@ -13053,7 +12128,7 @@
         </p:nvSpPr>
         <p:spPr>
           <a:xfrm>
-            <a:off x="4754518" y="5375425"/>
+            <a:off x="5427715" y="5774208"/>
             <a:ext cx="542844" cy="276999"/>
           </a:xfrm>
           <a:prstGeom prst="rect">
@@ -13105,7 +12180,7 @@
         </p:nvSpPr>
         <p:spPr>
           <a:xfrm>
-            <a:off x="3050178" y="4175544"/>
+            <a:off x="3001234" y="4168346"/>
             <a:ext cx="580709" cy="292388"/>
           </a:xfrm>
           <a:prstGeom prst="rect">
@@ -13157,8 +12232,8 @@
         </p:nvCxnSpPr>
         <p:spPr>
           <a:xfrm>
-            <a:off x="5134075" y="4417695"/>
-            <a:ext cx="713751" cy="0"/>
+            <a:off x="4952187" y="4417695"/>
+            <a:ext cx="895639" cy="0"/>
           </a:xfrm>
           <a:prstGeom prst="line">
             <a:avLst/>
@@ -13192,7 +12267,7 @@
         </p:nvSpPr>
         <p:spPr>
           <a:xfrm>
-            <a:off x="4626859" y="4175544"/>
+            <a:off x="4511162" y="4168346"/>
             <a:ext cx="580709" cy="292388"/>
           </a:xfrm>
           <a:prstGeom prst="rect">
@@ -13301,7 +12376,7 @@
                 <a:latin typeface="배달의민족 주아" panose="02020603020101020101" pitchFamily="18" charset="-127"/>
                 <a:ea typeface="배달의민족 주아" panose="02020603020101020101" pitchFamily="18" charset="-127"/>
               </a:rPr>
-              <a:t>관심 분야 </a:t>
+              <a:t>카드 번호</a:t>
             </a:r>
             <a:r>
               <a:rPr lang="en-US" altLang="ko-KR" sz="1300" dirty="0" smtClean="0">
@@ -13418,7 +12493,7 @@
         </p:nvSpPr>
         <p:spPr>
           <a:xfrm>
-            <a:off x="5297362" y="5375425"/>
+            <a:off x="4806766" y="5766588"/>
             <a:ext cx="691958" cy="276999"/>
           </a:xfrm>
           <a:prstGeom prst="rect">
@@ -13433,7 +12508,7 @@
           <a:lstStyle/>
           <a:p>
             <a:r>
-              <a:rPr lang="en-US" altLang="ko-KR" sz="1200" smtClean="0">
+              <a:rPr lang="en-US" altLang="ko-KR" sz="1200" dirty="0" smtClean="0">
                 <a:solidFill>
                   <a:srgbClr val="192537"/>
                 </a:solidFill>
@@ -13505,6 +12580,93 @@
               <a:t>사진 등록</a:t>
             </a:r>
             <a:endParaRPr lang="ko-KR" altLang="en-US" sz="1200" dirty="0">
+              <a:solidFill>
+                <a:srgbClr val="192537"/>
+              </a:solidFill>
+              <a:latin typeface="배달의민족 주아" panose="02020603020101020101" pitchFamily="18" charset="-127"/>
+              <a:ea typeface="배달의민족 주아" panose="02020603020101020101" pitchFamily="18" charset="-127"/>
+            </a:endParaRPr>
+          </a:p>
+        </p:txBody>
+      </p:sp>
+      <p:cxnSp>
+        <p:nvCxnSpPr>
+          <p:cNvPr id="32" name="직선 연결선 31"/>
+          <p:cNvCxnSpPr/>
+          <p:nvPr/>
+        </p:nvCxnSpPr>
+        <p:spPr>
+          <a:xfrm>
+            <a:off x="3557394" y="5554777"/>
+            <a:ext cx="2290432" cy="0"/>
+          </a:xfrm>
+          <a:prstGeom prst="line">
+            <a:avLst/>
+          </a:prstGeom>
+          <a:ln w="28575">
+            <a:solidFill>
+              <a:srgbClr val="192537"/>
+            </a:solidFill>
+          </a:ln>
+        </p:spPr>
+        <p:style>
+          <a:lnRef idx="1">
+            <a:schemeClr val="accent1"/>
+          </a:lnRef>
+          <a:fillRef idx="0">
+            <a:schemeClr val="accent1"/>
+          </a:fillRef>
+          <a:effectRef idx="0">
+            <a:schemeClr val="accent1"/>
+          </a:effectRef>
+          <a:fontRef idx="minor">
+            <a:schemeClr val="tx1"/>
+          </a:fontRef>
+        </p:style>
+      </p:cxnSp>
+      <p:sp>
+        <p:nvSpPr>
+          <p:cNvPr id="35" name="TextBox 34"/>
+          <p:cNvSpPr txBox="1"/>
+          <p:nvPr/>
+        </p:nvSpPr>
+        <p:spPr>
+          <a:xfrm>
+            <a:off x="2761147" y="5288681"/>
+            <a:ext cx="796247" cy="292388"/>
+          </a:xfrm>
+          <a:prstGeom prst="rect">
+            <a:avLst/>
+          </a:prstGeom>
+          <a:noFill/>
+        </p:spPr>
+        <p:txBody>
+          <a:bodyPr wrap="square" rtlCol="0">
+            <a:spAutoFit/>
+          </a:bodyPr>
+          <a:lstStyle/>
+          <a:p>
+            <a:r>
+              <a:rPr lang="ko-KR" altLang="en-US" sz="1300" dirty="0" smtClean="0">
+                <a:solidFill>
+                  <a:srgbClr val="192537"/>
+                </a:solidFill>
+                <a:latin typeface="배달의민족 주아" panose="02020603020101020101" pitchFamily="18" charset="-127"/>
+                <a:ea typeface="배달의민족 주아" panose="02020603020101020101" pitchFamily="18" charset="-127"/>
+              </a:rPr>
+              <a:t>요구 사항</a:t>
+            </a:r>
+            <a:r>
+              <a:rPr lang="en-US" altLang="ko-KR" sz="1300" dirty="0" smtClean="0">
+                <a:solidFill>
+                  <a:srgbClr val="192537"/>
+                </a:solidFill>
+                <a:latin typeface="배달의민족 주아" panose="02020603020101020101" pitchFamily="18" charset="-127"/>
+                <a:ea typeface="배달의민족 주아" panose="02020603020101020101" pitchFamily="18" charset="-127"/>
+              </a:rPr>
+              <a:t>: </a:t>
+            </a:r>
+            <a:endParaRPr lang="ko-KR" altLang="en-US" sz="1300" dirty="0">
               <a:solidFill>
                 <a:srgbClr val="192537"/>
               </a:solidFill>
@@ -13802,7 +12964,7 @@
         <p:spPr>
           <a:xfrm>
             <a:off x="8577254" y="3341035"/>
-            <a:ext cx="3498454" cy="646331"/>
+            <a:ext cx="3498454" cy="1477328"/>
           </a:xfrm>
           <a:prstGeom prst="rect">
             <a:avLst/>
@@ -13851,7 +13013,40 @@
                 <a:latin typeface="배달의민족 한나체 Pro" panose="020B0600000101010101" pitchFamily="50" charset="-127"/>
                 <a:ea typeface="배달의민족 한나체 Pro" panose="020B0600000101010101" pitchFamily="50" charset="-127"/>
               </a:rPr>
-              <a:t>정보를 수정할 수 있습니다</a:t>
+              <a:t>정보를 수정 및 삭제</a:t>
+            </a:r>
+            <a:endParaRPr lang="en-US" altLang="ko-KR" dirty="0" smtClean="0">
+              <a:latin typeface="배달의민족 한나체 Pro" panose="020B0600000101010101" pitchFamily="50" charset="-127"/>
+              <a:ea typeface="배달의민족 한나체 Pro" panose="020B0600000101010101" pitchFamily="50" charset="-127"/>
+            </a:endParaRPr>
+          </a:p>
+          <a:p>
+            <a:r>
+              <a:rPr lang="ko-KR" altLang="en-US" dirty="0" smtClean="0">
+                <a:latin typeface="배달의민족 한나체 Pro" panose="020B0600000101010101" pitchFamily="50" charset="-127"/>
+                <a:ea typeface="배달의민족 한나체 Pro" panose="020B0600000101010101" pitchFamily="50" charset="-127"/>
+              </a:rPr>
+              <a:t>할 수 있습니다</a:t>
+            </a:r>
+            <a:r>
+              <a:rPr lang="en-US" altLang="ko-KR" dirty="0" smtClean="0">
+                <a:latin typeface="배달의민족 한나체 Pro" panose="020B0600000101010101" pitchFamily="50" charset="-127"/>
+                <a:ea typeface="배달의민족 한나체 Pro" panose="020B0600000101010101" pitchFamily="50" charset="-127"/>
+              </a:rPr>
+              <a:t>.</a:t>
+            </a:r>
+          </a:p>
+          <a:p>
+            <a:pPr marL="285750" indent="-285750">
+              <a:buFont typeface="Arial" panose="020B0604020202020204" pitchFamily="34" charset="0"/>
+              <a:buChar char="•"/>
+            </a:pPr>
+            <a:r>
+              <a:rPr lang="ko-KR" altLang="en-US" dirty="0" smtClean="0">
+                <a:latin typeface="배달의민족 한나체 Pro" panose="020B0600000101010101" pitchFamily="50" charset="-127"/>
+                <a:ea typeface="배달의민족 한나체 Pro" panose="020B0600000101010101" pitchFamily="50" charset="-127"/>
+              </a:rPr>
+              <a:t>스크롤을 통해 추가로 멤버 목록을 불러옵니다</a:t>
             </a:r>
             <a:r>
               <a:rPr lang="en-US" altLang="ko-KR" dirty="0" smtClean="0">
@@ -14034,2285 +13229,6 @@
               <a:latin typeface="배달의민족 주아" panose="02020603020101020101" pitchFamily="18" charset="-127"/>
               <a:ea typeface="배달의민족 주아" panose="02020603020101020101" pitchFamily="18" charset="-127"/>
             </a:endParaRPr>
-          </a:p>
-        </p:txBody>
-      </p:sp>
-      <p:graphicFrame>
-        <p:nvGraphicFramePr>
-          <p:cNvPr id="10" name="표 9"/>
-          <p:cNvGraphicFramePr>
-            <a:graphicFrameLocks noGrp="1"/>
-          </p:cNvGraphicFramePr>
-          <p:nvPr>
-            <p:extLst>
-              <p:ext uri="{D42A27DB-BD31-4B8C-83A1-F6EECF244321}">
-                <p14:modId xmlns:p14="http://schemas.microsoft.com/office/powerpoint/2010/main" val="228996815"/>
-              </p:ext>
-            </p:extLst>
-          </p:nvPr>
-        </p:nvGraphicFramePr>
-        <p:xfrm>
-          <a:off x="426536" y="2080902"/>
-          <a:ext cx="7879361" cy="3708400"/>
-        </p:xfrm>
-        <a:graphic>
-          <a:graphicData uri="http://schemas.openxmlformats.org/drawingml/2006/table">
-            <a:tbl>
-              <a:tblPr firstRow="1" bandRow="1">
-                <a:tableStyleId>{5C22544A-7EE6-4342-B048-85BDC9FD1C3A}</a:tableStyleId>
-              </a:tblPr>
-              <a:tblGrid>
-                <a:gridCol w="1125623">
-                  <a:extLst>
-                    <a:ext uri="{9D8B030D-6E8A-4147-A177-3AD203B41FA5}">
-                      <a16:colId xmlns:a16="http://schemas.microsoft.com/office/drawing/2014/main" val="4141070589"/>
-                    </a:ext>
-                  </a:extLst>
-                </a:gridCol>
-                <a:gridCol w="1125623">
-                  <a:extLst>
-                    <a:ext uri="{9D8B030D-6E8A-4147-A177-3AD203B41FA5}">
-                      <a16:colId xmlns:a16="http://schemas.microsoft.com/office/drawing/2014/main" val="3442978184"/>
-                    </a:ext>
-                  </a:extLst>
-                </a:gridCol>
-                <a:gridCol w="1125623">
-                  <a:extLst>
-                    <a:ext uri="{9D8B030D-6E8A-4147-A177-3AD203B41FA5}">
-                      <a16:colId xmlns:a16="http://schemas.microsoft.com/office/drawing/2014/main" val="442008405"/>
-                    </a:ext>
-                  </a:extLst>
-                </a:gridCol>
-                <a:gridCol w="1125623">
-                  <a:extLst>
-                    <a:ext uri="{9D8B030D-6E8A-4147-A177-3AD203B41FA5}">
-                      <a16:colId xmlns:a16="http://schemas.microsoft.com/office/drawing/2014/main" val="1242945324"/>
-                    </a:ext>
-                  </a:extLst>
-                </a:gridCol>
-                <a:gridCol w="1125623">
-                  <a:extLst>
-                    <a:ext uri="{9D8B030D-6E8A-4147-A177-3AD203B41FA5}">
-                      <a16:colId xmlns:a16="http://schemas.microsoft.com/office/drawing/2014/main" val="2703332591"/>
-                    </a:ext>
-                  </a:extLst>
-                </a:gridCol>
-                <a:gridCol w="1222449">
-                  <a:extLst>
-                    <a:ext uri="{9D8B030D-6E8A-4147-A177-3AD203B41FA5}">
-                      <a16:colId xmlns:a16="http://schemas.microsoft.com/office/drawing/2014/main" val="2202642814"/>
-                    </a:ext>
-                  </a:extLst>
-                </a:gridCol>
-                <a:gridCol w="1028797">
-                  <a:extLst>
-                    <a:ext uri="{9D8B030D-6E8A-4147-A177-3AD203B41FA5}">
-                      <a16:colId xmlns:a16="http://schemas.microsoft.com/office/drawing/2014/main" val="3625012189"/>
-                    </a:ext>
-                  </a:extLst>
-                </a:gridCol>
-              </a:tblGrid>
-              <a:tr h="370840">
-                <a:tc>
-                  <a:txBody>
-                    <a:bodyPr/>
-                    <a:lstStyle/>
-                    <a:p>
-                      <a:pPr algn="ctr" latinLnBrk="1"/>
-                      <a:r>
-                        <a:rPr lang="ko-KR" altLang="en-US" sz="1600" dirty="0" smtClean="0">
-                          <a:latin typeface="배달의민족 주아" panose="02020603020101020101" pitchFamily="18" charset="-127"/>
-                          <a:ea typeface="배달의민족 주아" panose="02020603020101020101" pitchFamily="18" charset="-127"/>
-                        </a:rPr>
-                        <a:t>고객명</a:t>
-                      </a:r>
-                      <a:endParaRPr lang="ko-KR" altLang="en-US" sz="1600" dirty="0">
-                        <a:latin typeface="배달의민족 주아" panose="02020603020101020101" pitchFamily="18" charset="-127"/>
-                        <a:ea typeface="배달의민족 주아" panose="02020603020101020101" pitchFamily="18" charset="-127"/>
-                      </a:endParaRPr>
-                    </a:p>
-                  </a:txBody>
-                  <a:tcPr>
-                    <a:solidFill>
-                      <a:srgbClr val="192537"/>
-                    </a:solidFill>
-                  </a:tcPr>
-                </a:tc>
-                <a:tc>
-                  <a:txBody>
-                    <a:bodyPr/>
-                    <a:lstStyle/>
-                    <a:p>
-                      <a:pPr algn="ctr" latinLnBrk="1"/>
-                      <a:r>
-                        <a:rPr lang="ko-KR" altLang="en-US" sz="1600" dirty="0" smtClean="0">
-                          <a:latin typeface="배달의민족 주아" panose="02020603020101020101" pitchFamily="18" charset="-127"/>
-                          <a:ea typeface="배달의민족 주아" panose="02020603020101020101" pitchFamily="18" charset="-127"/>
-                        </a:rPr>
-                        <a:t>나이</a:t>
-                      </a:r>
-                      <a:endParaRPr lang="ko-KR" altLang="en-US" sz="1600" dirty="0">
-                        <a:latin typeface="배달의민족 주아" panose="02020603020101020101" pitchFamily="18" charset="-127"/>
-                        <a:ea typeface="배달의민족 주아" panose="02020603020101020101" pitchFamily="18" charset="-127"/>
-                      </a:endParaRPr>
-                    </a:p>
-                  </a:txBody>
-                  <a:tcPr>
-                    <a:solidFill>
-                      <a:srgbClr val="192537"/>
-                    </a:solidFill>
-                  </a:tcPr>
-                </a:tc>
-                <a:tc>
-                  <a:txBody>
-                    <a:bodyPr/>
-                    <a:lstStyle/>
-                    <a:p>
-                      <a:pPr algn="ctr" latinLnBrk="1"/>
-                      <a:r>
-                        <a:rPr lang="ko-KR" altLang="en-US" sz="1600" dirty="0" smtClean="0">
-                          <a:latin typeface="배달의민족 주아" panose="02020603020101020101" pitchFamily="18" charset="-127"/>
-                          <a:ea typeface="배달의민족 주아" panose="02020603020101020101" pitchFamily="18" charset="-127"/>
-                        </a:rPr>
-                        <a:t>등급</a:t>
-                      </a:r>
-                      <a:endParaRPr lang="ko-KR" altLang="en-US" sz="1600" dirty="0">
-                        <a:latin typeface="배달의민족 주아" panose="02020603020101020101" pitchFamily="18" charset="-127"/>
-                        <a:ea typeface="배달의민족 주아" panose="02020603020101020101" pitchFamily="18" charset="-127"/>
-                      </a:endParaRPr>
-                    </a:p>
-                  </a:txBody>
-                  <a:tcPr>
-                    <a:solidFill>
-                      <a:srgbClr val="192537"/>
-                    </a:solidFill>
-                  </a:tcPr>
-                </a:tc>
-                <a:tc>
-                  <a:txBody>
-                    <a:bodyPr/>
-                    <a:lstStyle/>
-                    <a:p>
-                      <a:pPr algn="ctr" latinLnBrk="1"/>
-                      <a:r>
-                        <a:rPr lang="ko-KR" altLang="en-US" sz="1600" dirty="0" smtClean="0">
-                          <a:latin typeface="배달의민족 주아" panose="02020603020101020101" pitchFamily="18" charset="-127"/>
-                          <a:ea typeface="배달의민족 주아" panose="02020603020101020101" pitchFamily="18" charset="-127"/>
-                        </a:rPr>
-                        <a:t>관심사</a:t>
-                      </a:r>
-                      <a:endParaRPr lang="ko-KR" altLang="en-US" sz="1600" dirty="0">
-                        <a:latin typeface="배달의민족 주아" panose="02020603020101020101" pitchFamily="18" charset="-127"/>
-                        <a:ea typeface="배달의민족 주아" panose="02020603020101020101" pitchFamily="18" charset="-127"/>
-                      </a:endParaRPr>
-                    </a:p>
-                  </a:txBody>
-                  <a:tcPr>
-                    <a:solidFill>
-                      <a:srgbClr val="192537"/>
-                    </a:solidFill>
-                  </a:tcPr>
-                </a:tc>
-                <a:tc>
-                  <a:txBody>
-                    <a:bodyPr/>
-                    <a:lstStyle/>
-                    <a:p>
-                      <a:pPr algn="ctr" latinLnBrk="1"/>
-                      <a:r>
-                        <a:rPr lang="ko-KR" altLang="en-US" sz="1600" dirty="0" smtClean="0">
-                          <a:latin typeface="배달의민족 주아" panose="02020603020101020101" pitchFamily="18" charset="-127"/>
-                          <a:ea typeface="배달의민족 주아" panose="02020603020101020101" pitchFamily="18" charset="-127"/>
-                        </a:rPr>
-                        <a:t>요구사항</a:t>
-                      </a:r>
-                      <a:endParaRPr lang="ko-KR" altLang="en-US" sz="1600" dirty="0">
-                        <a:latin typeface="배달의민족 주아" panose="02020603020101020101" pitchFamily="18" charset="-127"/>
-                        <a:ea typeface="배달의민족 주아" panose="02020603020101020101" pitchFamily="18" charset="-127"/>
-                      </a:endParaRPr>
-                    </a:p>
-                  </a:txBody>
-                  <a:tcPr>
-                    <a:solidFill>
-                      <a:srgbClr val="192537"/>
-                    </a:solidFill>
-                  </a:tcPr>
-                </a:tc>
-                <a:tc>
-                  <a:txBody>
-                    <a:bodyPr/>
-                    <a:lstStyle/>
-                    <a:p>
-                      <a:pPr algn="ctr" latinLnBrk="1"/>
-                      <a:r>
-                        <a:rPr lang="ko-KR" altLang="en-US" sz="1600" dirty="0" smtClean="0">
-                          <a:latin typeface="배달의민족 주아" panose="02020603020101020101" pitchFamily="18" charset="-127"/>
-                          <a:ea typeface="배달의민족 주아" panose="02020603020101020101" pitchFamily="18" charset="-127"/>
-                        </a:rPr>
-                        <a:t>사진</a:t>
-                      </a:r>
-                      <a:endParaRPr lang="ko-KR" altLang="en-US" sz="1600" dirty="0">
-                        <a:latin typeface="배달의민족 주아" panose="02020603020101020101" pitchFamily="18" charset="-127"/>
-                        <a:ea typeface="배달의민족 주아" panose="02020603020101020101" pitchFamily="18" charset="-127"/>
-                      </a:endParaRPr>
-                    </a:p>
-                  </a:txBody>
-                  <a:tcPr>
-                    <a:solidFill>
-                      <a:srgbClr val="192537"/>
-                    </a:solidFill>
-                  </a:tcPr>
-                </a:tc>
-                <a:tc>
-                  <a:txBody>
-                    <a:bodyPr/>
-                    <a:lstStyle/>
-                    <a:p>
-                      <a:pPr algn="ctr" latinLnBrk="1"/>
-                      <a:endParaRPr lang="ko-KR" altLang="en-US" sz="1600" dirty="0">
-                        <a:latin typeface="배달의민족 주아" panose="02020603020101020101" pitchFamily="18" charset="-127"/>
-                        <a:ea typeface="배달의민족 주아" panose="02020603020101020101" pitchFamily="18" charset="-127"/>
-                      </a:endParaRPr>
-                    </a:p>
-                  </a:txBody>
-                  <a:tcPr>
-                    <a:solidFill>
-                      <a:srgbClr val="192537"/>
-                    </a:solidFill>
-                  </a:tcPr>
-                </a:tc>
-                <a:extLst>
-                  <a:ext uri="{0D108BD9-81ED-4DB2-BD59-A6C34878D82A}">
-                    <a16:rowId xmlns:a16="http://schemas.microsoft.com/office/drawing/2014/main" val="2510019940"/>
-                  </a:ext>
-                </a:extLst>
-              </a:tr>
-              <a:tr h="370840">
-                <a:tc>
-                  <a:txBody>
-                    <a:bodyPr/>
-                    <a:lstStyle/>
-                    <a:p>
-                      <a:pPr algn="ctr" latinLnBrk="1"/>
-                      <a:r>
-                        <a:rPr lang="ko-KR" altLang="en-US" dirty="0" smtClean="0">
-                          <a:solidFill>
-                            <a:srgbClr val="192537"/>
-                          </a:solidFill>
-                          <a:latin typeface="배달의민족 주아" panose="02020603020101020101" pitchFamily="18" charset="-127"/>
-                          <a:ea typeface="배달의민족 주아" panose="02020603020101020101" pitchFamily="18" charset="-127"/>
-                        </a:rPr>
-                        <a:t>송원준</a:t>
-                      </a:r>
-                      <a:endParaRPr lang="ko-KR" altLang="en-US" dirty="0">
-                        <a:solidFill>
-                          <a:srgbClr val="192537"/>
-                        </a:solidFill>
-                        <a:latin typeface="배달의민족 주아" panose="02020603020101020101" pitchFamily="18" charset="-127"/>
-                        <a:ea typeface="배달의민족 주아" panose="02020603020101020101" pitchFamily="18" charset="-127"/>
-                      </a:endParaRPr>
-                    </a:p>
-                  </a:txBody>
-                  <a:tcPr>
-                    <a:solidFill>
-                      <a:schemeClr val="accent1">
-                        <a:tint val="40000"/>
-                      </a:schemeClr>
-                    </a:solidFill>
-                  </a:tcPr>
-                </a:tc>
-                <a:tc>
-                  <a:txBody>
-                    <a:bodyPr/>
-                    <a:lstStyle/>
-                    <a:p>
-                      <a:pPr algn="ctr" latinLnBrk="1"/>
-                      <a:r>
-                        <a:rPr lang="en-US" altLang="ko-KR" dirty="0" smtClean="0">
-                          <a:latin typeface="배달의민족 주아" panose="02020603020101020101" pitchFamily="18" charset="-127"/>
-                          <a:ea typeface="배달의민족 주아" panose="02020603020101020101" pitchFamily="18" charset="-127"/>
-                        </a:rPr>
-                        <a:t>26</a:t>
-                      </a:r>
-                      <a:endParaRPr lang="ko-KR" altLang="en-US" dirty="0">
-                        <a:latin typeface="배달의민족 주아" panose="02020603020101020101" pitchFamily="18" charset="-127"/>
-                        <a:ea typeface="배달의민족 주아" panose="02020603020101020101" pitchFamily="18" charset="-127"/>
-                      </a:endParaRPr>
-                    </a:p>
-                  </a:txBody>
-                  <a:tcPr>
-                    <a:solidFill>
-                      <a:schemeClr val="accent1">
-                        <a:tint val="40000"/>
-                      </a:schemeClr>
-                    </a:solidFill>
-                  </a:tcPr>
-                </a:tc>
-                <a:tc>
-                  <a:txBody>
-                    <a:bodyPr/>
-                    <a:lstStyle/>
-                    <a:p>
-                      <a:pPr algn="ctr" latinLnBrk="1"/>
-                      <a:r>
-                        <a:rPr lang="en-US" altLang="ko-KR" dirty="0" smtClean="0">
-                          <a:latin typeface="배달의민족 주아" panose="02020603020101020101" pitchFamily="18" charset="-127"/>
-                          <a:ea typeface="배달의민족 주아" panose="02020603020101020101" pitchFamily="18" charset="-127"/>
-                        </a:rPr>
-                        <a:t>Diamond</a:t>
-                      </a:r>
-                      <a:endParaRPr lang="ko-KR" altLang="en-US" dirty="0">
-                        <a:latin typeface="배달의민족 주아" panose="02020603020101020101" pitchFamily="18" charset="-127"/>
-                        <a:ea typeface="배달의민족 주아" panose="02020603020101020101" pitchFamily="18" charset="-127"/>
-                      </a:endParaRPr>
-                    </a:p>
-                  </a:txBody>
-                  <a:tcPr>
-                    <a:solidFill>
-                      <a:schemeClr val="accent1">
-                        <a:tint val="40000"/>
-                      </a:schemeClr>
-                    </a:solidFill>
-                  </a:tcPr>
-                </a:tc>
-                <a:tc>
-                  <a:txBody>
-                    <a:bodyPr/>
-                    <a:lstStyle/>
-                    <a:p>
-                      <a:pPr algn="ctr" latinLnBrk="1"/>
-                      <a:r>
-                        <a:rPr lang="ko-KR" altLang="en-US" dirty="0" smtClean="0">
-                          <a:latin typeface="배달의민족 주아" panose="02020603020101020101" pitchFamily="18" charset="-127"/>
-                          <a:ea typeface="배달의민족 주아" panose="02020603020101020101" pitchFamily="18" charset="-127"/>
-                        </a:rPr>
-                        <a:t>운동화</a:t>
-                      </a:r>
-                      <a:endParaRPr lang="ko-KR" altLang="en-US" dirty="0">
-                        <a:latin typeface="배달의민족 주아" panose="02020603020101020101" pitchFamily="18" charset="-127"/>
-                        <a:ea typeface="배달의민족 주아" panose="02020603020101020101" pitchFamily="18" charset="-127"/>
-                      </a:endParaRPr>
-                    </a:p>
-                  </a:txBody>
-                  <a:tcPr>
-                    <a:solidFill>
-                      <a:schemeClr val="accent1">
-                        <a:tint val="40000"/>
-                      </a:schemeClr>
-                    </a:solidFill>
-                  </a:tcPr>
-                </a:tc>
-                <a:tc>
-                  <a:txBody>
-                    <a:bodyPr/>
-                    <a:lstStyle/>
-                    <a:p>
-                      <a:pPr algn="ctr" latinLnBrk="1"/>
-                      <a:r>
-                        <a:rPr lang="ko-KR" altLang="en-US" dirty="0" smtClean="0">
-                          <a:latin typeface="배달의민족 주아" panose="02020603020101020101" pitchFamily="18" charset="-127"/>
-                          <a:ea typeface="배달의민족 주아" panose="02020603020101020101" pitchFamily="18" charset="-127"/>
-                        </a:rPr>
-                        <a:t>가</a:t>
-                      </a:r>
-                      <a:r>
-                        <a:rPr lang="en-US" altLang="ko-KR" dirty="0" smtClean="0">
-                          <a:latin typeface="배달의민족 주아" panose="02020603020101020101" pitchFamily="18" charset="-127"/>
-                          <a:ea typeface="배달의민족 주아" panose="02020603020101020101" pitchFamily="18" charset="-127"/>
-                        </a:rPr>
-                        <a:t>…</a:t>
-                      </a:r>
-                      <a:endParaRPr lang="ko-KR" altLang="en-US" dirty="0">
-                        <a:latin typeface="배달의민족 주아" panose="02020603020101020101" pitchFamily="18" charset="-127"/>
-                        <a:ea typeface="배달의민족 주아" panose="02020603020101020101" pitchFamily="18" charset="-127"/>
-                      </a:endParaRPr>
-                    </a:p>
-                  </a:txBody>
-                  <a:tcPr>
-                    <a:solidFill>
-                      <a:schemeClr val="accent1">
-                        <a:tint val="40000"/>
-                      </a:schemeClr>
-                    </a:solidFill>
-                  </a:tcPr>
-                </a:tc>
-                <a:tc>
-                  <a:txBody>
-                    <a:bodyPr/>
-                    <a:lstStyle/>
-                    <a:p>
-                      <a:pPr algn="ctr" latinLnBrk="1"/>
-                      <a:r>
-                        <a:rPr lang="ko-KR" altLang="en-US" dirty="0" smtClean="0">
-                          <a:latin typeface="배달의민족 주아" panose="02020603020101020101" pitchFamily="18" charset="-127"/>
-                          <a:ea typeface="배달의민족 주아" panose="02020603020101020101" pitchFamily="18" charset="-127"/>
-                        </a:rPr>
-                        <a:t>송원준</a:t>
-                      </a:r>
-                      <a:r>
-                        <a:rPr lang="en-US" altLang="ko-KR" dirty="0" smtClean="0">
-                          <a:latin typeface="배달의민족 주아" panose="02020603020101020101" pitchFamily="18" charset="-127"/>
-                          <a:ea typeface="배달의민족 주아" panose="02020603020101020101" pitchFamily="18" charset="-127"/>
-                        </a:rPr>
-                        <a:t>.png</a:t>
-                      </a:r>
-                      <a:endParaRPr lang="ko-KR" altLang="en-US" dirty="0">
-                        <a:latin typeface="배달의민족 주아" panose="02020603020101020101" pitchFamily="18" charset="-127"/>
-                        <a:ea typeface="배달의민족 주아" panose="02020603020101020101" pitchFamily="18" charset="-127"/>
-                      </a:endParaRPr>
-                    </a:p>
-                  </a:txBody>
-                  <a:tcPr>
-                    <a:solidFill>
-                      <a:schemeClr val="accent1">
-                        <a:tint val="40000"/>
-                      </a:schemeClr>
-                    </a:solidFill>
-                  </a:tcPr>
-                </a:tc>
-                <a:tc>
-                  <a:txBody>
-                    <a:bodyPr/>
-                    <a:lstStyle/>
-                    <a:p>
-                      <a:pPr algn="ctr" latinLnBrk="1"/>
-                      <a:endParaRPr lang="ko-KR" altLang="en-US" dirty="0"/>
-                    </a:p>
-                  </a:txBody>
-                  <a:tcPr>
-                    <a:solidFill>
-                      <a:schemeClr val="accent1">
-                        <a:tint val="40000"/>
-                      </a:schemeClr>
-                    </a:solidFill>
-                  </a:tcPr>
-                </a:tc>
-                <a:extLst>
-                  <a:ext uri="{0D108BD9-81ED-4DB2-BD59-A6C34878D82A}">
-                    <a16:rowId xmlns:a16="http://schemas.microsoft.com/office/drawing/2014/main" val="2685549239"/>
-                  </a:ext>
-                </a:extLst>
-              </a:tr>
-              <a:tr h="370840">
-                <a:tc>
-                  <a:txBody>
-                    <a:bodyPr/>
-                    <a:lstStyle/>
-                    <a:p>
-                      <a:pPr algn="ctr" latinLnBrk="1"/>
-                      <a:r>
-                        <a:rPr lang="ko-KR" altLang="en-US" dirty="0" smtClean="0">
-                          <a:solidFill>
-                            <a:srgbClr val="192537"/>
-                          </a:solidFill>
-                          <a:latin typeface="배달의민족 주아" panose="02020603020101020101" pitchFamily="18" charset="-127"/>
-                          <a:ea typeface="배달의민족 주아" panose="02020603020101020101" pitchFamily="18" charset="-127"/>
-                        </a:rPr>
-                        <a:t>조석준</a:t>
-                      </a:r>
-                      <a:endParaRPr lang="ko-KR" altLang="en-US" dirty="0">
-                        <a:solidFill>
-                          <a:srgbClr val="192537"/>
-                        </a:solidFill>
-                        <a:latin typeface="배달의민족 주아" panose="02020603020101020101" pitchFamily="18" charset="-127"/>
-                        <a:ea typeface="배달의민족 주아" panose="02020603020101020101" pitchFamily="18" charset="-127"/>
-                      </a:endParaRPr>
-                    </a:p>
-                  </a:txBody>
-                  <a:tcPr>
-                    <a:solidFill>
-                      <a:schemeClr val="accent1">
-                        <a:tint val="40000"/>
-                      </a:schemeClr>
-                    </a:solidFill>
-                  </a:tcPr>
-                </a:tc>
-                <a:tc>
-                  <a:txBody>
-                    <a:bodyPr/>
-                    <a:lstStyle/>
-                    <a:p>
-                      <a:pPr algn="ctr" latinLnBrk="1"/>
-                      <a:r>
-                        <a:rPr lang="en-US" altLang="ko-KR" dirty="0" smtClean="0">
-                          <a:latin typeface="배달의민족 주아" panose="02020603020101020101" pitchFamily="18" charset="-127"/>
-                          <a:ea typeface="배달의민족 주아" panose="02020603020101020101" pitchFamily="18" charset="-127"/>
-                        </a:rPr>
-                        <a:t>29</a:t>
-                      </a:r>
-                      <a:endParaRPr lang="ko-KR" altLang="en-US" dirty="0">
-                        <a:latin typeface="배달의민족 주아" panose="02020603020101020101" pitchFamily="18" charset="-127"/>
-                        <a:ea typeface="배달의민족 주아" panose="02020603020101020101" pitchFamily="18" charset="-127"/>
-                      </a:endParaRPr>
-                    </a:p>
-                  </a:txBody>
-                  <a:tcPr>
-                    <a:solidFill>
-                      <a:schemeClr val="accent1">
-                        <a:tint val="40000"/>
-                      </a:schemeClr>
-                    </a:solidFill>
-                  </a:tcPr>
-                </a:tc>
-                <a:tc>
-                  <a:txBody>
-                    <a:bodyPr/>
-                    <a:lstStyle/>
-                    <a:p>
-                      <a:pPr algn="ctr" latinLnBrk="1"/>
-                      <a:r>
-                        <a:rPr lang="en-US" altLang="ko-KR" dirty="0" smtClean="0">
-                          <a:latin typeface="배달의민족 주아" panose="02020603020101020101" pitchFamily="18" charset="-127"/>
-                          <a:ea typeface="배달의민족 주아" panose="02020603020101020101" pitchFamily="18" charset="-127"/>
-                        </a:rPr>
-                        <a:t>Diamond</a:t>
-                      </a:r>
-                      <a:endParaRPr lang="ko-KR" altLang="en-US" dirty="0">
-                        <a:latin typeface="배달의민족 주아" panose="02020603020101020101" pitchFamily="18" charset="-127"/>
-                        <a:ea typeface="배달의민족 주아" panose="02020603020101020101" pitchFamily="18" charset="-127"/>
-                      </a:endParaRPr>
-                    </a:p>
-                  </a:txBody>
-                  <a:tcPr>
-                    <a:solidFill>
-                      <a:schemeClr val="accent1">
-                        <a:tint val="40000"/>
-                      </a:schemeClr>
-                    </a:solidFill>
-                  </a:tcPr>
-                </a:tc>
-                <a:tc>
-                  <a:txBody>
-                    <a:bodyPr/>
-                    <a:lstStyle/>
-                    <a:p>
-                      <a:pPr algn="ctr" latinLnBrk="1"/>
-                      <a:r>
-                        <a:rPr lang="ko-KR" altLang="en-US" dirty="0" smtClean="0">
-                          <a:latin typeface="배달의민족 주아" panose="02020603020101020101" pitchFamily="18" charset="-127"/>
-                          <a:ea typeface="배달의민족 주아" panose="02020603020101020101" pitchFamily="18" charset="-127"/>
-                        </a:rPr>
-                        <a:t>맨투맨</a:t>
-                      </a:r>
-                      <a:endParaRPr lang="ko-KR" altLang="en-US" dirty="0">
-                        <a:latin typeface="배달의민족 주아" panose="02020603020101020101" pitchFamily="18" charset="-127"/>
-                        <a:ea typeface="배달의민족 주아" panose="02020603020101020101" pitchFamily="18" charset="-127"/>
-                      </a:endParaRPr>
-                    </a:p>
-                  </a:txBody>
-                  <a:tcPr>
-                    <a:solidFill>
-                      <a:schemeClr val="accent1">
-                        <a:tint val="40000"/>
-                      </a:schemeClr>
-                    </a:solidFill>
-                  </a:tcPr>
-                </a:tc>
-                <a:tc>
-                  <a:txBody>
-                    <a:bodyPr/>
-                    <a:lstStyle/>
-                    <a:p>
-                      <a:pPr algn="ctr" latinLnBrk="1"/>
-                      <a:r>
-                        <a:rPr lang="ko-KR" altLang="en-US" dirty="0" smtClean="0">
-                          <a:latin typeface="배달의민족 주아" panose="02020603020101020101" pitchFamily="18" charset="-127"/>
-                          <a:ea typeface="배달의민족 주아" panose="02020603020101020101" pitchFamily="18" charset="-127"/>
-                        </a:rPr>
-                        <a:t>나</a:t>
-                      </a:r>
-                      <a:r>
-                        <a:rPr lang="en-US" altLang="ko-KR" dirty="0" smtClean="0">
-                          <a:latin typeface="배달의민족 주아" panose="02020603020101020101" pitchFamily="18" charset="-127"/>
-                          <a:ea typeface="배달의민족 주아" panose="02020603020101020101" pitchFamily="18" charset="-127"/>
-                        </a:rPr>
-                        <a:t>…</a:t>
-                      </a:r>
-                      <a:endParaRPr lang="ko-KR" altLang="en-US" dirty="0">
-                        <a:latin typeface="배달의민족 주아" panose="02020603020101020101" pitchFamily="18" charset="-127"/>
-                        <a:ea typeface="배달의민족 주아" panose="02020603020101020101" pitchFamily="18" charset="-127"/>
-                      </a:endParaRPr>
-                    </a:p>
-                  </a:txBody>
-                  <a:tcPr>
-                    <a:solidFill>
-                      <a:schemeClr val="accent1">
-                        <a:tint val="40000"/>
-                      </a:schemeClr>
-                    </a:solidFill>
-                  </a:tcPr>
-                </a:tc>
-                <a:tc>
-                  <a:txBody>
-                    <a:bodyPr/>
-                    <a:lstStyle/>
-                    <a:p>
-                      <a:pPr marL="0" marR="0" lvl="0" indent="0" algn="ctr" defTabSz="914400" rtl="0" eaLnBrk="1" fontAlgn="auto" latinLnBrk="1" hangingPunct="1">
-                        <a:lnSpc>
-                          <a:spcPct val="100000"/>
-                        </a:lnSpc>
-                        <a:spcBef>
-                          <a:spcPts val="0"/>
-                        </a:spcBef>
-                        <a:spcAft>
-                          <a:spcPts val="0"/>
-                        </a:spcAft>
-                        <a:buClrTx/>
-                        <a:buSzTx/>
-                        <a:buFontTx/>
-                        <a:buNone/>
-                        <a:tabLst/>
-                        <a:defRPr/>
-                      </a:pPr>
-                      <a:r>
-                        <a:rPr lang="ko-KR" altLang="en-US" dirty="0" smtClean="0">
-                          <a:latin typeface="배달의민족 주아" panose="02020603020101020101" pitchFamily="18" charset="-127"/>
-                          <a:ea typeface="배달의민족 주아" panose="02020603020101020101" pitchFamily="18" charset="-127"/>
-                        </a:rPr>
-                        <a:t>조석준</a:t>
-                      </a:r>
-                      <a:r>
-                        <a:rPr lang="en-US" altLang="ko-KR" dirty="0" smtClean="0">
-                          <a:latin typeface="배달의민족 주아" panose="02020603020101020101" pitchFamily="18" charset="-127"/>
-                          <a:ea typeface="배달의민족 주아" panose="02020603020101020101" pitchFamily="18" charset="-127"/>
-                        </a:rPr>
-                        <a:t>.png</a:t>
-                      </a:r>
-                      <a:endParaRPr lang="ko-KR" altLang="en-US" dirty="0" smtClean="0">
-                        <a:latin typeface="배달의민족 주아" panose="02020603020101020101" pitchFamily="18" charset="-127"/>
-                        <a:ea typeface="배달의민족 주아" panose="02020603020101020101" pitchFamily="18" charset="-127"/>
-                      </a:endParaRPr>
-                    </a:p>
-                  </a:txBody>
-                  <a:tcPr>
-                    <a:solidFill>
-                      <a:schemeClr val="accent1">
-                        <a:tint val="40000"/>
-                      </a:schemeClr>
-                    </a:solidFill>
-                  </a:tcPr>
-                </a:tc>
-                <a:tc>
-                  <a:txBody>
-                    <a:bodyPr/>
-                    <a:lstStyle/>
-                    <a:p>
-                      <a:pPr algn="ctr" latinLnBrk="1"/>
-                      <a:endParaRPr lang="ko-KR" altLang="en-US" dirty="0"/>
-                    </a:p>
-                  </a:txBody>
-                  <a:tcPr>
-                    <a:solidFill>
-                      <a:schemeClr val="accent1">
-                        <a:tint val="40000"/>
-                      </a:schemeClr>
-                    </a:solidFill>
-                  </a:tcPr>
-                </a:tc>
-                <a:extLst>
-                  <a:ext uri="{0D108BD9-81ED-4DB2-BD59-A6C34878D82A}">
-                    <a16:rowId xmlns:a16="http://schemas.microsoft.com/office/drawing/2014/main" val="1216697578"/>
-                  </a:ext>
-                </a:extLst>
-              </a:tr>
-              <a:tr h="370840">
-                <a:tc>
-                  <a:txBody>
-                    <a:bodyPr/>
-                    <a:lstStyle/>
-                    <a:p>
-                      <a:pPr algn="ctr" latinLnBrk="1"/>
-                      <a:r>
-                        <a:rPr lang="ko-KR" altLang="en-US" dirty="0" smtClean="0">
-                          <a:solidFill>
-                            <a:srgbClr val="192537"/>
-                          </a:solidFill>
-                          <a:latin typeface="배달의민족 주아" panose="02020603020101020101" pitchFamily="18" charset="-127"/>
-                          <a:ea typeface="배달의민족 주아" panose="02020603020101020101" pitchFamily="18" charset="-127"/>
-                        </a:rPr>
-                        <a:t>조준형</a:t>
-                      </a:r>
-                      <a:endParaRPr lang="ko-KR" altLang="en-US" dirty="0">
-                        <a:solidFill>
-                          <a:srgbClr val="192537"/>
-                        </a:solidFill>
-                        <a:latin typeface="배달의민족 주아" panose="02020603020101020101" pitchFamily="18" charset="-127"/>
-                        <a:ea typeface="배달의민족 주아" panose="02020603020101020101" pitchFamily="18" charset="-127"/>
-                      </a:endParaRPr>
-                    </a:p>
-                  </a:txBody>
-                  <a:tcPr>
-                    <a:solidFill>
-                      <a:schemeClr val="accent1">
-                        <a:tint val="40000"/>
-                      </a:schemeClr>
-                    </a:solidFill>
-                  </a:tcPr>
-                </a:tc>
-                <a:tc>
-                  <a:txBody>
-                    <a:bodyPr/>
-                    <a:lstStyle/>
-                    <a:p>
-                      <a:pPr algn="ctr" latinLnBrk="1"/>
-                      <a:r>
-                        <a:rPr lang="en-US" altLang="ko-KR" dirty="0" smtClean="0">
-                          <a:latin typeface="배달의민족 주아" panose="02020603020101020101" pitchFamily="18" charset="-127"/>
-                          <a:ea typeface="배달의민족 주아" panose="02020603020101020101" pitchFamily="18" charset="-127"/>
-                        </a:rPr>
-                        <a:t>26</a:t>
-                      </a:r>
-                      <a:endParaRPr lang="ko-KR" altLang="en-US" dirty="0">
-                        <a:latin typeface="배달의민족 주아" panose="02020603020101020101" pitchFamily="18" charset="-127"/>
-                        <a:ea typeface="배달의민족 주아" panose="02020603020101020101" pitchFamily="18" charset="-127"/>
-                      </a:endParaRPr>
-                    </a:p>
-                  </a:txBody>
-                  <a:tcPr>
-                    <a:solidFill>
-                      <a:schemeClr val="accent1">
-                        <a:tint val="40000"/>
-                      </a:schemeClr>
-                    </a:solidFill>
-                  </a:tcPr>
-                </a:tc>
-                <a:tc>
-                  <a:txBody>
-                    <a:bodyPr/>
-                    <a:lstStyle/>
-                    <a:p>
-                      <a:pPr algn="ctr" latinLnBrk="1"/>
-                      <a:r>
-                        <a:rPr lang="en-US" altLang="ko-KR" dirty="0" smtClean="0">
-                          <a:latin typeface="배달의민족 주아" panose="02020603020101020101" pitchFamily="18" charset="-127"/>
-                          <a:ea typeface="배달의민족 주아" panose="02020603020101020101" pitchFamily="18" charset="-127"/>
-                        </a:rPr>
-                        <a:t>Platinum</a:t>
-                      </a:r>
-                      <a:endParaRPr lang="ko-KR" altLang="en-US" dirty="0">
-                        <a:latin typeface="배달의민족 주아" panose="02020603020101020101" pitchFamily="18" charset="-127"/>
-                        <a:ea typeface="배달의민족 주아" panose="02020603020101020101" pitchFamily="18" charset="-127"/>
-                      </a:endParaRPr>
-                    </a:p>
-                  </a:txBody>
-                  <a:tcPr>
-                    <a:solidFill>
-                      <a:schemeClr val="accent1">
-                        <a:tint val="40000"/>
-                      </a:schemeClr>
-                    </a:solidFill>
-                  </a:tcPr>
-                </a:tc>
-                <a:tc>
-                  <a:txBody>
-                    <a:bodyPr/>
-                    <a:lstStyle/>
-                    <a:p>
-                      <a:pPr algn="ctr" latinLnBrk="1"/>
-                      <a:r>
-                        <a:rPr lang="ko-KR" altLang="en-US" dirty="0" smtClean="0">
-                          <a:latin typeface="배달의민족 주아" panose="02020603020101020101" pitchFamily="18" charset="-127"/>
-                          <a:ea typeface="배달의민족 주아" panose="02020603020101020101" pitchFamily="18" charset="-127"/>
-                        </a:rPr>
-                        <a:t>후드티</a:t>
-                      </a:r>
-                      <a:endParaRPr lang="ko-KR" altLang="en-US" dirty="0">
-                        <a:latin typeface="배달의민족 주아" panose="02020603020101020101" pitchFamily="18" charset="-127"/>
-                        <a:ea typeface="배달의민족 주아" panose="02020603020101020101" pitchFamily="18" charset="-127"/>
-                      </a:endParaRPr>
-                    </a:p>
-                  </a:txBody>
-                  <a:tcPr>
-                    <a:solidFill>
-                      <a:schemeClr val="accent1">
-                        <a:tint val="40000"/>
-                      </a:schemeClr>
-                    </a:solidFill>
-                  </a:tcPr>
-                </a:tc>
-                <a:tc>
-                  <a:txBody>
-                    <a:bodyPr/>
-                    <a:lstStyle/>
-                    <a:p>
-                      <a:pPr algn="ctr" latinLnBrk="1"/>
-                      <a:r>
-                        <a:rPr lang="ko-KR" altLang="en-US" dirty="0" smtClean="0">
-                          <a:latin typeface="배달의민족 주아" panose="02020603020101020101" pitchFamily="18" charset="-127"/>
-                          <a:ea typeface="배달의민족 주아" panose="02020603020101020101" pitchFamily="18" charset="-127"/>
-                        </a:rPr>
-                        <a:t>다</a:t>
-                      </a:r>
-                      <a:r>
-                        <a:rPr lang="en-US" altLang="ko-KR" dirty="0" smtClean="0">
-                          <a:latin typeface="배달의민족 주아" panose="02020603020101020101" pitchFamily="18" charset="-127"/>
-                          <a:ea typeface="배달의민족 주아" panose="02020603020101020101" pitchFamily="18" charset="-127"/>
-                        </a:rPr>
-                        <a:t>…</a:t>
-                      </a:r>
-                      <a:endParaRPr lang="ko-KR" altLang="en-US" dirty="0">
-                        <a:latin typeface="배달의민족 주아" panose="02020603020101020101" pitchFamily="18" charset="-127"/>
-                        <a:ea typeface="배달의민족 주아" panose="02020603020101020101" pitchFamily="18" charset="-127"/>
-                      </a:endParaRPr>
-                    </a:p>
-                  </a:txBody>
-                  <a:tcPr>
-                    <a:solidFill>
-                      <a:schemeClr val="accent1">
-                        <a:tint val="40000"/>
-                      </a:schemeClr>
-                    </a:solidFill>
-                  </a:tcPr>
-                </a:tc>
-                <a:tc>
-                  <a:txBody>
-                    <a:bodyPr/>
-                    <a:lstStyle/>
-                    <a:p>
-                      <a:pPr marL="0" marR="0" lvl="0" indent="0" algn="ctr" defTabSz="914400" rtl="0" eaLnBrk="1" fontAlgn="auto" latinLnBrk="1" hangingPunct="1">
-                        <a:lnSpc>
-                          <a:spcPct val="100000"/>
-                        </a:lnSpc>
-                        <a:spcBef>
-                          <a:spcPts val="0"/>
-                        </a:spcBef>
-                        <a:spcAft>
-                          <a:spcPts val="0"/>
-                        </a:spcAft>
-                        <a:buClrTx/>
-                        <a:buSzTx/>
-                        <a:buFontTx/>
-                        <a:buNone/>
-                        <a:tabLst/>
-                        <a:defRPr/>
-                      </a:pPr>
-                      <a:r>
-                        <a:rPr lang="ko-KR" altLang="en-US" dirty="0" smtClean="0">
-                          <a:latin typeface="배달의민족 주아" panose="02020603020101020101" pitchFamily="18" charset="-127"/>
-                          <a:ea typeface="배달의민족 주아" panose="02020603020101020101" pitchFamily="18" charset="-127"/>
-                        </a:rPr>
-                        <a:t>조준형</a:t>
-                      </a:r>
-                      <a:r>
-                        <a:rPr lang="en-US" altLang="ko-KR" dirty="0" smtClean="0">
-                          <a:latin typeface="배달의민족 주아" panose="02020603020101020101" pitchFamily="18" charset="-127"/>
-                          <a:ea typeface="배달의민족 주아" panose="02020603020101020101" pitchFamily="18" charset="-127"/>
-                        </a:rPr>
-                        <a:t>.png</a:t>
-                      </a:r>
-                    </a:p>
-                  </a:txBody>
-                  <a:tcPr>
-                    <a:solidFill>
-                      <a:schemeClr val="accent1">
-                        <a:tint val="40000"/>
-                      </a:schemeClr>
-                    </a:solidFill>
-                  </a:tcPr>
-                </a:tc>
-                <a:tc>
-                  <a:txBody>
-                    <a:bodyPr/>
-                    <a:lstStyle/>
-                    <a:p>
-                      <a:pPr algn="ctr" latinLnBrk="1"/>
-                      <a:endParaRPr lang="ko-KR" altLang="en-US"/>
-                    </a:p>
-                  </a:txBody>
-                  <a:tcPr>
-                    <a:solidFill>
-                      <a:schemeClr val="accent1">
-                        <a:tint val="40000"/>
-                      </a:schemeClr>
-                    </a:solidFill>
-                  </a:tcPr>
-                </a:tc>
-                <a:extLst>
-                  <a:ext uri="{0D108BD9-81ED-4DB2-BD59-A6C34878D82A}">
-                    <a16:rowId xmlns:a16="http://schemas.microsoft.com/office/drawing/2014/main" val="3295392557"/>
-                  </a:ext>
-                </a:extLst>
-              </a:tr>
-              <a:tr h="370840">
-                <a:tc>
-                  <a:txBody>
-                    <a:bodyPr/>
-                    <a:lstStyle/>
-                    <a:p>
-                      <a:pPr algn="ctr" latinLnBrk="1"/>
-                      <a:r>
-                        <a:rPr lang="ko-KR" altLang="en-US" dirty="0" smtClean="0">
-                          <a:solidFill>
-                            <a:srgbClr val="192537"/>
-                          </a:solidFill>
-                          <a:latin typeface="배달의민족 주아" panose="02020603020101020101" pitchFamily="18" charset="-127"/>
-                          <a:ea typeface="배달의민족 주아" panose="02020603020101020101" pitchFamily="18" charset="-127"/>
-                        </a:rPr>
-                        <a:t>김두상</a:t>
-                      </a:r>
-                      <a:endParaRPr lang="ko-KR" altLang="en-US" dirty="0">
-                        <a:solidFill>
-                          <a:srgbClr val="192537"/>
-                        </a:solidFill>
-                        <a:latin typeface="배달의민족 주아" panose="02020603020101020101" pitchFamily="18" charset="-127"/>
-                        <a:ea typeface="배달의민족 주아" panose="02020603020101020101" pitchFamily="18" charset="-127"/>
-                      </a:endParaRPr>
-                    </a:p>
-                  </a:txBody>
-                  <a:tcPr>
-                    <a:solidFill>
-                      <a:schemeClr val="accent1">
-                        <a:tint val="40000"/>
-                      </a:schemeClr>
-                    </a:solidFill>
-                  </a:tcPr>
-                </a:tc>
-                <a:tc>
-                  <a:txBody>
-                    <a:bodyPr/>
-                    <a:lstStyle/>
-                    <a:p>
-                      <a:pPr algn="ctr" latinLnBrk="1"/>
-                      <a:r>
-                        <a:rPr lang="en-US" altLang="ko-KR" dirty="0" smtClean="0">
-                          <a:latin typeface="배달의민족 주아" panose="02020603020101020101" pitchFamily="18" charset="-127"/>
-                          <a:ea typeface="배달의민족 주아" panose="02020603020101020101" pitchFamily="18" charset="-127"/>
-                        </a:rPr>
-                        <a:t>27</a:t>
-                      </a:r>
-                      <a:endParaRPr lang="ko-KR" altLang="en-US" dirty="0">
-                        <a:latin typeface="배달의민족 주아" panose="02020603020101020101" pitchFamily="18" charset="-127"/>
-                        <a:ea typeface="배달의민족 주아" panose="02020603020101020101" pitchFamily="18" charset="-127"/>
-                      </a:endParaRPr>
-                    </a:p>
-                  </a:txBody>
-                  <a:tcPr>
-                    <a:solidFill>
-                      <a:schemeClr val="accent1">
-                        <a:tint val="40000"/>
-                      </a:schemeClr>
-                    </a:solidFill>
-                  </a:tcPr>
-                </a:tc>
-                <a:tc>
-                  <a:txBody>
-                    <a:bodyPr/>
-                    <a:lstStyle/>
-                    <a:p>
-                      <a:pPr algn="ctr" latinLnBrk="1"/>
-                      <a:r>
-                        <a:rPr lang="en-US" altLang="ko-KR" dirty="0" smtClean="0">
-                          <a:latin typeface="배달의민족 주아" panose="02020603020101020101" pitchFamily="18" charset="-127"/>
-                          <a:ea typeface="배달의민족 주아" panose="02020603020101020101" pitchFamily="18" charset="-127"/>
-                        </a:rPr>
-                        <a:t>Platinum</a:t>
-                      </a:r>
-                      <a:endParaRPr lang="ko-KR" altLang="en-US" dirty="0">
-                        <a:latin typeface="배달의민족 주아" panose="02020603020101020101" pitchFamily="18" charset="-127"/>
-                        <a:ea typeface="배달의민족 주아" panose="02020603020101020101" pitchFamily="18" charset="-127"/>
-                      </a:endParaRPr>
-                    </a:p>
-                  </a:txBody>
-                  <a:tcPr>
-                    <a:solidFill>
-                      <a:schemeClr val="accent1">
-                        <a:tint val="40000"/>
-                      </a:schemeClr>
-                    </a:solidFill>
-                  </a:tcPr>
-                </a:tc>
-                <a:tc>
-                  <a:txBody>
-                    <a:bodyPr/>
-                    <a:lstStyle/>
-                    <a:p>
-                      <a:pPr algn="ctr" latinLnBrk="1"/>
-                      <a:r>
-                        <a:rPr lang="ko-KR" altLang="en-US" dirty="0" smtClean="0">
-                          <a:latin typeface="배달의민족 주아" panose="02020603020101020101" pitchFamily="18" charset="-127"/>
-                          <a:ea typeface="배달의민족 주아" panose="02020603020101020101" pitchFamily="18" charset="-127"/>
-                        </a:rPr>
-                        <a:t>양말</a:t>
-                      </a:r>
-                      <a:endParaRPr lang="ko-KR" altLang="en-US" dirty="0">
-                        <a:latin typeface="배달의민족 주아" panose="02020603020101020101" pitchFamily="18" charset="-127"/>
-                        <a:ea typeface="배달의민족 주아" panose="02020603020101020101" pitchFamily="18" charset="-127"/>
-                      </a:endParaRPr>
-                    </a:p>
-                  </a:txBody>
-                  <a:tcPr>
-                    <a:solidFill>
-                      <a:schemeClr val="accent1">
-                        <a:tint val="40000"/>
-                      </a:schemeClr>
-                    </a:solidFill>
-                  </a:tcPr>
-                </a:tc>
-                <a:tc>
-                  <a:txBody>
-                    <a:bodyPr/>
-                    <a:lstStyle/>
-                    <a:p>
-                      <a:pPr algn="ctr" latinLnBrk="1"/>
-                      <a:r>
-                        <a:rPr lang="ko-KR" altLang="en-US" dirty="0" smtClean="0">
-                          <a:latin typeface="배달의민족 주아" panose="02020603020101020101" pitchFamily="18" charset="-127"/>
-                          <a:ea typeface="배달의민족 주아" panose="02020603020101020101" pitchFamily="18" charset="-127"/>
-                        </a:rPr>
-                        <a:t>라</a:t>
-                      </a:r>
-                      <a:r>
-                        <a:rPr lang="en-US" altLang="ko-KR" dirty="0" smtClean="0">
-                          <a:latin typeface="배달의민족 주아" panose="02020603020101020101" pitchFamily="18" charset="-127"/>
-                          <a:ea typeface="배달의민족 주아" panose="02020603020101020101" pitchFamily="18" charset="-127"/>
-                        </a:rPr>
-                        <a:t>...</a:t>
-                      </a:r>
-                      <a:endParaRPr lang="ko-KR" altLang="en-US" dirty="0">
-                        <a:latin typeface="배달의민족 주아" panose="02020603020101020101" pitchFamily="18" charset="-127"/>
-                        <a:ea typeface="배달의민족 주아" panose="02020603020101020101" pitchFamily="18" charset="-127"/>
-                      </a:endParaRPr>
-                    </a:p>
-                  </a:txBody>
-                  <a:tcPr>
-                    <a:solidFill>
-                      <a:schemeClr val="accent1">
-                        <a:tint val="40000"/>
-                      </a:schemeClr>
-                    </a:solidFill>
-                  </a:tcPr>
-                </a:tc>
-                <a:tc>
-                  <a:txBody>
-                    <a:bodyPr/>
-                    <a:lstStyle/>
-                    <a:p>
-                      <a:pPr marL="0" marR="0" lvl="0" indent="0" algn="ctr" defTabSz="914400" rtl="0" eaLnBrk="1" fontAlgn="auto" latinLnBrk="1" hangingPunct="1">
-                        <a:lnSpc>
-                          <a:spcPct val="100000"/>
-                        </a:lnSpc>
-                        <a:spcBef>
-                          <a:spcPts val="0"/>
-                        </a:spcBef>
-                        <a:spcAft>
-                          <a:spcPts val="0"/>
-                        </a:spcAft>
-                        <a:buClrTx/>
-                        <a:buSzTx/>
-                        <a:buFontTx/>
-                        <a:buNone/>
-                        <a:tabLst/>
-                        <a:defRPr/>
-                      </a:pPr>
-                      <a:r>
-                        <a:rPr lang="ko-KR" altLang="en-US" dirty="0" smtClean="0">
-                          <a:latin typeface="배달의민족 주아" panose="02020603020101020101" pitchFamily="18" charset="-127"/>
-                          <a:ea typeface="배달의민족 주아" panose="02020603020101020101" pitchFamily="18" charset="-127"/>
-                        </a:rPr>
-                        <a:t>김두상</a:t>
-                      </a:r>
-                      <a:r>
-                        <a:rPr lang="en-US" altLang="ko-KR" dirty="0" smtClean="0">
-                          <a:latin typeface="배달의민족 주아" panose="02020603020101020101" pitchFamily="18" charset="-127"/>
-                          <a:ea typeface="배달의민족 주아" panose="02020603020101020101" pitchFamily="18" charset="-127"/>
-                        </a:rPr>
-                        <a:t>.png</a:t>
-                      </a:r>
-                      <a:endParaRPr lang="ko-KR" altLang="en-US" dirty="0" smtClean="0">
-                        <a:latin typeface="배달의민족 주아" panose="02020603020101020101" pitchFamily="18" charset="-127"/>
-                        <a:ea typeface="배달의민족 주아" panose="02020603020101020101" pitchFamily="18" charset="-127"/>
-                      </a:endParaRPr>
-                    </a:p>
-                  </a:txBody>
-                  <a:tcPr>
-                    <a:solidFill>
-                      <a:schemeClr val="accent1">
-                        <a:tint val="40000"/>
-                      </a:schemeClr>
-                    </a:solidFill>
-                  </a:tcPr>
-                </a:tc>
-                <a:tc>
-                  <a:txBody>
-                    <a:bodyPr/>
-                    <a:lstStyle/>
-                    <a:p>
-                      <a:pPr algn="ctr" latinLnBrk="1"/>
-                      <a:endParaRPr lang="ko-KR" altLang="en-US"/>
-                    </a:p>
-                  </a:txBody>
-                  <a:tcPr>
-                    <a:solidFill>
-                      <a:schemeClr val="accent1">
-                        <a:tint val="40000"/>
-                      </a:schemeClr>
-                    </a:solidFill>
-                  </a:tcPr>
-                </a:tc>
-                <a:extLst>
-                  <a:ext uri="{0D108BD9-81ED-4DB2-BD59-A6C34878D82A}">
-                    <a16:rowId xmlns:a16="http://schemas.microsoft.com/office/drawing/2014/main" val="846028993"/>
-                  </a:ext>
-                </a:extLst>
-              </a:tr>
-              <a:tr h="370840">
-                <a:tc>
-                  <a:txBody>
-                    <a:bodyPr/>
-                    <a:lstStyle/>
-                    <a:p>
-                      <a:pPr algn="ctr" latinLnBrk="1"/>
-                      <a:r>
-                        <a:rPr lang="ko-KR" altLang="en-US" dirty="0" smtClean="0">
-                          <a:solidFill>
-                            <a:srgbClr val="192537"/>
-                          </a:solidFill>
-                          <a:latin typeface="배달의민족 주아" panose="02020603020101020101" pitchFamily="18" charset="-127"/>
-                          <a:ea typeface="배달의민족 주아" panose="02020603020101020101" pitchFamily="18" charset="-127"/>
-                        </a:rPr>
-                        <a:t>천민주</a:t>
-                      </a:r>
-                      <a:endParaRPr lang="ko-KR" altLang="en-US" dirty="0">
-                        <a:solidFill>
-                          <a:srgbClr val="192537"/>
-                        </a:solidFill>
-                        <a:latin typeface="배달의민족 주아" panose="02020603020101020101" pitchFamily="18" charset="-127"/>
-                        <a:ea typeface="배달의민족 주아" panose="02020603020101020101" pitchFamily="18" charset="-127"/>
-                      </a:endParaRPr>
-                    </a:p>
-                  </a:txBody>
-                  <a:tcPr>
-                    <a:solidFill>
-                      <a:schemeClr val="accent1">
-                        <a:tint val="40000"/>
-                      </a:schemeClr>
-                    </a:solidFill>
-                  </a:tcPr>
-                </a:tc>
-                <a:tc>
-                  <a:txBody>
-                    <a:bodyPr/>
-                    <a:lstStyle/>
-                    <a:p>
-                      <a:pPr algn="ctr" latinLnBrk="1"/>
-                      <a:r>
-                        <a:rPr lang="en-US" altLang="ko-KR" dirty="0" smtClean="0">
-                          <a:latin typeface="배달의민족 주아" panose="02020603020101020101" pitchFamily="18" charset="-127"/>
-                          <a:ea typeface="배달의민족 주아" panose="02020603020101020101" pitchFamily="18" charset="-127"/>
-                        </a:rPr>
-                        <a:t>26</a:t>
-                      </a:r>
-                      <a:endParaRPr lang="ko-KR" altLang="en-US" dirty="0">
-                        <a:latin typeface="배달의민족 주아" panose="02020603020101020101" pitchFamily="18" charset="-127"/>
-                        <a:ea typeface="배달의민족 주아" panose="02020603020101020101" pitchFamily="18" charset="-127"/>
-                      </a:endParaRPr>
-                    </a:p>
-                  </a:txBody>
-                  <a:tcPr>
-                    <a:solidFill>
-                      <a:schemeClr val="accent1">
-                        <a:tint val="40000"/>
-                      </a:schemeClr>
-                    </a:solidFill>
-                  </a:tcPr>
-                </a:tc>
-                <a:tc>
-                  <a:txBody>
-                    <a:bodyPr/>
-                    <a:lstStyle/>
-                    <a:p>
-                      <a:pPr algn="ctr" latinLnBrk="1"/>
-                      <a:r>
-                        <a:rPr lang="en-US" altLang="ko-KR" dirty="0" smtClean="0">
-                          <a:latin typeface="배달의민족 주아" panose="02020603020101020101" pitchFamily="18" charset="-127"/>
-                          <a:ea typeface="배달의민족 주아" panose="02020603020101020101" pitchFamily="18" charset="-127"/>
-                        </a:rPr>
-                        <a:t>Gold</a:t>
-                      </a:r>
-                      <a:endParaRPr lang="ko-KR" altLang="en-US" dirty="0">
-                        <a:latin typeface="배달의민족 주아" panose="02020603020101020101" pitchFamily="18" charset="-127"/>
-                        <a:ea typeface="배달의민족 주아" panose="02020603020101020101" pitchFamily="18" charset="-127"/>
-                      </a:endParaRPr>
-                    </a:p>
-                  </a:txBody>
-                  <a:tcPr>
-                    <a:solidFill>
-                      <a:schemeClr val="accent1">
-                        <a:tint val="40000"/>
-                      </a:schemeClr>
-                    </a:solidFill>
-                  </a:tcPr>
-                </a:tc>
-                <a:tc>
-                  <a:txBody>
-                    <a:bodyPr/>
-                    <a:lstStyle/>
-                    <a:p>
-                      <a:pPr algn="ctr" latinLnBrk="1"/>
-                      <a:r>
-                        <a:rPr lang="ko-KR" altLang="en-US" dirty="0" smtClean="0">
-                          <a:latin typeface="배달의민족 주아" panose="02020603020101020101" pitchFamily="18" charset="-127"/>
-                          <a:ea typeface="배달의민족 주아" panose="02020603020101020101" pitchFamily="18" charset="-127"/>
-                        </a:rPr>
-                        <a:t>안경테</a:t>
-                      </a:r>
-                      <a:endParaRPr lang="ko-KR" altLang="en-US" dirty="0">
-                        <a:latin typeface="배달의민족 주아" panose="02020603020101020101" pitchFamily="18" charset="-127"/>
-                        <a:ea typeface="배달의민족 주아" panose="02020603020101020101" pitchFamily="18" charset="-127"/>
-                      </a:endParaRPr>
-                    </a:p>
-                  </a:txBody>
-                  <a:tcPr>
-                    <a:solidFill>
-                      <a:schemeClr val="accent1">
-                        <a:tint val="40000"/>
-                      </a:schemeClr>
-                    </a:solidFill>
-                  </a:tcPr>
-                </a:tc>
-                <a:tc>
-                  <a:txBody>
-                    <a:bodyPr/>
-                    <a:lstStyle/>
-                    <a:p>
-                      <a:pPr algn="ctr" latinLnBrk="1"/>
-                      <a:r>
-                        <a:rPr lang="ko-KR" altLang="en-US" dirty="0" smtClean="0">
-                          <a:latin typeface="배달의민족 주아" panose="02020603020101020101" pitchFamily="18" charset="-127"/>
-                          <a:ea typeface="배달의민족 주아" panose="02020603020101020101" pitchFamily="18" charset="-127"/>
-                        </a:rPr>
-                        <a:t>마</a:t>
-                      </a:r>
-                      <a:r>
-                        <a:rPr lang="en-US" altLang="ko-KR" dirty="0" smtClean="0">
-                          <a:latin typeface="배달의민족 주아" panose="02020603020101020101" pitchFamily="18" charset="-127"/>
-                          <a:ea typeface="배달의민족 주아" panose="02020603020101020101" pitchFamily="18" charset="-127"/>
-                        </a:rPr>
-                        <a:t>…</a:t>
-                      </a:r>
-                      <a:endParaRPr lang="ko-KR" altLang="en-US" dirty="0">
-                        <a:latin typeface="배달의민족 주아" panose="02020603020101020101" pitchFamily="18" charset="-127"/>
-                        <a:ea typeface="배달의민족 주아" panose="02020603020101020101" pitchFamily="18" charset="-127"/>
-                      </a:endParaRPr>
-                    </a:p>
-                  </a:txBody>
-                  <a:tcPr>
-                    <a:solidFill>
-                      <a:schemeClr val="accent1">
-                        <a:tint val="40000"/>
-                      </a:schemeClr>
-                    </a:solidFill>
-                  </a:tcPr>
-                </a:tc>
-                <a:tc>
-                  <a:txBody>
-                    <a:bodyPr/>
-                    <a:lstStyle/>
-                    <a:p>
-                      <a:pPr marL="0" marR="0" lvl="0" indent="0" algn="ctr" defTabSz="914400" rtl="0" eaLnBrk="1" fontAlgn="auto" latinLnBrk="1" hangingPunct="1">
-                        <a:lnSpc>
-                          <a:spcPct val="100000"/>
-                        </a:lnSpc>
-                        <a:spcBef>
-                          <a:spcPts val="0"/>
-                        </a:spcBef>
-                        <a:spcAft>
-                          <a:spcPts val="0"/>
-                        </a:spcAft>
-                        <a:buClrTx/>
-                        <a:buSzTx/>
-                        <a:buFontTx/>
-                        <a:buNone/>
-                        <a:tabLst/>
-                        <a:defRPr/>
-                      </a:pPr>
-                      <a:r>
-                        <a:rPr lang="ko-KR" altLang="en-US" dirty="0" smtClean="0">
-                          <a:latin typeface="배달의민족 주아" panose="02020603020101020101" pitchFamily="18" charset="-127"/>
-                          <a:ea typeface="배달의민족 주아" panose="02020603020101020101" pitchFamily="18" charset="-127"/>
-                        </a:rPr>
-                        <a:t>천민주</a:t>
-                      </a:r>
-                      <a:r>
-                        <a:rPr lang="en-US" altLang="ko-KR" dirty="0" smtClean="0">
-                          <a:latin typeface="배달의민족 주아" panose="02020603020101020101" pitchFamily="18" charset="-127"/>
-                          <a:ea typeface="배달의민족 주아" panose="02020603020101020101" pitchFamily="18" charset="-127"/>
-                        </a:rPr>
-                        <a:t>.png</a:t>
-                      </a:r>
-                      <a:endParaRPr lang="ko-KR" altLang="en-US" dirty="0" smtClean="0">
-                        <a:latin typeface="배달의민족 주아" panose="02020603020101020101" pitchFamily="18" charset="-127"/>
-                        <a:ea typeface="배달의민족 주아" panose="02020603020101020101" pitchFamily="18" charset="-127"/>
-                      </a:endParaRPr>
-                    </a:p>
-                  </a:txBody>
-                  <a:tcPr>
-                    <a:solidFill>
-                      <a:schemeClr val="accent1">
-                        <a:tint val="40000"/>
-                      </a:schemeClr>
-                    </a:solidFill>
-                  </a:tcPr>
-                </a:tc>
-                <a:tc>
-                  <a:txBody>
-                    <a:bodyPr/>
-                    <a:lstStyle/>
-                    <a:p>
-                      <a:pPr algn="ctr" latinLnBrk="1"/>
-                      <a:endParaRPr lang="ko-KR" altLang="en-US"/>
-                    </a:p>
-                  </a:txBody>
-                  <a:tcPr>
-                    <a:solidFill>
-                      <a:schemeClr val="accent1">
-                        <a:tint val="40000"/>
-                      </a:schemeClr>
-                    </a:solidFill>
-                  </a:tcPr>
-                </a:tc>
-                <a:extLst>
-                  <a:ext uri="{0D108BD9-81ED-4DB2-BD59-A6C34878D82A}">
-                    <a16:rowId xmlns:a16="http://schemas.microsoft.com/office/drawing/2014/main" val="297720285"/>
-                  </a:ext>
-                </a:extLst>
-              </a:tr>
-              <a:tr h="370840">
-                <a:tc>
-                  <a:txBody>
-                    <a:bodyPr/>
-                    <a:lstStyle/>
-                    <a:p>
-                      <a:pPr algn="ctr" latinLnBrk="1"/>
-                      <a:r>
-                        <a:rPr lang="ko-KR" altLang="en-US" dirty="0" smtClean="0">
-                          <a:solidFill>
-                            <a:srgbClr val="192537"/>
-                          </a:solidFill>
-                          <a:latin typeface="배달의민족 주아" panose="02020603020101020101" pitchFamily="18" charset="-127"/>
-                          <a:ea typeface="배달의민족 주아" panose="02020603020101020101" pitchFamily="18" charset="-127"/>
-                        </a:rPr>
-                        <a:t>아이유</a:t>
-                      </a:r>
-                      <a:endParaRPr lang="ko-KR" altLang="en-US" dirty="0">
-                        <a:solidFill>
-                          <a:srgbClr val="192537"/>
-                        </a:solidFill>
-                        <a:latin typeface="배달의민족 주아" panose="02020603020101020101" pitchFamily="18" charset="-127"/>
-                        <a:ea typeface="배달의민족 주아" panose="02020603020101020101" pitchFamily="18" charset="-127"/>
-                      </a:endParaRPr>
-                    </a:p>
-                  </a:txBody>
-                  <a:tcPr>
-                    <a:solidFill>
-                      <a:schemeClr val="accent1">
-                        <a:tint val="40000"/>
-                      </a:schemeClr>
-                    </a:solidFill>
-                  </a:tcPr>
-                </a:tc>
-                <a:tc>
-                  <a:txBody>
-                    <a:bodyPr/>
-                    <a:lstStyle/>
-                    <a:p>
-                      <a:pPr algn="ctr" latinLnBrk="1"/>
-                      <a:r>
-                        <a:rPr lang="en-US" altLang="ko-KR" dirty="0" smtClean="0">
-                          <a:latin typeface="배달의민족 주아" panose="02020603020101020101" pitchFamily="18" charset="-127"/>
-                          <a:ea typeface="배달의민족 주아" panose="02020603020101020101" pitchFamily="18" charset="-127"/>
-                        </a:rPr>
-                        <a:t>29</a:t>
-                      </a:r>
-                      <a:endParaRPr lang="ko-KR" altLang="en-US" dirty="0">
-                        <a:latin typeface="배달의민족 주아" panose="02020603020101020101" pitchFamily="18" charset="-127"/>
-                        <a:ea typeface="배달의민족 주아" panose="02020603020101020101" pitchFamily="18" charset="-127"/>
-                      </a:endParaRPr>
-                    </a:p>
-                  </a:txBody>
-                  <a:tcPr>
-                    <a:solidFill>
-                      <a:schemeClr val="accent1">
-                        <a:tint val="40000"/>
-                      </a:schemeClr>
-                    </a:solidFill>
-                  </a:tcPr>
-                </a:tc>
-                <a:tc>
-                  <a:txBody>
-                    <a:bodyPr/>
-                    <a:lstStyle/>
-                    <a:p>
-                      <a:pPr algn="ctr" latinLnBrk="1"/>
-                      <a:r>
-                        <a:rPr lang="en-US" altLang="ko-KR" dirty="0" smtClean="0">
-                          <a:latin typeface="배달의민족 주아" panose="02020603020101020101" pitchFamily="18" charset="-127"/>
-                          <a:ea typeface="배달의민족 주아" panose="02020603020101020101" pitchFamily="18" charset="-127"/>
-                        </a:rPr>
-                        <a:t>Silver</a:t>
-                      </a:r>
-                      <a:endParaRPr lang="ko-KR" altLang="en-US" dirty="0">
-                        <a:latin typeface="배달의민족 주아" panose="02020603020101020101" pitchFamily="18" charset="-127"/>
-                        <a:ea typeface="배달의민족 주아" panose="02020603020101020101" pitchFamily="18" charset="-127"/>
-                      </a:endParaRPr>
-                    </a:p>
-                  </a:txBody>
-                  <a:tcPr>
-                    <a:solidFill>
-                      <a:schemeClr val="accent1">
-                        <a:tint val="40000"/>
-                      </a:schemeClr>
-                    </a:solidFill>
-                  </a:tcPr>
-                </a:tc>
-                <a:tc>
-                  <a:txBody>
-                    <a:bodyPr/>
-                    <a:lstStyle/>
-                    <a:p>
-                      <a:pPr algn="ctr" latinLnBrk="1"/>
-                      <a:r>
-                        <a:rPr lang="ko-KR" altLang="en-US" dirty="0" smtClean="0">
-                          <a:latin typeface="배달의민족 주아" panose="02020603020101020101" pitchFamily="18" charset="-127"/>
-                          <a:ea typeface="배달의민족 주아" panose="02020603020101020101" pitchFamily="18" charset="-127"/>
-                        </a:rPr>
-                        <a:t>마이크</a:t>
-                      </a:r>
-                      <a:endParaRPr lang="ko-KR" altLang="en-US" dirty="0">
-                        <a:latin typeface="배달의민족 주아" panose="02020603020101020101" pitchFamily="18" charset="-127"/>
-                        <a:ea typeface="배달의민족 주아" panose="02020603020101020101" pitchFamily="18" charset="-127"/>
-                      </a:endParaRPr>
-                    </a:p>
-                  </a:txBody>
-                  <a:tcPr>
-                    <a:solidFill>
-                      <a:schemeClr val="accent1">
-                        <a:tint val="40000"/>
-                      </a:schemeClr>
-                    </a:solidFill>
-                  </a:tcPr>
-                </a:tc>
-                <a:tc>
-                  <a:txBody>
-                    <a:bodyPr/>
-                    <a:lstStyle/>
-                    <a:p>
-                      <a:pPr algn="ctr" latinLnBrk="1"/>
-                      <a:r>
-                        <a:rPr lang="ko-KR" altLang="en-US" dirty="0" smtClean="0">
-                          <a:latin typeface="배달의민족 주아" panose="02020603020101020101" pitchFamily="18" charset="-127"/>
-                          <a:ea typeface="배달의민족 주아" panose="02020603020101020101" pitchFamily="18" charset="-127"/>
-                        </a:rPr>
-                        <a:t>바</a:t>
-                      </a:r>
-                      <a:r>
-                        <a:rPr lang="en-US" altLang="ko-KR" dirty="0" smtClean="0">
-                          <a:latin typeface="배달의민족 주아" panose="02020603020101020101" pitchFamily="18" charset="-127"/>
-                          <a:ea typeface="배달의민족 주아" panose="02020603020101020101" pitchFamily="18" charset="-127"/>
-                        </a:rPr>
-                        <a:t>…</a:t>
-                      </a:r>
-                      <a:endParaRPr lang="ko-KR" altLang="en-US" dirty="0">
-                        <a:latin typeface="배달의민족 주아" panose="02020603020101020101" pitchFamily="18" charset="-127"/>
-                        <a:ea typeface="배달의민족 주아" panose="02020603020101020101" pitchFamily="18" charset="-127"/>
-                      </a:endParaRPr>
-                    </a:p>
-                  </a:txBody>
-                  <a:tcPr>
-                    <a:solidFill>
-                      <a:schemeClr val="accent1">
-                        <a:tint val="40000"/>
-                      </a:schemeClr>
-                    </a:solidFill>
-                  </a:tcPr>
-                </a:tc>
-                <a:tc>
-                  <a:txBody>
-                    <a:bodyPr/>
-                    <a:lstStyle/>
-                    <a:p>
-                      <a:pPr marL="0" marR="0" lvl="0" indent="0" algn="ctr" defTabSz="914400" rtl="0" eaLnBrk="1" fontAlgn="auto" latinLnBrk="1" hangingPunct="1">
-                        <a:lnSpc>
-                          <a:spcPct val="100000"/>
-                        </a:lnSpc>
-                        <a:spcBef>
-                          <a:spcPts val="0"/>
-                        </a:spcBef>
-                        <a:spcAft>
-                          <a:spcPts val="0"/>
-                        </a:spcAft>
-                        <a:buClrTx/>
-                        <a:buSzTx/>
-                        <a:buFontTx/>
-                        <a:buNone/>
-                        <a:tabLst/>
-                        <a:defRPr/>
-                      </a:pPr>
-                      <a:r>
-                        <a:rPr lang="ko-KR" altLang="en-US" dirty="0" smtClean="0">
-                          <a:latin typeface="배달의민족 주아" panose="02020603020101020101" pitchFamily="18" charset="-127"/>
-                          <a:ea typeface="배달의민족 주아" panose="02020603020101020101" pitchFamily="18" charset="-127"/>
-                        </a:rPr>
-                        <a:t>아이유</a:t>
-                      </a:r>
-                      <a:r>
-                        <a:rPr lang="en-US" altLang="ko-KR" dirty="0" smtClean="0">
-                          <a:latin typeface="배달의민족 주아" panose="02020603020101020101" pitchFamily="18" charset="-127"/>
-                          <a:ea typeface="배달의민족 주아" panose="02020603020101020101" pitchFamily="18" charset="-127"/>
-                        </a:rPr>
-                        <a:t>.png</a:t>
-                      </a:r>
-                      <a:endParaRPr lang="ko-KR" altLang="en-US" dirty="0" smtClean="0">
-                        <a:latin typeface="배달의민족 주아" panose="02020603020101020101" pitchFamily="18" charset="-127"/>
-                        <a:ea typeface="배달의민족 주아" panose="02020603020101020101" pitchFamily="18" charset="-127"/>
-                      </a:endParaRPr>
-                    </a:p>
-                  </a:txBody>
-                  <a:tcPr>
-                    <a:solidFill>
-                      <a:schemeClr val="accent1">
-                        <a:tint val="40000"/>
-                      </a:schemeClr>
-                    </a:solidFill>
-                  </a:tcPr>
-                </a:tc>
-                <a:tc>
-                  <a:txBody>
-                    <a:bodyPr/>
-                    <a:lstStyle/>
-                    <a:p>
-                      <a:pPr algn="ctr" latinLnBrk="1"/>
-                      <a:endParaRPr lang="ko-KR" altLang="en-US"/>
-                    </a:p>
-                  </a:txBody>
-                  <a:tcPr>
-                    <a:solidFill>
-                      <a:schemeClr val="accent1">
-                        <a:tint val="40000"/>
-                      </a:schemeClr>
-                    </a:solidFill>
-                  </a:tcPr>
-                </a:tc>
-                <a:extLst>
-                  <a:ext uri="{0D108BD9-81ED-4DB2-BD59-A6C34878D82A}">
-                    <a16:rowId xmlns:a16="http://schemas.microsoft.com/office/drawing/2014/main" val="1886971973"/>
-                  </a:ext>
-                </a:extLst>
-              </a:tr>
-              <a:tr h="370840">
-                <a:tc>
-                  <a:txBody>
-                    <a:bodyPr/>
-                    <a:lstStyle/>
-                    <a:p>
-                      <a:pPr algn="ctr" latinLnBrk="1"/>
-                      <a:r>
-                        <a:rPr lang="ko-KR" altLang="en-US" dirty="0" smtClean="0">
-                          <a:solidFill>
-                            <a:srgbClr val="192537"/>
-                          </a:solidFill>
-                          <a:latin typeface="배달의민족 주아" panose="02020603020101020101" pitchFamily="18" charset="-127"/>
-                          <a:ea typeface="배달의민족 주아" panose="02020603020101020101" pitchFamily="18" charset="-127"/>
-                        </a:rPr>
-                        <a:t>손흥민</a:t>
-                      </a:r>
-                      <a:endParaRPr lang="ko-KR" altLang="en-US" dirty="0">
-                        <a:solidFill>
-                          <a:srgbClr val="192537"/>
-                        </a:solidFill>
-                        <a:latin typeface="배달의민족 주아" panose="02020603020101020101" pitchFamily="18" charset="-127"/>
-                        <a:ea typeface="배달의민족 주아" panose="02020603020101020101" pitchFamily="18" charset="-127"/>
-                      </a:endParaRPr>
-                    </a:p>
-                  </a:txBody>
-                  <a:tcPr>
-                    <a:solidFill>
-                      <a:schemeClr val="accent1">
-                        <a:tint val="40000"/>
-                      </a:schemeClr>
-                    </a:solidFill>
-                  </a:tcPr>
-                </a:tc>
-                <a:tc>
-                  <a:txBody>
-                    <a:bodyPr/>
-                    <a:lstStyle/>
-                    <a:p>
-                      <a:pPr algn="ctr" latinLnBrk="1"/>
-                      <a:r>
-                        <a:rPr lang="en-US" altLang="ko-KR" dirty="0" smtClean="0">
-                          <a:latin typeface="배달의민족 주아" panose="02020603020101020101" pitchFamily="18" charset="-127"/>
-                          <a:ea typeface="배달의민족 주아" panose="02020603020101020101" pitchFamily="18" charset="-127"/>
-                        </a:rPr>
-                        <a:t>30</a:t>
-                      </a:r>
-                      <a:endParaRPr lang="ko-KR" altLang="en-US" dirty="0">
-                        <a:latin typeface="배달의민족 주아" panose="02020603020101020101" pitchFamily="18" charset="-127"/>
-                        <a:ea typeface="배달의민족 주아" panose="02020603020101020101" pitchFamily="18" charset="-127"/>
-                      </a:endParaRPr>
-                    </a:p>
-                  </a:txBody>
-                  <a:tcPr>
-                    <a:solidFill>
-                      <a:schemeClr val="accent1">
-                        <a:tint val="40000"/>
-                      </a:schemeClr>
-                    </a:solidFill>
-                  </a:tcPr>
-                </a:tc>
-                <a:tc>
-                  <a:txBody>
-                    <a:bodyPr/>
-                    <a:lstStyle/>
-                    <a:p>
-                      <a:pPr algn="ctr" latinLnBrk="1"/>
-                      <a:r>
-                        <a:rPr lang="en-US" altLang="ko-KR" dirty="0" smtClean="0">
-                          <a:latin typeface="배달의민족 주아" panose="02020603020101020101" pitchFamily="18" charset="-127"/>
-                          <a:ea typeface="배달의민족 주아" panose="02020603020101020101" pitchFamily="18" charset="-127"/>
-                        </a:rPr>
-                        <a:t>Iron</a:t>
-                      </a:r>
-                      <a:endParaRPr lang="ko-KR" altLang="en-US" dirty="0">
-                        <a:latin typeface="배달의민족 주아" panose="02020603020101020101" pitchFamily="18" charset="-127"/>
-                        <a:ea typeface="배달의민족 주아" panose="02020603020101020101" pitchFamily="18" charset="-127"/>
-                      </a:endParaRPr>
-                    </a:p>
-                  </a:txBody>
-                  <a:tcPr>
-                    <a:solidFill>
-                      <a:schemeClr val="accent1">
-                        <a:tint val="40000"/>
-                      </a:schemeClr>
-                    </a:solidFill>
-                  </a:tcPr>
-                </a:tc>
-                <a:tc>
-                  <a:txBody>
-                    <a:bodyPr/>
-                    <a:lstStyle/>
-                    <a:p>
-                      <a:pPr algn="ctr" latinLnBrk="1"/>
-                      <a:r>
-                        <a:rPr lang="ko-KR" altLang="en-US" dirty="0" smtClean="0">
-                          <a:latin typeface="배달의민족 주아" panose="02020603020101020101" pitchFamily="18" charset="-127"/>
-                          <a:ea typeface="배달의민족 주아" panose="02020603020101020101" pitchFamily="18" charset="-127"/>
-                        </a:rPr>
-                        <a:t>축구공</a:t>
-                      </a:r>
-                      <a:endParaRPr lang="ko-KR" altLang="en-US" dirty="0">
-                        <a:latin typeface="배달의민족 주아" panose="02020603020101020101" pitchFamily="18" charset="-127"/>
-                        <a:ea typeface="배달의민족 주아" panose="02020603020101020101" pitchFamily="18" charset="-127"/>
-                      </a:endParaRPr>
-                    </a:p>
-                  </a:txBody>
-                  <a:tcPr>
-                    <a:solidFill>
-                      <a:schemeClr val="accent1">
-                        <a:tint val="40000"/>
-                      </a:schemeClr>
-                    </a:solidFill>
-                  </a:tcPr>
-                </a:tc>
-                <a:tc>
-                  <a:txBody>
-                    <a:bodyPr/>
-                    <a:lstStyle/>
-                    <a:p>
-                      <a:pPr algn="ctr" latinLnBrk="1"/>
-                      <a:r>
-                        <a:rPr lang="ko-KR" altLang="en-US" dirty="0" smtClean="0">
-                          <a:latin typeface="배달의민족 주아" panose="02020603020101020101" pitchFamily="18" charset="-127"/>
-                          <a:ea typeface="배달의민족 주아" panose="02020603020101020101" pitchFamily="18" charset="-127"/>
-                        </a:rPr>
-                        <a:t>사</a:t>
-                      </a:r>
-                      <a:r>
-                        <a:rPr lang="en-US" altLang="ko-KR" dirty="0" smtClean="0">
-                          <a:latin typeface="배달의민족 주아" panose="02020603020101020101" pitchFamily="18" charset="-127"/>
-                          <a:ea typeface="배달의민족 주아" panose="02020603020101020101" pitchFamily="18" charset="-127"/>
-                        </a:rPr>
-                        <a:t>…</a:t>
-                      </a:r>
-                      <a:endParaRPr lang="ko-KR" altLang="en-US" dirty="0">
-                        <a:latin typeface="배달의민족 주아" panose="02020603020101020101" pitchFamily="18" charset="-127"/>
-                        <a:ea typeface="배달의민족 주아" panose="02020603020101020101" pitchFamily="18" charset="-127"/>
-                      </a:endParaRPr>
-                    </a:p>
-                  </a:txBody>
-                  <a:tcPr>
-                    <a:solidFill>
-                      <a:schemeClr val="accent1">
-                        <a:tint val="40000"/>
-                      </a:schemeClr>
-                    </a:solidFill>
-                  </a:tcPr>
-                </a:tc>
-                <a:tc>
-                  <a:txBody>
-                    <a:bodyPr/>
-                    <a:lstStyle/>
-                    <a:p>
-                      <a:pPr marL="0" marR="0" lvl="0" indent="0" algn="ctr" defTabSz="914400" rtl="0" eaLnBrk="1" fontAlgn="auto" latinLnBrk="1" hangingPunct="1">
-                        <a:lnSpc>
-                          <a:spcPct val="100000"/>
-                        </a:lnSpc>
-                        <a:spcBef>
-                          <a:spcPts val="0"/>
-                        </a:spcBef>
-                        <a:spcAft>
-                          <a:spcPts val="0"/>
-                        </a:spcAft>
-                        <a:buClrTx/>
-                        <a:buSzTx/>
-                        <a:buFontTx/>
-                        <a:buNone/>
-                        <a:tabLst/>
-                        <a:defRPr/>
-                      </a:pPr>
-                      <a:r>
-                        <a:rPr lang="ko-KR" altLang="en-US" dirty="0" smtClean="0">
-                          <a:latin typeface="배달의민족 주아" panose="02020603020101020101" pitchFamily="18" charset="-127"/>
-                          <a:ea typeface="배달의민족 주아" panose="02020603020101020101" pitchFamily="18" charset="-127"/>
-                        </a:rPr>
-                        <a:t>손흥민</a:t>
-                      </a:r>
-                      <a:r>
-                        <a:rPr lang="en-US" altLang="ko-KR" dirty="0" smtClean="0">
-                          <a:latin typeface="배달의민족 주아" panose="02020603020101020101" pitchFamily="18" charset="-127"/>
-                          <a:ea typeface="배달의민족 주아" panose="02020603020101020101" pitchFamily="18" charset="-127"/>
-                        </a:rPr>
-                        <a:t>.png</a:t>
-                      </a:r>
-                      <a:endParaRPr lang="ko-KR" altLang="en-US" dirty="0" smtClean="0">
-                        <a:latin typeface="배달의민족 주아" panose="02020603020101020101" pitchFamily="18" charset="-127"/>
-                        <a:ea typeface="배달의민족 주아" panose="02020603020101020101" pitchFamily="18" charset="-127"/>
-                      </a:endParaRPr>
-                    </a:p>
-                  </a:txBody>
-                  <a:tcPr>
-                    <a:solidFill>
-                      <a:schemeClr val="accent1">
-                        <a:tint val="40000"/>
-                      </a:schemeClr>
-                    </a:solidFill>
-                  </a:tcPr>
-                </a:tc>
-                <a:tc>
-                  <a:txBody>
-                    <a:bodyPr/>
-                    <a:lstStyle/>
-                    <a:p>
-                      <a:pPr algn="ctr" latinLnBrk="1"/>
-                      <a:endParaRPr lang="ko-KR" altLang="en-US" dirty="0"/>
-                    </a:p>
-                  </a:txBody>
-                  <a:tcPr>
-                    <a:solidFill>
-                      <a:schemeClr val="accent1">
-                        <a:tint val="40000"/>
-                      </a:schemeClr>
-                    </a:solidFill>
-                  </a:tcPr>
-                </a:tc>
-                <a:extLst>
-                  <a:ext uri="{0D108BD9-81ED-4DB2-BD59-A6C34878D82A}">
-                    <a16:rowId xmlns:a16="http://schemas.microsoft.com/office/drawing/2014/main" val="3670440881"/>
-                  </a:ext>
-                </a:extLst>
-              </a:tr>
-              <a:tr h="370840">
-                <a:tc>
-                  <a:txBody>
-                    <a:bodyPr/>
-                    <a:lstStyle/>
-                    <a:p>
-                      <a:pPr algn="ctr" latinLnBrk="1"/>
-                      <a:r>
-                        <a:rPr lang="ko-KR" altLang="en-US" dirty="0" smtClean="0">
-                          <a:solidFill>
-                            <a:srgbClr val="192537"/>
-                          </a:solidFill>
-                          <a:latin typeface="배달의민족 주아" panose="02020603020101020101" pitchFamily="18" charset="-127"/>
-                          <a:ea typeface="배달의민족 주아" panose="02020603020101020101" pitchFamily="18" charset="-127"/>
-                        </a:rPr>
-                        <a:t>류현진</a:t>
-                      </a:r>
-                      <a:endParaRPr lang="ko-KR" altLang="en-US" dirty="0">
-                        <a:solidFill>
-                          <a:srgbClr val="192537"/>
-                        </a:solidFill>
-                        <a:latin typeface="배달의민족 주아" panose="02020603020101020101" pitchFamily="18" charset="-127"/>
-                        <a:ea typeface="배달의민족 주아" panose="02020603020101020101" pitchFamily="18" charset="-127"/>
-                      </a:endParaRPr>
-                    </a:p>
-                  </a:txBody>
-                  <a:tcPr>
-                    <a:solidFill>
-                      <a:schemeClr val="accent1">
-                        <a:tint val="40000"/>
-                      </a:schemeClr>
-                    </a:solidFill>
-                  </a:tcPr>
-                </a:tc>
-                <a:tc>
-                  <a:txBody>
-                    <a:bodyPr/>
-                    <a:lstStyle/>
-                    <a:p>
-                      <a:pPr algn="ctr" latinLnBrk="1"/>
-                      <a:r>
-                        <a:rPr lang="en-US" altLang="ko-KR" dirty="0" smtClean="0">
-                          <a:latin typeface="배달의민족 주아" panose="02020603020101020101" pitchFamily="18" charset="-127"/>
-                          <a:ea typeface="배달의민족 주아" panose="02020603020101020101" pitchFamily="18" charset="-127"/>
-                        </a:rPr>
-                        <a:t>35</a:t>
-                      </a:r>
-                      <a:endParaRPr lang="ko-KR" altLang="en-US" dirty="0">
-                        <a:latin typeface="배달의민족 주아" panose="02020603020101020101" pitchFamily="18" charset="-127"/>
-                        <a:ea typeface="배달의민족 주아" panose="02020603020101020101" pitchFamily="18" charset="-127"/>
-                      </a:endParaRPr>
-                    </a:p>
-                  </a:txBody>
-                  <a:tcPr>
-                    <a:solidFill>
-                      <a:schemeClr val="accent1">
-                        <a:tint val="40000"/>
-                      </a:schemeClr>
-                    </a:solidFill>
-                  </a:tcPr>
-                </a:tc>
-                <a:tc>
-                  <a:txBody>
-                    <a:bodyPr/>
-                    <a:lstStyle/>
-                    <a:p>
-                      <a:pPr algn="ctr" latinLnBrk="1"/>
-                      <a:r>
-                        <a:rPr lang="en-US" altLang="ko-KR" dirty="0" smtClean="0">
-                          <a:latin typeface="배달의민족 주아" panose="02020603020101020101" pitchFamily="18" charset="-127"/>
-                          <a:ea typeface="배달의민족 주아" panose="02020603020101020101" pitchFamily="18" charset="-127"/>
-                        </a:rPr>
-                        <a:t>Iron</a:t>
-                      </a:r>
-                      <a:endParaRPr lang="ko-KR" altLang="en-US" dirty="0">
-                        <a:latin typeface="배달의민족 주아" panose="02020603020101020101" pitchFamily="18" charset="-127"/>
-                        <a:ea typeface="배달의민족 주아" panose="02020603020101020101" pitchFamily="18" charset="-127"/>
-                      </a:endParaRPr>
-                    </a:p>
-                  </a:txBody>
-                  <a:tcPr>
-                    <a:solidFill>
-                      <a:schemeClr val="accent1">
-                        <a:tint val="40000"/>
-                      </a:schemeClr>
-                    </a:solidFill>
-                  </a:tcPr>
-                </a:tc>
-                <a:tc>
-                  <a:txBody>
-                    <a:bodyPr/>
-                    <a:lstStyle/>
-                    <a:p>
-                      <a:pPr algn="ctr" latinLnBrk="1"/>
-                      <a:r>
-                        <a:rPr lang="ko-KR" altLang="en-US" dirty="0" smtClean="0">
-                          <a:latin typeface="배달의민족 주아" panose="02020603020101020101" pitchFamily="18" charset="-127"/>
-                          <a:ea typeface="배달의민족 주아" panose="02020603020101020101" pitchFamily="18" charset="-127"/>
-                        </a:rPr>
-                        <a:t>야구공</a:t>
-                      </a:r>
-                      <a:endParaRPr lang="ko-KR" altLang="en-US" dirty="0">
-                        <a:latin typeface="배달의민족 주아" panose="02020603020101020101" pitchFamily="18" charset="-127"/>
-                        <a:ea typeface="배달의민족 주아" panose="02020603020101020101" pitchFamily="18" charset="-127"/>
-                      </a:endParaRPr>
-                    </a:p>
-                  </a:txBody>
-                  <a:tcPr>
-                    <a:solidFill>
-                      <a:schemeClr val="accent1">
-                        <a:tint val="40000"/>
-                      </a:schemeClr>
-                    </a:solidFill>
-                  </a:tcPr>
-                </a:tc>
-                <a:tc>
-                  <a:txBody>
-                    <a:bodyPr/>
-                    <a:lstStyle/>
-                    <a:p>
-                      <a:pPr algn="ctr" latinLnBrk="1"/>
-                      <a:r>
-                        <a:rPr lang="ko-KR" altLang="en-US" dirty="0" smtClean="0">
-                          <a:latin typeface="배달의민족 주아" panose="02020603020101020101" pitchFamily="18" charset="-127"/>
-                          <a:ea typeface="배달의민족 주아" panose="02020603020101020101" pitchFamily="18" charset="-127"/>
-                        </a:rPr>
-                        <a:t>아</a:t>
-                      </a:r>
-                      <a:r>
-                        <a:rPr lang="en-US" altLang="ko-KR" dirty="0" smtClean="0">
-                          <a:latin typeface="배달의민족 주아" panose="02020603020101020101" pitchFamily="18" charset="-127"/>
-                          <a:ea typeface="배달의민족 주아" panose="02020603020101020101" pitchFamily="18" charset="-127"/>
-                        </a:rPr>
-                        <a:t>…</a:t>
-                      </a:r>
-                      <a:endParaRPr lang="ko-KR" altLang="en-US" dirty="0">
-                        <a:latin typeface="배달의민족 주아" panose="02020603020101020101" pitchFamily="18" charset="-127"/>
-                        <a:ea typeface="배달의민족 주아" panose="02020603020101020101" pitchFamily="18" charset="-127"/>
-                      </a:endParaRPr>
-                    </a:p>
-                  </a:txBody>
-                  <a:tcPr>
-                    <a:solidFill>
-                      <a:schemeClr val="accent1">
-                        <a:tint val="40000"/>
-                      </a:schemeClr>
-                    </a:solidFill>
-                  </a:tcPr>
-                </a:tc>
-                <a:tc>
-                  <a:txBody>
-                    <a:bodyPr/>
-                    <a:lstStyle/>
-                    <a:p>
-                      <a:pPr marL="0" marR="0" lvl="0" indent="0" algn="ctr" defTabSz="914400" rtl="0" eaLnBrk="1" fontAlgn="auto" latinLnBrk="1" hangingPunct="1">
-                        <a:lnSpc>
-                          <a:spcPct val="100000"/>
-                        </a:lnSpc>
-                        <a:spcBef>
-                          <a:spcPts val="0"/>
-                        </a:spcBef>
-                        <a:spcAft>
-                          <a:spcPts val="0"/>
-                        </a:spcAft>
-                        <a:buClrTx/>
-                        <a:buSzTx/>
-                        <a:buFontTx/>
-                        <a:buNone/>
-                        <a:tabLst/>
-                        <a:defRPr/>
-                      </a:pPr>
-                      <a:r>
-                        <a:rPr lang="ko-KR" altLang="en-US" dirty="0" smtClean="0">
-                          <a:latin typeface="배달의민족 주아" panose="02020603020101020101" pitchFamily="18" charset="-127"/>
-                          <a:ea typeface="배달의민족 주아" panose="02020603020101020101" pitchFamily="18" charset="-127"/>
-                        </a:rPr>
-                        <a:t>류현진</a:t>
-                      </a:r>
-                      <a:r>
-                        <a:rPr lang="en-US" altLang="ko-KR" dirty="0" smtClean="0">
-                          <a:latin typeface="배달의민족 주아" panose="02020603020101020101" pitchFamily="18" charset="-127"/>
-                          <a:ea typeface="배달의민족 주아" panose="02020603020101020101" pitchFamily="18" charset="-127"/>
-                        </a:rPr>
-                        <a:t>.png</a:t>
-                      </a:r>
-                      <a:endParaRPr lang="ko-KR" altLang="en-US" dirty="0" smtClean="0">
-                        <a:latin typeface="배달의민족 주아" panose="02020603020101020101" pitchFamily="18" charset="-127"/>
-                        <a:ea typeface="배달의민족 주아" panose="02020603020101020101" pitchFamily="18" charset="-127"/>
-                      </a:endParaRPr>
-                    </a:p>
-                  </a:txBody>
-                  <a:tcPr>
-                    <a:solidFill>
-                      <a:schemeClr val="accent1">
-                        <a:tint val="40000"/>
-                      </a:schemeClr>
-                    </a:solidFill>
-                  </a:tcPr>
-                </a:tc>
-                <a:tc>
-                  <a:txBody>
-                    <a:bodyPr/>
-                    <a:lstStyle/>
-                    <a:p>
-                      <a:pPr algn="ctr" latinLnBrk="1"/>
-                      <a:endParaRPr lang="ko-KR" altLang="en-US" dirty="0"/>
-                    </a:p>
-                  </a:txBody>
-                  <a:tcPr>
-                    <a:solidFill>
-                      <a:schemeClr val="accent1">
-                        <a:tint val="40000"/>
-                      </a:schemeClr>
-                    </a:solidFill>
-                  </a:tcPr>
-                </a:tc>
-                <a:extLst>
-                  <a:ext uri="{0D108BD9-81ED-4DB2-BD59-A6C34878D82A}">
-                    <a16:rowId xmlns:a16="http://schemas.microsoft.com/office/drawing/2014/main" val="2765639440"/>
-                  </a:ext>
-                </a:extLst>
-              </a:tr>
-              <a:tr h="370840">
-                <a:tc>
-                  <a:txBody>
-                    <a:bodyPr/>
-                    <a:lstStyle/>
-                    <a:p>
-                      <a:pPr algn="ctr" latinLnBrk="1"/>
-                      <a:r>
-                        <a:rPr lang="ko-KR" altLang="en-US" dirty="0" smtClean="0">
-                          <a:solidFill>
-                            <a:srgbClr val="192537"/>
-                          </a:solidFill>
-                          <a:latin typeface="배달의민족 주아" panose="02020603020101020101" pitchFamily="18" charset="-127"/>
-                          <a:ea typeface="배달의민족 주아" panose="02020603020101020101" pitchFamily="18" charset="-127"/>
-                        </a:rPr>
-                        <a:t>김연아</a:t>
-                      </a:r>
-                      <a:endParaRPr lang="ko-KR" altLang="en-US" dirty="0">
-                        <a:solidFill>
-                          <a:srgbClr val="192537"/>
-                        </a:solidFill>
-                        <a:latin typeface="배달의민족 주아" panose="02020603020101020101" pitchFamily="18" charset="-127"/>
-                        <a:ea typeface="배달의민족 주아" panose="02020603020101020101" pitchFamily="18" charset="-127"/>
-                      </a:endParaRPr>
-                    </a:p>
-                  </a:txBody>
-                  <a:tcPr>
-                    <a:solidFill>
-                      <a:schemeClr val="accent1">
-                        <a:tint val="40000"/>
-                      </a:schemeClr>
-                    </a:solidFill>
-                  </a:tcPr>
-                </a:tc>
-                <a:tc>
-                  <a:txBody>
-                    <a:bodyPr/>
-                    <a:lstStyle/>
-                    <a:p>
-                      <a:pPr algn="ctr" latinLnBrk="1"/>
-                      <a:r>
-                        <a:rPr lang="en-US" altLang="ko-KR" dirty="0" smtClean="0">
-                          <a:latin typeface="배달의민족 주아" panose="02020603020101020101" pitchFamily="18" charset="-127"/>
-                          <a:ea typeface="배달의민족 주아" panose="02020603020101020101" pitchFamily="18" charset="-127"/>
-                        </a:rPr>
-                        <a:t>32</a:t>
-                      </a:r>
-                      <a:endParaRPr lang="ko-KR" altLang="en-US" dirty="0">
-                        <a:latin typeface="배달의민족 주아" panose="02020603020101020101" pitchFamily="18" charset="-127"/>
-                        <a:ea typeface="배달의민족 주아" panose="02020603020101020101" pitchFamily="18" charset="-127"/>
-                      </a:endParaRPr>
-                    </a:p>
-                  </a:txBody>
-                  <a:tcPr>
-                    <a:solidFill>
-                      <a:schemeClr val="accent1">
-                        <a:tint val="40000"/>
-                      </a:schemeClr>
-                    </a:solidFill>
-                  </a:tcPr>
-                </a:tc>
-                <a:tc>
-                  <a:txBody>
-                    <a:bodyPr/>
-                    <a:lstStyle/>
-                    <a:p>
-                      <a:pPr algn="ctr" latinLnBrk="1"/>
-                      <a:r>
-                        <a:rPr lang="en-US" altLang="ko-KR" dirty="0" smtClean="0">
-                          <a:latin typeface="배달의민족 주아" panose="02020603020101020101" pitchFamily="18" charset="-127"/>
-                          <a:ea typeface="배달의민족 주아" panose="02020603020101020101" pitchFamily="18" charset="-127"/>
-                        </a:rPr>
-                        <a:t>Iron</a:t>
-                      </a:r>
-                      <a:endParaRPr lang="ko-KR" altLang="en-US" dirty="0">
-                        <a:latin typeface="배달의민족 주아" panose="02020603020101020101" pitchFamily="18" charset="-127"/>
-                        <a:ea typeface="배달의민족 주아" panose="02020603020101020101" pitchFamily="18" charset="-127"/>
-                      </a:endParaRPr>
-                    </a:p>
-                  </a:txBody>
-                  <a:tcPr>
-                    <a:solidFill>
-                      <a:schemeClr val="accent1">
-                        <a:tint val="40000"/>
-                      </a:schemeClr>
-                    </a:solidFill>
-                  </a:tcPr>
-                </a:tc>
-                <a:tc>
-                  <a:txBody>
-                    <a:bodyPr/>
-                    <a:lstStyle/>
-                    <a:p>
-                      <a:pPr algn="ctr" latinLnBrk="1"/>
-                      <a:r>
-                        <a:rPr lang="ko-KR" altLang="en-US" dirty="0" smtClean="0">
-                          <a:latin typeface="배달의민족 주아" panose="02020603020101020101" pitchFamily="18" charset="-127"/>
-                          <a:ea typeface="배달의민족 주아" panose="02020603020101020101" pitchFamily="18" charset="-127"/>
-                        </a:rPr>
-                        <a:t>얼음</a:t>
-                      </a:r>
-                      <a:endParaRPr lang="ko-KR" altLang="en-US" dirty="0">
-                        <a:latin typeface="배달의민족 주아" panose="02020603020101020101" pitchFamily="18" charset="-127"/>
-                        <a:ea typeface="배달의민족 주아" panose="02020603020101020101" pitchFamily="18" charset="-127"/>
-                      </a:endParaRPr>
-                    </a:p>
-                  </a:txBody>
-                  <a:tcPr>
-                    <a:solidFill>
-                      <a:schemeClr val="accent1">
-                        <a:tint val="40000"/>
-                      </a:schemeClr>
-                    </a:solidFill>
-                  </a:tcPr>
-                </a:tc>
-                <a:tc>
-                  <a:txBody>
-                    <a:bodyPr/>
-                    <a:lstStyle/>
-                    <a:p>
-                      <a:pPr algn="ctr" latinLnBrk="1"/>
-                      <a:r>
-                        <a:rPr lang="ko-KR" altLang="en-US" dirty="0" smtClean="0">
-                          <a:latin typeface="배달의민족 주아" panose="02020603020101020101" pitchFamily="18" charset="-127"/>
-                          <a:ea typeface="배달의민족 주아" panose="02020603020101020101" pitchFamily="18" charset="-127"/>
-                        </a:rPr>
-                        <a:t>자</a:t>
-                      </a:r>
-                      <a:r>
-                        <a:rPr lang="en-US" altLang="ko-KR" dirty="0" smtClean="0">
-                          <a:latin typeface="배달의민족 주아" panose="02020603020101020101" pitchFamily="18" charset="-127"/>
-                          <a:ea typeface="배달의민족 주아" panose="02020603020101020101" pitchFamily="18" charset="-127"/>
-                        </a:rPr>
-                        <a:t>…</a:t>
-                      </a:r>
-                      <a:endParaRPr lang="ko-KR" altLang="en-US" dirty="0">
-                        <a:latin typeface="배달의민족 주아" panose="02020603020101020101" pitchFamily="18" charset="-127"/>
-                        <a:ea typeface="배달의민족 주아" panose="02020603020101020101" pitchFamily="18" charset="-127"/>
-                      </a:endParaRPr>
-                    </a:p>
-                  </a:txBody>
-                  <a:tcPr>
-                    <a:solidFill>
-                      <a:schemeClr val="accent1">
-                        <a:tint val="40000"/>
-                      </a:schemeClr>
-                    </a:solidFill>
-                  </a:tcPr>
-                </a:tc>
-                <a:tc>
-                  <a:txBody>
-                    <a:bodyPr/>
-                    <a:lstStyle/>
-                    <a:p>
-                      <a:pPr marL="0" marR="0" lvl="0" indent="0" algn="ctr" defTabSz="914400" rtl="0" eaLnBrk="1" fontAlgn="auto" latinLnBrk="1" hangingPunct="1">
-                        <a:lnSpc>
-                          <a:spcPct val="100000"/>
-                        </a:lnSpc>
-                        <a:spcBef>
-                          <a:spcPts val="0"/>
-                        </a:spcBef>
-                        <a:spcAft>
-                          <a:spcPts val="0"/>
-                        </a:spcAft>
-                        <a:buClrTx/>
-                        <a:buSzTx/>
-                        <a:buFontTx/>
-                        <a:buNone/>
-                        <a:tabLst/>
-                        <a:defRPr/>
-                      </a:pPr>
-                      <a:r>
-                        <a:rPr lang="ko-KR" altLang="en-US" dirty="0" smtClean="0">
-                          <a:latin typeface="배달의민족 주아" panose="02020603020101020101" pitchFamily="18" charset="-127"/>
-                          <a:ea typeface="배달의민족 주아" panose="02020603020101020101" pitchFamily="18" charset="-127"/>
-                        </a:rPr>
-                        <a:t>김연아</a:t>
-                      </a:r>
-                      <a:r>
-                        <a:rPr lang="en-US" altLang="ko-KR" dirty="0" smtClean="0">
-                          <a:latin typeface="배달의민족 주아" panose="02020603020101020101" pitchFamily="18" charset="-127"/>
-                          <a:ea typeface="배달의민족 주아" panose="02020603020101020101" pitchFamily="18" charset="-127"/>
-                        </a:rPr>
-                        <a:t>.png</a:t>
-                      </a:r>
-                      <a:endParaRPr lang="ko-KR" altLang="en-US" dirty="0" smtClean="0">
-                        <a:latin typeface="배달의민족 주아" panose="02020603020101020101" pitchFamily="18" charset="-127"/>
-                        <a:ea typeface="배달의민족 주아" panose="02020603020101020101" pitchFamily="18" charset="-127"/>
-                      </a:endParaRPr>
-                    </a:p>
-                  </a:txBody>
-                  <a:tcPr>
-                    <a:solidFill>
-                      <a:schemeClr val="accent1">
-                        <a:tint val="40000"/>
-                      </a:schemeClr>
-                    </a:solidFill>
-                  </a:tcPr>
-                </a:tc>
-                <a:tc>
-                  <a:txBody>
-                    <a:bodyPr/>
-                    <a:lstStyle/>
-                    <a:p>
-                      <a:pPr algn="ctr" latinLnBrk="1"/>
-                      <a:endParaRPr lang="ko-KR" altLang="en-US" dirty="0"/>
-                    </a:p>
-                  </a:txBody>
-                  <a:tcPr>
-                    <a:solidFill>
-                      <a:schemeClr val="accent1">
-                        <a:tint val="40000"/>
-                      </a:schemeClr>
-                    </a:solidFill>
-                  </a:tcPr>
-                </a:tc>
-                <a:extLst>
-                  <a:ext uri="{0D108BD9-81ED-4DB2-BD59-A6C34878D82A}">
-                    <a16:rowId xmlns:a16="http://schemas.microsoft.com/office/drawing/2014/main" val="2474454905"/>
-                  </a:ext>
-                </a:extLst>
-              </a:tr>
-            </a:tbl>
-          </a:graphicData>
-        </a:graphic>
-      </p:graphicFrame>
-      <p:sp>
-        <p:nvSpPr>
-          <p:cNvPr id="14" name="TextBox 13"/>
-          <p:cNvSpPr txBox="1"/>
-          <p:nvPr/>
-        </p:nvSpPr>
-        <p:spPr>
-          <a:xfrm>
-            <a:off x="3737735" y="6000713"/>
-            <a:ext cx="1476942" cy="369332"/>
-          </a:xfrm>
-          <a:prstGeom prst="rect">
-            <a:avLst/>
-          </a:prstGeom>
-          <a:noFill/>
-        </p:spPr>
-        <p:txBody>
-          <a:bodyPr wrap="square" rtlCol="0">
-            <a:spAutoFit/>
-          </a:bodyPr>
-          <a:lstStyle/>
-          <a:p>
-            <a:r>
-              <a:rPr lang="en-US" altLang="ko-KR" dirty="0" smtClean="0">
-                <a:latin typeface="배달의민족 주아" panose="02020603020101020101" pitchFamily="18" charset="-127"/>
-                <a:ea typeface="배달의민족 주아" panose="02020603020101020101" pitchFamily="18" charset="-127"/>
-              </a:rPr>
-              <a:t>---</a:t>
-            </a:r>
-            <a:r>
-              <a:rPr lang="ko-KR" altLang="en-US" dirty="0" smtClean="0">
-                <a:latin typeface="배달의민족 주아" panose="02020603020101020101" pitchFamily="18" charset="-127"/>
-                <a:ea typeface="배달의민족 주아" panose="02020603020101020101" pitchFamily="18" charset="-127"/>
-              </a:rPr>
-              <a:t>더보기</a:t>
-            </a:r>
-            <a:r>
-              <a:rPr lang="en-US" altLang="ko-KR" dirty="0" smtClean="0">
-                <a:latin typeface="배달의민족 주아" panose="02020603020101020101" pitchFamily="18" charset="-127"/>
-                <a:ea typeface="배달의민족 주아" panose="02020603020101020101" pitchFamily="18" charset="-127"/>
-              </a:rPr>
-              <a:t>---</a:t>
-            </a:r>
-            <a:endParaRPr lang="ko-KR" altLang="en-US" dirty="0"/>
           </a:p>
         </p:txBody>
       </p:sp>
@@ -16338,7 +13254,7 @@
         </p:blipFill>
         <p:spPr>
           <a:xfrm>
-            <a:off x="7421018" y="2493766"/>
+            <a:off x="1434906" y="5077338"/>
             <a:ext cx="262471" cy="262471"/>
           </a:xfrm>
           <a:prstGeom prst="rect">
@@ -16368,7 +13284,7 @@
         </p:blipFill>
         <p:spPr>
           <a:xfrm flipH="1">
-            <a:off x="7851765" y="2478442"/>
+            <a:off x="1865653" y="5062014"/>
             <a:ext cx="290158" cy="290158"/>
           </a:xfrm>
           <a:prstGeom prst="rect">
@@ -16376,9 +13292,355 @@
           </a:prstGeom>
         </p:spPr>
       </p:pic>
+      <p:sp>
+        <p:nvSpPr>
+          <p:cNvPr id="35" name="모서리가 둥근 직사각형 34"/>
+          <p:cNvSpPr/>
+          <p:nvPr/>
+        </p:nvSpPr>
+        <p:spPr>
+          <a:xfrm>
+            <a:off x="1014461" y="2222958"/>
+            <a:ext cx="1662546" cy="3176897"/>
+          </a:xfrm>
+          <a:prstGeom prst="roundRect">
+            <a:avLst/>
+          </a:prstGeom>
+          <a:noFill/>
+          <a:ln w="38100">
+            <a:solidFill>
+              <a:srgbClr val="192537"/>
+            </a:solidFill>
+          </a:ln>
+        </p:spPr>
+        <p:style>
+          <a:lnRef idx="2">
+            <a:schemeClr val="accent1">
+              <a:shade val="50000"/>
+            </a:schemeClr>
+          </a:lnRef>
+          <a:fillRef idx="1">
+            <a:schemeClr val="accent1"/>
+          </a:fillRef>
+          <a:effectRef idx="0">
+            <a:schemeClr val="accent1"/>
+          </a:effectRef>
+          <a:fontRef idx="minor">
+            <a:schemeClr val="lt1"/>
+          </a:fontRef>
+        </p:style>
+        <p:txBody>
+          <a:bodyPr rtlCol="0" anchor="ctr"/>
+          <a:lstStyle/>
+          <a:p>
+            <a:pPr algn="ctr"/>
+            <a:endParaRPr lang="ko-KR" altLang="en-US"/>
+          </a:p>
+        </p:txBody>
+      </p:sp>
+      <p:cxnSp>
+        <p:nvCxnSpPr>
+          <p:cNvPr id="36" name="직선 연결선 35"/>
+          <p:cNvCxnSpPr/>
+          <p:nvPr/>
+        </p:nvCxnSpPr>
+        <p:spPr>
+          <a:xfrm>
+            <a:off x="1015847" y="3277418"/>
+            <a:ext cx="1661160" cy="0"/>
+          </a:xfrm>
+          <a:prstGeom prst="line">
+            <a:avLst/>
+          </a:prstGeom>
+          <a:ln w="28575">
+            <a:solidFill>
+              <a:srgbClr val="192537"/>
+            </a:solidFill>
+          </a:ln>
+        </p:spPr>
+        <p:style>
+          <a:lnRef idx="1">
+            <a:schemeClr val="accent1"/>
+          </a:lnRef>
+          <a:fillRef idx="0">
+            <a:schemeClr val="accent1"/>
+          </a:fillRef>
+          <a:effectRef idx="0">
+            <a:schemeClr val="accent1"/>
+          </a:effectRef>
+          <a:fontRef idx="minor">
+            <a:schemeClr val="tx1"/>
+          </a:fontRef>
+        </p:style>
+      </p:cxnSp>
+      <p:cxnSp>
+        <p:nvCxnSpPr>
+          <p:cNvPr id="37" name="직선 연결선 36"/>
+          <p:cNvCxnSpPr/>
+          <p:nvPr/>
+        </p:nvCxnSpPr>
+        <p:spPr>
+          <a:xfrm>
+            <a:off x="1015847" y="5030523"/>
+            <a:ext cx="1661160" cy="0"/>
+          </a:xfrm>
+          <a:prstGeom prst="line">
+            <a:avLst/>
+          </a:prstGeom>
+          <a:ln w="28575">
+            <a:solidFill>
+              <a:srgbClr val="192537"/>
+            </a:solidFill>
+          </a:ln>
+        </p:spPr>
+        <p:style>
+          <a:lnRef idx="1">
+            <a:schemeClr val="accent1"/>
+          </a:lnRef>
+          <a:fillRef idx="0">
+            <a:schemeClr val="accent1"/>
+          </a:fillRef>
+          <a:effectRef idx="0">
+            <a:schemeClr val="accent1"/>
+          </a:effectRef>
+          <a:fontRef idx="minor">
+            <a:schemeClr val="tx1"/>
+          </a:fontRef>
+        </p:style>
+      </p:cxnSp>
       <p:pic>
         <p:nvPicPr>
-          <p:cNvPr id="38" name="그림 37"/>
+          <p:cNvPr id="54" name="그림 53"/>
+          <p:cNvPicPr preferRelativeResize="0">
+            <a:picLocks/>
+          </p:cNvPicPr>
+          <p:nvPr/>
+        </p:nvPicPr>
+        <p:blipFill rotWithShape="1">
+          <a:blip r:embed="rId5">
+            <a:extLst>
+              <a:ext uri="{BEBA8EAE-BF5A-486C-A8C5-ECC9F3942E4B}">
+                <a14:imgProps xmlns:a14="http://schemas.microsoft.com/office/drawing/2010/main">
+                  <a14:imgLayer r:embed="rId6">
+                    <a14:imgEffect>
+                      <a14:backgroundRemoval t="29514" b="59306" l="34106" r="78035">
+                        <a14:foregroundMark x1="36793" y1="50556" x2="34384" y2="55000"/>
+                        <a14:foregroundMark x1="36979" y1="56111" x2="58665" y2="54306"/>
+                        <a14:foregroundMark x1="57739" y1="55278" x2="58480" y2="56111"/>
+                        <a14:foregroundMark x1="52363" y1="56806" x2="51622" y2="57500"/>
+                        <a14:foregroundMark x1="38091" y1="55833" x2="37720" y2="58056"/>
+                        <a14:foregroundMark x1="37164" y1="53611" x2="34754" y2="54583"/>
+                        <a14:foregroundMark x1="35496" y1="50556" x2="34198" y2="53472"/>
+                        <a14:foregroundMark x1="78035" y1="56944" x2="78035" y2="56944"/>
+                      </a14:backgroundRemoval>
+                    </a14:imgEffect>
+                  </a14:imgLayer>
+                </a14:imgProps>
+              </a:ext>
+            </a:extLst>
+          </a:blip>
+          <a:srcRect l="32205" t="30000" r="36469" b="43056"/>
+          <a:stretch/>
+        </p:blipFill>
+        <p:spPr>
+          <a:xfrm>
+            <a:off x="1434906" y="2241268"/>
+            <a:ext cx="821655" cy="1036150"/>
+          </a:xfrm>
+          <a:prstGeom prst="rect">
+            <a:avLst/>
+          </a:prstGeom>
+          <a:ln w="19050">
+            <a:solidFill>
+              <a:schemeClr val="tx1"/>
+            </a:solidFill>
+          </a:ln>
+        </p:spPr>
+      </p:pic>
+      <p:sp>
+        <p:nvSpPr>
+          <p:cNvPr id="6" name="TextBox 5"/>
+          <p:cNvSpPr txBox="1"/>
+          <p:nvPr/>
+        </p:nvSpPr>
+        <p:spPr>
+          <a:xfrm>
+            <a:off x="985169" y="3390734"/>
+            <a:ext cx="1691838" cy="1446550"/>
+          </a:xfrm>
+          <a:prstGeom prst="rect">
+            <a:avLst/>
+          </a:prstGeom>
+          <a:noFill/>
+        </p:spPr>
+        <p:txBody>
+          <a:bodyPr wrap="square" rtlCol="0">
+            <a:spAutoFit/>
+          </a:bodyPr>
+          <a:lstStyle/>
+          <a:p>
+            <a:r>
+              <a:rPr lang="ko-KR" altLang="en-US" sz="800" b="1" dirty="0">
+                <a:latin typeface="배달의민족 주아" panose="02020603020101020101" pitchFamily="18" charset="-127"/>
+                <a:ea typeface="배달의민족 주아" panose="02020603020101020101" pitchFamily="18" charset="-127"/>
+              </a:rPr>
+              <a:t>이름 </a:t>
+            </a:r>
+            <a:r>
+              <a:rPr lang="en-US" altLang="ko-KR" sz="800" b="1" dirty="0">
+                <a:latin typeface="배달의민족 주아" panose="02020603020101020101" pitchFamily="18" charset="-127"/>
+                <a:ea typeface="배달의민족 주아" panose="02020603020101020101" pitchFamily="18" charset="-127"/>
+              </a:rPr>
+              <a:t>: </a:t>
+            </a:r>
+            <a:r>
+              <a:rPr lang="ko-KR" altLang="en-US" sz="800" b="1" dirty="0">
+                <a:latin typeface="배달의민족 주아" panose="02020603020101020101" pitchFamily="18" charset="-127"/>
+                <a:ea typeface="배달의민족 주아" panose="02020603020101020101" pitchFamily="18" charset="-127"/>
+              </a:rPr>
+              <a:t>조준형</a:t>
+            </a:r>
+          </a:p>
+          <a:p>
+            <a:endParaRPr lang="ko-KR" altLang="en-US" sz="800" b="1" dirty="0">
+              <a:latin typeface="배달의민족 주아" panose="02020603020101020101" pitchFamily="18" charset="-127"/>
+              <a:ea typeface="배달의민족 주아" panose="02020603020101020101" pitchFamily="18" charset="-127"/>
+            </a:endParaRPr>
+          </a:p>
+          <a:p>
+            <a:r>
+              <a:rPr lang="ko-KR" altLang="en-US" sz="800" b="1" dirty="0">
+                <a:latin typeface="배달의민족 주아" panose="02020603020101020101" pitchFamily="18" charset="-127"/>
+                <a:ea typeface="배달의민족 주아" panose="02020603020101020101" pitchFamily="18" charset="-127"/>
+              </a:rPr>
+              <a:t>나이 </a:t>
+            </a:r>
+            <a:r>
+              <a:rPr lang="en-US" altLang="ko-KR" sz="800" b="1" dirty="0">
+                <a:latin typeface="배달의민족 주아" panose="02020603020101020101" pitchFamily="18" charset="-127"/>
+                <a:ea typeface="배달의민족 주아" panose="02020603020101020101" pitchFamily="18" charset="-127"/>
+              </a:rPr>
+              <a:t>: 26</a:t>
+            </a:r>
+          </a:p>
+          <a:p>
+            <a:endParaRPr lang="en-US" altLang="ko-KR" sz="800" b="1" dirty="0">
+              <a:latin typeface="배달의민족 주아" panose="02020603020101020101" pitchFamily="18" charset="-127"/>
+              <a:ea typeface="배달의민족 주아" panose="02020603020101020101" pitchFamily="18" charset="-127"/>
+            </a:endParaRPr>
+          </a:p>
+          <a:p>
+            <a:r>
+              <a:rPr lang="ko-KR" altLang="en-US" sz="800" b="1" dirty="0">
+                <a:latin typeface="배달의민족 주아" panose="02020603020101020101" pitchFamily="18" charset="-127"/>
+                <a:ea typeface="배달의민족 주아" panose="02020603020101020101" pitchFamily="18" charset="-127"/>
+              </a:rPr>
+              <a:t>관심분야 </a:t>
+            </a:r>
+            <a:r>
+              <a:rPr lang="en-US" altLang="ko-KR" sz="800" b="1" dirty="0">
+                <a:latin typeface="배달의민족 주아" panose="02020603020101020101" pitchFamily="18" charset="-127"/>
+                <a:ea typeface="배달의민족 주아" panose="02020603020101020101" pitchFamily="18" charset="-127"/>
+              </a:rPr>
+              <a:t>: </a:t>
+            </a:r>
+            <a:r>
+              <a:rPr lang="ko-KR" altLang="en-US" sz="800" b="1" dirty="0">
+                <a:latin typeface="배달의민족 주아" panose="02020603020101020101" pitchFamily="18" charset="-127"/>
+                <a:ea typeface="배달의민족 주아" panose="02020603020101020101" pitchFamily="18" charset="-127"/>
+              </a:rPr>
+              <a:t>프론트엔드</a:t>
+            </a:r>
+          </a:p>
+          <a:p>
+            <a:endParaRPr lang="ko-KR" altLang="en-US" sz="800" b="1" dirty="0">
+              <a:latin typeface="배달의민족 주아" panose="02020603020101020101" pitchFamily="18" charset="-127"/>
+              <a:ea typeface="배달의민족 주아" panose="02020603020101020101" pitchFamily="18" charset="-127"/>
+            </a:endParaRPr>
+          </a:p>
+          <a:p>
+            <a:r>
+              <a:rPr lang="ko-KR" altLang="en-US" sz="800" b="1" dirty="0">
+                <a:latin typeface="배달의민족 주아" panose="02020603020101020101" pitchFamily="18" charset="-127"/>
+                <a:ea typeface="배달의민족 주아" panose="02020603020101020101" pitchFamily="18" charset="-127"/>
+              </a:rPr>
+              <a:t>요구사항 </a:t>
+            </a:r>
+            <a:r>
+              <a:rPr lang="en-US" altLang="ko-KR" sz="800" b="1" dirty="0">
+                <a:latin typeface="배달의민족 주아" panose="02020603020101020101" pitchFamily="18" charset="-127"/>
+                <a:ea typeface="배달의민족 주아" panose="02020603020101020101" pitchFamily="18" charset="-127"/>
+              </a:rPr>
+              <a:t>: </a:t>
+            </a:r>
+            <a:r>
+              <a:rPr lang="ko-KR" altLang="en-US" sz="800" b="1" dirty="0">
+                <a:latin typeface="배달의민족 주아" panose="02020603020101020101" pitchFamily="18" charset="-127"/>
+                <a:ea typeface="배달의민족 주아" panose="02020603020101020101" pitchFamily="18" charset="-127"/>
+              </a:rPr>
+              <a:t>닌텐도 스위치가 사고싶어요</a:t>
+            </a:r>
+            <a:r>
+              <a:rPr lang="en-US" altLang="ko-KR" sz="800" b="1" dirty="0">
+                <a:latin typeface="배달의민족 주아" panose="02020603020101020101" pitchFamily="18" charset="-127"/>
+                <a:ea typeface="배달의민족 주아" panose="02020603020101020101" pitchFamily="18" charset="-127"/>
+              </a:rPr>
+              <a:t>.</a:t>
+            </a:r>
+          </a:p>
+          <a:p>
+            <a:endParaRPr lang="en-US" altLang="ko-KR" sz="800" b="1" dirty="0">
+              <a:latin typeface="배달의민족 주아" panose="02020603020101020101" pitchFamily="18" charset="-127"/>
+              <a:ea typeface="배달의민족 주아" panose="02020603020101020101" pitchFamily="18" charset="-127"/>
+            </a:endParaRPr>
+          </a:p>
+          <a:p>
+            <a:r>
+              <a:rPr lang="ko-KR" altLang="en-US" sz="800" b="1" dirty="0">
+                <a:latin typeface="배달의민족 주아" panose="02020603020101020101" pitchFamily="18" charset="-127"/>
+                <a:ea typeface="배달의민족 주아" panose="02020603020101020101" pitchFamily="18" charset="-127"/>
+              </a:rPr>
+              <a:t>입장시간 </a:t>
+            </a:r>
+            <a:r>
+              <a:rPr lang="en-US" altLang="ko-KR" sz="800" b="1" dirty="0">
+                <a:latin typeface="배달의민족 주아" panose="02020603020101020101" pitchFamily="18" charset="-127"/>
+                <a:ea typeface="배달의민족 주아" panose="02020603020101020101" pitchFamily="18" charset="-127"/>
+              </a:rPr>
+              <a:t>: 2021-04-06 18:50:39</a:t>
+            </a:r>
+          </a:p>
+          <a:p>
+            <a:endParaRPr lang="en-US" altLang="ko-KR" sz="800" b="1" dirty="0">
+              <a:latin typeface="배달의민족 주아" panose="02020603020101020101" pitchFamily="18" charset="-127"/>
+              <a:ea typeface="배달의민족 주아" panose="02020603020101020101" pitchFamily="18" charset="-127"/>
+            </a:endParaRPr>
+          </a:p>
+          <a:p>
+            <a:r>
+              <a:rPr lang="ko-KR" altLang="en-US" sz="800" b="1" dirty="0">
+                <a:latin typeface="배달의민족 주아" panose="02020603020101020101" pitchFamily="18" charset="-127"/>
+                <a:ea typeface="배달의민족 주아" panose="02020603020101020101" pitchFamily="18" charset="-127"/>
+              </a:rPr>
+              <a:t>퇴장시간 </a:t>
+            </a:r>
+            <a:r>
+              <a:rPr lang="en-US" altLang="ko-KR" sz="800" b="1" dirty="0">
+                <a:latin typeface="배달의민족 주아" panose="02020603020101020101" pitchFamily="18" charset="-127"/>
+                <a:ea typeface="배달의민족 주아" panose="02020603020101020101" pitchFamily="18" charset="-127"/>
+              </a:rPr>
+              <a:t>: 2021-04-07 14:19:16</a:t>
+            </a:r>
+            <a:endParaRPr lang="ko-KR" altLang="en-US" sz="800" b="1" dirty="0">
+              <a:latin typeface="배달의민족 주아" panose="02020603020101020101" pitchFamily="18" charset="-127"/>
+              <a:ea typeface="배달의민족 주아" panose="02020603020101020101" pitchFamily="18" charset="-127"/>
+            </a:endParaRPr>
+          </a:p>
+        </p:txBody>
+      </p:sp>
+      <p:pic>
+        <p:nvPicPr>
+          <p:cNvPr id="56" name="그림 55"/>
           <p:cNvPicPr>
             <a:picLocks noChangeAspect="1"/>
           </p:cNvPicPr>
@@ -16398,7 +13660,7 @@
         </p:blipFill>
         <p:spPr>
           <a:xfrm>
-            <a:off x="7421018" y="2877413"/>
+            <a:off x="3887633" y="5077338"/>
             <a:ext cx="262471" cy="262471"/>
           </a:xfrm>
           <a:prstGeom prst="rect">
@@ -16408,7 +13670,7 @@
       </p:pic>
       <p:pic>
         <p:nvPicPr>
-          <p:cNvPr id="39" name="그림 38"/>
+          <p:cNvPr id="57" name="그림 56"/>
           <p:cNvPicPr>
             <a:picLocks noChangeAspect="1"/>
           </p:cNvPicPr>
@@ -16428,7 +13690,7 @@
         </p:blipFill>
         <p:spPr>
           <a:xfrm flipH="1">
-            <a:off x="7851765" y="2862089"/>
+            <a:off x="4318380" y="5062014"/>
             <a:ext cx="290158" cy="290158"/>
           </a:xfrm>
           <a:prstGeom prst="rect">
@@ -16436,9 +13698,306 @@
           </a:prstGeom>
         </p:spPr>
       </p:pic>
+      <p:sp>
+        <p:nvSpPr>
+          <p:cNvPr id="58" name="모서리가 둥근 직사각형 57"/>
+          <p:cNvSpPr/>
+          <p:nvPr/>
+        </p:nvSpPr>
+        <p:spPr>
+          <a:xfrm>
+            <a:off x="3467188" y="2222958"/>
+            <a:ext cx="1662546" cy="3176897"/>
+          </a:xfrm>
+          <a:prstGeom prst="roundRect">
+            <a:avLst/>
+          </a:prstGeom>
+          <a:noFill/>
+          <a:ln w="38100">
+            <a:solidFill>
+              <a:srgbClr val="192537"/>
+            </a:solidFill>
+          </a:ln>
+        </p:spPr>
+        <p:style>
+          <a:lnRef idx="2">
+            <a:schemeClr val="accent1">
+              <a:shade val="50000"/>
+            </a:schemeClr>
+          </a:lnRef>
+          <a:fillRef idx="1">
+            <a:schemeClr val="accent1"/>
+          </a:fillRef>
+          <a:effectRef idx="0">
+            <a:schemeClr val="accent1"/>
+          </a:effectRef>
+          <a:fontRef idx="minor">
+            <a:schemeClr val="lt1"/>
+          </a:fontRef>
+        </p:style>
+        <p:txBody>
+          <a:bodyPr rtlCol="0" anchor="ctr"/>
+          <a:lstStyle/>
+          <a:p>
+            <a:pPr algn="ctr"/>
+            <a:endParaRPr lang="ko-KR" altLang="en-US"/>
+          </a:p>
+        </p:txBody>
+      </p:sp>
+      <p:cxnSp>
+        <p:nvCxnSpPr>
+          <p:cNvPr id="59" name="직선 연결선 58"/>
+          <p:cNvCxnSpPr/>
+          <p:nvPr/>
+        </p:nvCxnSpPr>
+        <p:spPr>
+          <a:xfrm>
+            <a:off x="3468574" y="3277418"/>
+            <a:ext cx="1661160" cy="0"/>
+          </a:xfrm>
+          <a:prstGeom prst="line">
+            <a:avLst/>
+          </a:prstGeom>
+          <a:ln w="28575">
+            <a:solidFill>
+              <a:srgbClr val="192537"/>
+            </a:solidFill>
+          </a:ln>
+        </p:spPr>
+        <p:style>
+          <a:lnRef idx="1">
+            <a:schemeClr val="accent1"/>
+          </a:lnRef>
+          <a:fillRef idx="0">
+            <a:schemeClr val="accent1"/>
+          </a:fillRef>
+          <a:effectRef idx="0">
+            <a:schemeClr val="accent1"/>
+          </a:effectRef>
+          <a:fontRef idx="minor">
+            <a:schemeClr val="tx1"/>
+          </a:fontRef>
+        </p:style>
+      </p:cxnSp>
+      <p:cxnSp>
+        <p:nvCxnSpPr>
+          <p:cNvPr id="60" name="직선 연결선 59"/>
+          <p:cNvCxnSpPr/>
+          <p:nvPr/>
+        </p:nvCxnSpPr>
+        <p:spPr>
+          <a:xfrm>
+            <a:off x="3468574" y="5030523"/>
+            <a:ext cx="1661160" cy="0"/>
+          </a:xfrm>
+          <a:prstGeom prst="line">
+            <a:avLst/>
+          </a:prstGeom>
+          <a:ln w="28575">
+            <a:solidFill>
+              <a:srgbClr val="192537"/>
+            </a:solidFill>
+          </a:ln>
+        </p:spPr>
+        <p:style>
+          <a:lnRef idx="1">
+            <a:schemeClr val="accent1"/>
+          </a:lnRef>
+          <a:fillRef idx="0">
+            <a:schemeClr val="accent1"/>
+          </a:fillRef>
+          <a:effectRef idx="0">
+            <a:schemeClr val="accent1"/>
+          </a:effectRef>
+          <a:fontRef idx="minor">
+            <a:schemeClr val="tx1"/>
+          </a:fontRef>
+        </p:style>
+      </p:cxnSp>
+      <p:sp>
+        <p:nvSpPr>
+          <p:cNvPr id="62" name="TextBox 61"/>
+          <p:cNvSpPr txBox="1"/>
+          <p:nvPr/>
+        </p:nvSpPr>
+        <p:spPr>
+          <a:xfrm>
+            <a:off x="3437896" y="3390734"/>
+            <a:ext cx="1691838" cy="1446550"/>
+          </a:xfrm>
+          <a:prstGeom prst="rect">
+            <a:avLst/>
+          </a:prstGeom>
+          <a:noFill/>
+        </p:spPr>
+        <p:txBody>
+          <a:bodyPr wrap="square" rtlCol="0">
+            <a:spAutoFit/>
+          </a:bodyPr>
+          <a:lstStyle/>
+          <a:p>
+            <a:r>
+              <a:rPr lang="ko-KR" altLang="en-US" sz="800" b="1" dirty="0">
+                <a:latin typeface="배달의민족 주아" panose="02020603020101020101" pitchFamily="18" charset="-127"/>
+                <a:ea typeface="배달의민족 주아" panose="02020603020101020101" pitchFamily="18" charset="-127"/>
+              </a:rPr>
+              <a:t>이름 </a:t>
+            </a:r>
+            <a:r>
+              <a:rPr lang="en-US" altLang="ko-KR" sz="800" b="1" dirty="0">
+                <a:latin typeface="배달의민족 주아" panose="02020603020101020101" pitchFamily="18" charset="-127"/>
+                <a:ea typeface="배달의민족 주아" panose="02020603020101020101" pitchFamily="18" charset="-127"/>
+              </a:rPr>
+              <a:t>: </a:t>
+            </a:r>
+            <a:r>
+              <a:rPr lang="ko-KR" altLang="en-US" sz="800" b="1" dirty="0">
+                <a:latin typeface="배달의민족 주아" panose="02020603020101020101" pitchFamily="18" charset="-127"/>
+                <a:ea typeface="배달의민족 주아" panose="02020603020101020101" pitchFamily="18" charset="-127"/>
+              </a:rPr>
+              <a:t>조준형</a:t>
+            </a:r>
+          </a:p>
+          <a:p>
+            <a:endParaRPr lang="ko-KR" altLang="en-US" sz="800" b="1" dirty="0">
+              <a:latin typeface="배달의민족 주아" panose="02020603020101020101" pitchFamily="18" charset="-127"/>
+              <a:ea typeface="배달의민족 주아" panose="02020603020101020101" pitchFamily="18" charset="-127"/>
+            </a:endParaRPr>
+          </a:p>
+          <a:p>
+            <a:r>
+              <a:rPr lang="ko-KR" altLang="en-US" sz="800" b="1" dirty="0">
+                <a:latin typeface="배달의민족 주아" panose="02020603020101020101" pitchFamily="18" charset="-127"/>
+                <a:ea typeface="배달의민족 주아" panose="02020603020101020101" pitchFamily="18" charset="-127"/>
+              </a:rPr>
+              <a:t>나이 </a:t>
+            </a:r>
+            <a:r>
+              <a:rPr lang="en-US" altLang="ko-KR" sz="800" b="1" dirty="0">
+                <a:latin typeface="배달의민족 주아" panose="02020603020101020101" pitchFamily="18" charset="-127"/>
+                <a:ea typeface="배달의민족 주아" panose="02020603020101020101" pitchFamily="18" charset="-127"/>
+              </a:rPr>
+              <a:t>: 26</a:t>
+            </a:r>
+          </a:p>
+          <a:p>
+            <a:endParaRPr lang="en-US" altLang="ko-KR" sz="800" b="1" dirty="0">
+              <a:latin typeface="배달의민족 주아" panose="02020603020101020101" pitchFamily="18" charset="-127"/>
+              <a:ea typeface="배달의민족 주아" panose="02020603020101020101" pitchFamily="18" charset="-127"/>
+            </a:endParaRPr>
+          </a:p>
+          <a:p>
+            <a:r>
+              <a:rPr lang="ko-KR" altLang="en-US" sz="800" b="1" dirty="0">
+                <a:latin typeface="배달의민족 주아" panose="02020603020101020101" pitchFamily="18" charset="-127"/>
+                <a:ea typeface="배달의민족 주아" panose="02020603020101020101" pitchFamily="18" charset="-127"/>
+              </a:rPr>
+              <a:t>관심분야 </a:t>
+            </a:r>
+            <a:r>
+              <a:rPr lang="en-US" altLang="ko-KR" sz="800" b="1" dirty="0">
+                <a:latin typeface="배달의민족 주아" panose="02020603020101020101" pitchFamily="18" charset="-127"/>
+                <a:ea typeface="배달의민족 주아" panose="02020603020101020101" pitchFamily="18" charset="-127"/>
+              </a:rPr>
+              <a:t>: </a:t>
+            </a:r>
+            <a:r>
+              <a:rPr lang="ko-KR" altLang="en-US" sz="800" b="1" dirty="0">
+                <a:latin typeface="배달의민족 주아" panose="02020603020101020101" pitchFamily="18" charset="-127"/>
+                <a:ea typeface="배달의민족 주아" panose="02020603020101020101" pitchFamily="18" charset="-127"/>
+              </a:rPr>
+              <a:t>프론트엔드</a:t>
+            </a:r>
+          </a:p>
+          <a:p>
+            <a:endParaRPr lang="ko-KR" altLang="en-US" sz="800" b="1" dirty="0">
+              <a:latin typeface="배달의민족 주아" panose="02020603020101020101" pitchFamily="18" charset="-127"/>
+              <a:ea typeface="배달의민족 주아" panose="02020603020101020101" pitchFamily="18" charset="-127"/>
+            </a:endParaRPr>
+          </a:p>
+          <a:p>
+            <a:r>
+              <a:rPr lang="ko-KR" altLang="en-US" sz="800" b="1" dirty="0">
+                <a:latin typeface="배달의민족 주아" panose="02020603020101020101" pitchFamily="18" charset="-127"/>
+                <a:ea typeface="배달의민족 주아" panose="02020603020101020101" pitchFamily="18" charset="-127"/>
+              </a:rPr>
+              <a:t>요구사항 </a:t>
+            </a:r>
+            <a:r>
+              <a:rPr lang="en-US" altLang="ko-KR" sz="800" b="1" dirty="0">
+                <a:latin typeface="배달의민족 주아" panose="02020603020101020101" pitchFamily="18" charset="-127"/>
+                <a:ea typeface="배달의민족 주아" panose="02020603020101020101" pitchFamily="18" charset="-127"/>
+              </a:rPr>
+              <a:t>: </a:t>
+            </a:r>
+            <a:r>
+              <a:rPr lang="ko-KR" altLang="en-US" sz="800" b="1" dirty="0">
+                <a:latin typeface="배달의민족 주아" panose="02020603020101020101" pitchFamily="18" charset="-127"/>
+                <a:ea typeface="배달의민족 주아" panose="02020603020101020101" pitchFamily="18" charset="-127"/>
+              </a:rPr>
+              <a:t>닌텐도 스위치가 사고싶어요</a:t>
+            </a:r>
+            <a:r>
+              <a:rPr lang="en-US" altLang="ko-KR" sz="800" b="1" dirty="0">
+                <a:latin typeface="배달의민족 주아" panose="02020603020101020101" pitchFamily="18" charset="-127"/>
+                <a:ea typeface="배달의민족 주아" panose="02020603020101020101" pitchFamily="18" charset="-127"/>
+              </a:rPr>
+              <a:t>.</a:t>
+            </a:r>
+          </a:p>
+          <a:p>
+            <a:endParaRPr lang="en-US" altLang="ko-KR" sz="800" b="1" dirty="0">
+              <a:latin typeface="배달의민족 주아" panose="02020603020101020101" pitchFamily="18" charset="-127"/>
+              <a:ea typeface="배달의민족 주아" panose="02020603020101020101" pitchFamily="18" charset="-127"/>
+            </a:endParaRPr>
+          </a:p>
+          <a:p>
+            <a:r>
+              <a:rPr lang="ko-KR" altLang="en-US" sz="800" b="1" dirty="0">
+                <a:latin typeface="배달의민족 주아" panose="02020603020101020101" pitchFamily="18" charset="-127"/>
+                <a:ea typeface="배달의민족 주아" panose="02020603020101020101" pitchFamily="18" charset="-127"/>
+              </a:rPr>
+              <a:t>입장시간 </a:t>
+            </a:r>
+            <a:r>
+              <a:rPr lang="en-US" altLang="ko-KR" sz="800" b="1" dirty="0">
+                <a:latin typeface="배달의민족 주아" panose="02020603020101020101" pitchFamily="18" charset="-127"/>
+                <a:ea typeface="배달의민족 주아" panose="02020603020101020101" pitchFamily="18" charset="-127"/>
+              </a:rPr>
+              <a:t>: 2021-04-06 18:50:39</a:t>
+            </a:r>
+          </a:p>
+          <a:p>
+            <a:endParaRPr lang="en-US" altLang="ko-KR" sz="800" b="1" dirty="0">
+              <a:latin typeface="배달의민족 주아" panose="02020603020101020101" pitchFamily="18" charset="-127"/>
+              <a:ea typeface="배달의민족 주아" panose="02020603020101020101" pitchFamily="18" charset="-127"/>
+            </a:endParaRPr>
+          </a:p>
+          <a:p>
+            <a:r>
+              <a:rPr lang="ko-KR" altLang="en-US" sz="800" b="1" dirty="0">
+                <a:latin typeface="배달의민족 주아" panose="02020603020101020101" pitchFamily="18" charset="-127"/>
+                <a:ea typeface="배달의민족 주아" panose="02020603020101020101" pitchFamily="18" charset="-127"/>
+              </a:rPr>
+              <a:t>퇴장시간 </a:t>
+            </a:r>
+            <a:r>
+              <a:rPr lang="en-US" altLang="ko-KR" sz="800" b="1" dirty="0">
+                <a:latin typeface="배달의민족 주아" panose="02020603020101020101" pitchFamily="18" charset="-127"/>
+                <a:ea typeface="배달의민족 주아" panose="02020603020101020101" pitchFamily="18" charset="-127"/>
+              </a:rPr>
+              <a:t>: 2021-04-07 14:19:16</a:t>
+            </a:r>
+            <a:endParaRPr lang="ko-KR" altLang="en-US" sz="800" b="1" dirty="0">
+              <a:latin typeface="배달의민족 주아" panose="02020603020101020101" pitchFamily="18" charset="-127"/>
+              <a:ea typeface="배달의민족 주아" panose="02020603020101020101" pitchFamily="18" charset="-127"/>
+            </a:endParaRPr>
+          </a:p>
+        </p:txBody>
+      </p:sp>
       <p:pic>
         <p:nvPicPr>
-          <p:cNvPr id="40" name="그림 39"/>
+          <p:cNvPr id="63" name="그림 62"/>
           <p:cNvPicPr>
             <a:picLocks noChangeAspect="1"/>
           </p:cNvPicPr>
@@ -16458,7 +14017,7 @@
         </p:blipFill>
         <p:spPr>
           <a:xfrm>
-            <a:off x="7421018" y="3246745"/>
+            <a:off x="6292299" y="5095648"/>
             <a:ext cx="262471" cy="262471"/>
           </a:xfrm>
           <a:prstGeom prst="rect">
@@ -16468,7 +14027,7 @@
       </p:pic>
       <p:pic>
         <p:nvPicPr>
-          <p:cNvPr id="41" name="그림 40"/>
+          <p:cNvPr id="64" name="그림 63"/>
           <p:cNvPicPr>
             <a:picLocks noChangeAspect="1"/>
           </p:cNvPicPr>
@@ -16488,27 +14047,557 @@
         </p:blipFill>
         <p:spPr>
           <a:xfrm flipH="1">
-            <a:off x="7851765" y="3231421"/>
+            <a:off x="6723046" y="5080324"/>
             <a:ext cx="290158" cy="290158"/>
           </a:xfrm>
           <a:prstGeom prst="rect">
             <a:avLst/>
           </a:prstGeom>
+        </p:spPr>
+      </p:pic>
+      <p:sp>
+        <p:nvSpPr>
+          <p:cNvPr id="65" name="모서리가 둥근 직사각형 64"/>
+          <p:cNvSpPr/>
+          <p:nvPr/>
+        </p:nvSpPr>
+        <p:spPr>
+          <a:xfrm>
+            <a:off x="5871854" y="2241268"/>
+            <a:ext cx="1662546" cy="3176897"/>
+          </a:xfrm>
+          <a:prstGeom prst="roundRect">
+            <a:avLst/>
+          </a:prstGeom>
+          <a:noFill/>
+          <a:ln w="38100">
+            <a:solidFill>
+              <a:srgbClr val="192537"/>
+            </a:solidFill>
+          </a:ln>
+        </p:spPr>
+        <p:style>
+          <a:lnRef idx="2">
+            <a:schemeClr val="accent1">
+              <a:shade val="50000"/>
+            </a:schemeClr>
+          </a:lnRef>
+          <a:fillRef idx="1">
+            <a:schemeClr val="accent1"/>
+          </a:fillRef>
+          <a:effectRef idx="0">
+            <a:schemeClr val="accent1"/>
+          </a:effectRef>
+          <a:fontRef idx="minor">
+            <a:schemeClr val="lt1"/>
+          </a:fontRef>
+        </p:style>
+        <p:txBody>
+          <a:bodyPr rtlCol="0" anchor="ctr"/>
+          <a:lstStyle/>
+          <a:p>
+            <a:pPr algn="ctr"/>
+            <a:endParaRPr lang="ko-KR" altLang="en-US"/>
+          </a:p>
+        </p:txBody>
+      </p:sp>
+      <p:cxnSp>
+        <p:nvCxnSpPr>
+          <p:cNvPr id="66" name="직선 연결선 65"/>
+          <p:cNvCxnSpPr/>
+          <p:nvPr/>
+        </p:nvCxnSpPr>
+        <p:spPr>
+          <a:xfrm>
+            <a:off x="5873240" y="3295728"/>
+            <a:ext cx="1661160" cy="0"/>
+          </a:xfrm>
+          <a:prstGeom prst="line">
+            <a:avLst/>
+          </a:prstGeom>
+          <a:ln w="28575">
+            <a:solidFill>
+              <a:srgbClr val="192537"/>
+            </a:solidFill>
+          </a:ln>
+        </p:spPr>
+        <p:style>
+          <a:lnRef idx="1">
+            <a:schemeClr val="accent1"/>
+          </a:lnRef>
+          <a:fillRef idx="0">
+            <a:schemeClr val="accent1"/>
+          </a:fillRef>
+          <a:effectRef idx="0">
+            <a:schemeClr val="accent1"/>
+          </a:effectRef>
+          <a:fontRef idx="minor">
+            <a:schemeClr val="tx1"/>
+          </a:fontRef>
+        </p:style>
+      </p:cxnSp>
+      <p:cxnSp>
+        <p:nvCxnSpPr>
+          <p:cNvPr id="67" name="직선 연결선 66"/>
+          <p:cNvCxnSpPr/>
+          <p:nvPr/>
+        </p:nvCxnSpPr>
+        <p:spPr>
+          <a:xfrm>
+            <a:off x="5873240" y="5048833"/>
+            <a:ext cx="1661160" cy="0"/>
+          </a:xfrm>
+          <a:prstGeom prst="line">
+            <a:avLst/>
+          </a:prstGeom>
+          <a:ln w="28575">
+            <a:solidFill>
+              <a:srgbClr val="192537"/>
+            </a:solidFill>
+          </a:ln>
+        </p:spPr>
+        <p:style>
+          <a:lnRef idx="1">
+            <a:schemeClr val="accent1"/>
+          </a:lnRef>
+          <a:fillRef idx="0">
+            <a:schemeClr val="accent1"/>
+          </a:fillRef>
+          <a:effectRef idx="0">
+            <a:schemeClr val="accent1"/>
+          </a:effectRef>
+          <a:fontRef idx="minor">
+            <a:schemeClr val="tx1"/>
+          </a:fontRef>
+        </p:style>
+      </p:cxnSp>
+      <p:sp>
+        <p:nvSpPr>
+          <p:cNvPr id="69" name="TextBox 68"/>
+          <p:cNvSpPr txBox="1"/>
+          <p:nvPr/>
+        </p:nvSpPr>
+        <p:spPr>
+          <a:xfrm>
+            <a:off x="5842562" y="3409044"/>
+            <a:ext cx="1691838" cy="1446550"/>
+          </a:xfrm>
+          <a:prstGeom prst="rect">
+            <a:avLst/>
+          </a:prstGeom>
+          <a:noFill/>
+        </p:spPr>
+        <p:txBody>
+          <a:bodyPr wrap="square" rtlCol="0">
+            <a:spAutoFit/>
+          </a:bodyPr>
+          <a:lstStyle/>
+          <a:p>
+            <a:r>
+              <a:rPr lang="ko-KR" altLang="en-US" sz="800" b="1" dirty="0">
+                <a:latin typeface="배달의민족 주아" panose="02020603020101020101" pitchFamily="18" charset="-127"/>
+                <a:ea typeface="배달의민족 주아" panose="02020603020101020101" pitchFamily="18" charset="-127"/>
+              </a:rPr>
+              <a:t>이름 </a:t>
+            </a:r>
+            <a:r>
+              <a:rPr lang="en-US" altLang="ko-KR" sz="800" b="1" dirty="0">
+                <a:latin typeface="배달의민족 주아" panose="02020603020101020101" pitchFamily="18" charset="-127"/>
+                <a:ea typeface="배달의민족 주아" panose="02020603020101020101" pitchFamily="18" charset="-127"/>
+              </a:rPr>
+              <a:t>: </a:t>
+            </a:r>
+            <a:r>
+              <a:rPr lang="ko-KR" altLang="en-US" sz="800" b="1" dirty="0">
+                <a:latin typeface="배달의민족 주아" panose="02020603020101020101" pitchFamily="18" charset="-127"/>
+                <a:ea typeface="배달의민족 주아" panose="02020603020101020101" pitchFamily="18" charset="-127"/>
+              </a:rPr>
+              <a:t>조준형</a:t>
+            </a:r>
+          </a:p>
+          <a:p>
+            <a:endParaRPr lang="ko-KR" altLang="en-US" sz="800" b="1" dirty="0">
+              <a:latin typeface="배달의민족 주아" panose="02020603020101020101" pitchFamily="18" charset="-127"/>
+              <a:ea typeface="배달의민족 주아" panose="02020603020101020101" pitchFamily="18" charset="-127"/>
+            </a:endParaRPr>
+          </a:p>
+          <a:p>
+            <a:r>
+              <a:rPr lang="ko-KR" altLang="en-US" sz="800" b="1" dirty="0">
+                <a:latin typeface="배달의민족 주아" panose="02020603020101020101" pitchFamily="18" charset="-127"/>
+                <a:ea typeface="배달의민족 주아" panose="02020603020101020101" pitchFamily="18" charset="-127"/>
+              </a:rPr>
+              <a:t>나이 </a:t>
+            </a:r>
+            <a:r>
+              <a:rPr lang="en-US" altLang="ko-KR" sz="800" b="1" dirty="0">
+                <a:latin typeface="배달의민족 주아" panose="02020603020101020101" pitchFamily="18" charset="-127"/>
+                <a:ea typeface="배달의민족 주아" panose="02020603020101020101" pitchFamily="18" charset="-127"/>
+              </a:rPr>
+              <a:t>: 26</a:t>
+            </a:r>
+          </a:p>
+          <a:p>
+            <a:endParaRPr lang="en-US" altLang="ko-KR" sz="800" b="1" dirty="0">
+              <a:latin typeface="배달의민족 주아" panose="02020603020101020101" pitchFamily="18" charset="-127"/>
+              <a:ea typeface="배달의민족 주아" panose="02020603020101020101" pitchFamily="18" charset="-127"/>
+            </a:endParaRPr>
+          </a:p>
+          <a:p>
+            <a:r>
+              <a:rPr lang="ko-KR" altLang="en-US" sz="800" b="1" dirty="0">
+                <a:latin typeface="배달의민족 주아" panose="02020603020101020101" pitchFamily="18" charset="-127"/>
+                <a:ea typeface="배달의민족 주아" panose="02020603020101020101" pitchFamily="18" charset="-127"/>
+              </a:rPr>
+              <a:t>관심분야 </a:t>
+            </a:r>
+            <a:r>
+              <a:rPr lang="en-US" altLang="ko-KR" sz="800" b="1" dirty="0">
+                <a:latin typeface="배달의민족 주아" panose="02020603020101020101" pitchFamily="18" charset="-127"/>
+                <a:ea typeface="배달의민족 주아" panose="02020603020101020101" pitchFamily="18" charset="-127"/>
+              </a:rPr>
+              <a:t>: </a:t>
+            </a:r>
+            <a:r>
+              <a:rPr lang="ko-KR" altLang="en-US" sz="800" b="1" dirty="0">
+                <a:latin typeface="배달의민족 주아" panose="02020603020101020101" pitchFamily="18" charset="-127"/>
+                <a:ea typeface="배달의민족 주아" panose="02020603020101020101" pitchFamily="18" charset="-127"/>
+              </a:rPr>
+              <a:t>프론트엔드</a:t>
+            </a:r>
+          </a:p>
+          <a:p>
+            <a:endParaRPr lang="ko-KR" altLang="en-US" sz="800" b="1" dirty="0">
+              <a:latin typeface="배달의민족 주아" panose="02020603020101020101" pitchFamily="18" charset="-127"/>
+              <a:ea typeface="배달의민족 주아" panose="02020603020101020101" pitchFamily="18" charset="-127"/>
+            </a:endParaRPr>
+          </a:p>
+          <a:p>
+            <a:r>
+              <a:rPr lang="ko-KR" altLang="en-US" sz="800" b="1" dirty="0">
+                <a:latin typeface="배달의민족 주아" panose="02020603020101020101" pitchFamily="18" charset="-127"/>
+                <a:ea typeface="배달의민족 주아" panose="02020603020101020101" pitchFamily="18" charset="-127"/>
+              </a:rPr>
+              <a:t>요구사항 </a:t>
+            </a:r>
+            <a:r>
+              <a:rPr lang="en-US" altLang="ko-KR" sz="800" b="1" dirty="0">
+                <a:latin typeface="배달의민족 주아" panose="02020603020101020101" pitchFamily="18" charset="-127"/>
+                <a:ea typeface="배달의민족 주아" panose="02020603020101020101" pitchFamily="18" charset="-127"/>
+              </a:rPr>
+              <a:t>: </a:t>
+            </a:r>
+            <a:r>
+              <a:rPr lang="ko-KR" altLang="en-US" sz="800" b="1" dirty="0">
+                <a:latin typeface="배달의민족 주아" panose="02020603020101020101" pitchFamily="18" charset="-127"/>
+                <a:ea typeface="배달의민족 주아" panose="02020603020101020101" pitchFamily="18" charset="-127"/>
+              </a:rPr>
+              <a:t>닌텐도 스위치가 사고싶어요</a:t>
+            </a:r>
+            <a:r>
+              <a:rPr lang="en-US" altLang="ko-KR" sz="800" b="1" dirty="0">
+                <a:latin typeface="배달의민족 주아" panose="02020603020101020101" pitchFamily="18" charset="-127"/>
+                <a:ea typeface="배달의민족 주아" panose="02020603020101020101" pitchFamily="18" charset="-127"/>
+              </a:rPr>
+              <a:t>.</a:t>
+            </a:r>
+          </a:p>
+          <a:p>
+            <a:endParaRPr lang="en-US" altLang="ko-KR" sz="800" b="1" dirty="0">
+              <a:latin typeface="배달의민족 주아" panose="02020603020101020101" pitchFamily="18" charset="-127"/>
+              <a:ea typeface="배달의민족 주아" panose="02020603020101020101" pitchFamily="18" charset="-127"/>
+            </a:endParaRPr>
+          </a:p>
+          <a:p>
+            <a:r>
+              <a:rPr lang="ko-KR" altLang="en-US" sz="800" b="1" dirty="0">
+                <a:latin typeface="배달의민족 주아" panose="02020603020101020101" pitchFamily="18" charset="-127"/>
+                <a:ea typeface="배달의민족 주아" panose="02020603020101020101" pitchFamily="18" charset="-127"/>
+              </a:rPr>
+              <a:t>입장시간 </a:t>
+            </a:r>
+            <a:r>
+              <a:rPr lang="en-US" altLang="ko-KR" sz="800" b="1" dirty="0">
+                <a:latin typeface="배달의민족 주아" panose="02020603020101020101" pitchFamily="18" charset="-127"/>
+                <a:ea typeface="배달의민족 주아" panose="02020603020101020101" pitchFamily="18" charset="-127"/>
+              </a:rPr>
+              <a:t>: 2021-04-06 18:50:39</a:t>
+            </a:r>
+          </a:p>
+          <a:p>
+            <a:endParaRPr lang="en-US" altLang="ko-KR" sz="800" b="1" dirty="0">
+              <a:latin typeface="배달의민족 주아" panose="02020603020101020101" pitchFamily="18" charset="-127"/>
+              <a:ea typeface="배달의민족 주아" panose="02020603020101020101" pitchFamily="18" charset="-127"/>
+            </a:endParaRPr>
+          </a:p>
+          <a:p>
+            <a:r>
+              <a:rPr lang="ko-KR" altLang="en-US" sz="800" b="1" dirty="0">
+                <a:latin typeface="배달의민족 주아" panose="02020603020101020101" pitchFamily="18" charset="-127"/>
+                <a:ea typeface="배달의민족 주아" panose="02020603020101020101" pitchFamily="18" charset="-127"/>
+              </a:rPr>
+              <a:t>퇴장시간 </a:t>
+            </a:r>
+            <a:r>
+              <a:rPr lang="en-US" altLang="ko-KR" sz="800" b="1" dirty="0">
+                <a:latin typeface="배달의민족 주아" panose="02020603020101020101" pitchFamily="18" charset="-127"/>
+                <a:ea typeface="배달의민족 주아" panose="02020603020101020101" pitchFamily="18" charset="-127"/>
+              </a:rPr>
+              <a:t>: 2021-04-07 14:19:16</a:t>
+            </a:r>
+            <a:endParaRPr lang="ko-KR" altLang="en-US" sz="800" b="1" dirty="0">
+              <a:latin typeface="배달의민족 주아" panose="02020603020101020101" pitchFamily="18" charset="-127"/>
+              <a:ea typeface="배달의민족 주아" panose="02020603020101020101" pitchFamily="18" charset="-127"/>
+            </a:endParaRPr>
+          </a:p>
+        </p:txBody>
+      </p:sp>
+      <p:sp>
+        <p:nvSpPr>
+          <p:cNvPr id="72" name="모서리가 둥근 직사각형 71"/>
+          <p:cNvSpPr/>
+          <p:nvPr/>
+        </p:nvSpPr>
+        <p:spPr>
+          <a:xfrm>
+            <a:off x="1014461" y="5703778"/>
+            <a:ext cx="1662546" cy="1054460"/>
+          </a:xfrm>
+          <a:prstGeom prst="roundRect">
+            <a:avLst/>
+          </a:prstGeom>
+          <a:noFill/>
+          <a:ln w="38100">
+            <a:solidFill>
+              <a:srgbClr val="192537"/>
+            </a:solidFill>
+          </a:ln>
+        </p:spPr>
+        <p:style>
+          <a:lnRef idx="2">
+            <a:schemeClr val="accent1">
+              <a:shade val="50000"/>
+            </a:schemeClr>
+          </a:lnRef>
+          <a:fillRef idx="1">
+            <a:schemeClr val="accent1"/>
+          </a:fillRef>
+          <a:effectRef idx="0">
+            <a:schemeClr val="accent1"/>
+          </a:effectRef>
+          <a:fontRef idx="minor">
+            <a:schemeClr val="lt1"/>
+          </a:fontRef>
+        </p:style>
+        <p:txBody>
+          <a:bodyPr rtlCol="0" anchor="ctr"/>
+          <a:lstStyle/>
+          <a:p>
+            <a:pPr algn="ctr"/>
+            <a:endParaRPr lang="ko-KR" altLang="en-US"/>
+          </a:p>
+        </p:txBody>
+      </p:sp>
+      <p:cxnSp>
+        <p:nvCxnSpPr>
+          <p:cNvPr id="73" name="직선 연결선 72"/>
+          <p:cNvCxnSpPr/>
+          <p:nvPr/>
+        </p:nvCxnSpPr>
+        <p:spPr>
+          <a:xfrm>
+            <a:off x="1015847" y="6758237"/>
+            <a:ext cx="1661160" cy="0"/>
+          </a:xfrm>
+          <a:prstGeom prst="line">
+            <a:avLst/>
+          </a:prstGeom>
+          <a:ln w="28575">
+            <a:solidFill>
+              <a:srgbClr val="192537"/>
+            </a:solidFill>
+          </a:ln>
+        </p:spPr>
+        <p:style>
+          <a:lnRef idx="1">
+            <a:schemeClr val="accent1"/>
+          </a:lnRef>
+          <a:fillRef idx="0">
+            <a:schemeClr val="accent1"/>
+          </a:fillRef>
+          <a:effectRef idx="0">
+            <a:schemeClr val="accent1"/>
+          </a:effectRef>
+          <a:fontRef idx="minor">
+            <a:schemeClr val="tx1"/>
+          </a:fontRef>
+        </p:style>
+      </p:cxnSp>
+      <p:sp>
+        <p:nvSpPr>
+          <p:cNvPr id="77" name="모서리가 둥근 직사각형 76"/>
+          <p:cNvSpPr/>
+          <p:nvPr/>
+        </p:nvSpPr>
+        <p:spPr>
+          <a:xfrm>
+            <a:off x="3437896" y="5748872"/>
+            <a:ext cx="1662546" cy="1054460"/>
+          </a:xfrm>
+          <a:prstGeom prst="roundRect">
+            <a:avLst/>
+          </a:prstGeom>
+          <a:noFill/>
+          <a:ln w="38100">
+            <a:solidFill>
+              <a:srgbClr val="192537"/>
+            </a:solidFill>
+          </a:ln>
+        </p:spPr>
+        <p:style>
+          <a:lnRef idx="2">
+            <a:schemeClr val="accent1">
+              <a:shade val="50000"/>
+            </a:schemeClr>
+          </a:lnRef>
+          <a:fillRef idx="1">
+            <a:schemeClr val="accent1"/>
+          </a:fillRef>
+          <a:effectRef idx="0">
+            <a:schemeClr val="accent1"/>
+          </a:effectRef>
+          <a:fontRef idx="minor">
+            <a:schemeClr val="lt1"/>
+          </a:fontRef>
+        </p:style>
+        <p:txBody>
+          <a:bodyPr rtlCol="0" anchor="ctr"/>
+          <a:lstStyle/>
+          <a:p>
+            <a:pPr algn="ctr"/>
+            <a:endParaRPr lang="ko-KR" altLang="en-US"/>
+          </a:p>
+        </p:txBody>
+      </p:sp>
+      <p:sp>
+        <p:nvSpPr>
+          <p:cNvPr id="79" name="모서리가 둥근 직사각형 78"/>
+          <p:cNvSpPr/>
+          <p:nvPr/>
+        </p:nvSpPr>
+        <p:spPr>
+          <a:xfrm>
+            <a:off x="5871854" y="5765222"/>
+            <a:ext cx="1662546" cy="1054460"/>
+          </a:xfrm>
+          <a:prstGeom prst="roundRect">
+            <a:avLst/>
+          </a:prstGeom>
+          <a:noFill/>
+          <a:ln w="38100">
+            <a:solidFill>
+              <a:srgbClr val="192537"/>
+            </a:solidFill>
+          </a:ln>
+        </p:spPr>
+        <p:style>
+          <a:lnRef idx="2">
+            <a:schemeClr val="accent1">
+              <a:shade val="50000"/>
+            </a:schemeClr>
+          </a:lnRef>
+          <a:fillRef idx="1">
+            <a:schemeClr val="accent1"/>
+          </a:fillRef>
+          <a:effectRef idx="0">
+            <a:schemeClr val="accent1"/>
+          </a:effectRef>
+          <a:fontRef idx="minor">
+            <a:schemeClr val="lt1"/>
+          </a:fontRef>
+        </p:style>
+        <p:txBody>
+          <a:bodyPr rtlCol="0" anchor="ctr"/>
+          <a:lstStyle/>
+          <a:p>
+            <a:pPr algn="ctr"/>
+            <a:endParaRPr lang="ko-KR" altLang="en-US"/>
+          </a:p>
+        </p:txBody>
+      </p:sp>
+      <p:pic>
+        <p:nvPicPr>
+          <p:cNvPr id="80" name="그림 79"/>
+          <p:cNvPicPr preferRelativeResize="0">
+            <a:picLocks/>
+          </p:cNvPicPr>
+          <p:nvPr/>
+        </p:nvPicPr>
+        <p:blipFill rotWithShape="1">
+          <a:blip r:embed="rId5">
+            <a:extLst>
+              <a:ext uri="{BEBA8EAE-BF5A-486C-A8C5-ECC9F3942E4B}">
+                <a14:imgProps xmlns:a14="http://schemas.microsoft.com/office/drawing/2010/main">
+                  <a14:imgLayer r:embed="rId6">
+                    <a14:imgEffect>
+                      <a14:backgroundRemoval t="29514" b="59306" l="34106" r="78035">
+                        <a14:foregroundMark x1="36793" y1="50556" x2="34384" y2="55000"/>
+                        <a14:foregroundMark x1="36979" y1="56111" x2="58665" y2="54306"/>
+                        <a14:foregroundMark x1="57739" y1="55278" x2="58480" y2="56111"/>
+                        <a14:foregroundMark x1="52363" y1="56806" x2="51622" y2="57500"/>
+                        <a14:foregroundMark x1="38091" y1="55833" x2="37720" y2="58056"/>
+                        <a14:foregroundMark x1="37164" y1="53611" x2="34754" y2="54583"/>
+                        <a14:foregroundMark x1="35496" y1="50556" x2="34198" y2="53472"/>
+                        <a14:foregroundMark x1="78035" y1="56944" x2="78035" y2="56944"/>
+                      </a14:backgroundRemoval>
+                    </a14:imgEffect>
+                  </a14:imgLayer>
+                </a14:imgProps>
+              </a:ext>
+            </a:extLst>
+          </a:blip>
+          <a:srcRect l="32205" t="30000" r="36469" b="43056"/>
+          <a:stretch/>
+        </p:blipFill>
+        <p:spPr>
+          <a:xfrm>
+            <a:off x="6292299" y="5783531"/>
+            <a:ext cx="821655" cy="1036150"/>
+          </a:xfrm>
+          <a:prstGeom prst="rect">
+            <a:avLst/>
+          </a:prstGeom>
+          <a:ln w="19050">
+            <a:solidFill>
+              <a:schemeClr val="tx1"/>
+            </a:solidFill>
+          </a:ln>
         </p:spPr>
       </p:pic>
       <p:pic>
         <p:nvPicPr>
-          <p:cNvPr id="42" name="그림 41"/>
-          <p:cNvPicPr>
-            <a:picLocks noChangeAspect="1"/>
+          <p:cNvPr id="43" name="그림 42"/>
+          <p:cNvPicPr preferRelativeResize="0">
+            <a:picLocks/>
           </p:cNvPicPr>
           <p:nvPr/>
         </p:nvPicPr>
         <p:blipFill>
-          <a:blip r:embed="rId3" cstate="print">
+          <a:blip r:embed="rId7">
             <a:extLst>
-              <a:ext uri="{28A0092B-C50C-407E-A947-70E740481C1C}">
-                <a14:useLocalDpi xmlns:a14="http://schemas.microsoft.com/office/drawing/2010/main" val="0"/>
+              <a:ext uri="{BEBA8EAE-BF5A-486C-A8C5-ECC9F3942E4B}">
+                <a14:imgProps xmlns:a14="http://schemas.microsoft.com/office/drawing/2010/main">
+                  <a14:imgLayer r:embed="rId8">
+                    <a14:imgEffect>
+                      <a14:backgroundRemoval t="8168" b="100000" l="0" r="100000">
+                        <a14:foregroundMark x1="91988" y1="88614" x2="91691" y2="94554"/>
+                        <a14:foregroundMark x1="91395" y1="80693" x2="97923" y2="84901"/>
+                        <a14:foregroundMark x1="89021" y1="77228" x2="98220" y2="81436"/>
+                        <a14:backgroundMark x1="17804" y1="69554" x2="8309" y2="77475"/>
+                      </a14:backgroundRemoval>
+                    </a14:imgEffect>
+                  </a14:imgLayer>
+                </a14:imgProps>
               </a:ext>
             </a:extLst>
           </a:blip>
@@ -16518,27 +14607,101 @@
         </p:blipFill>
         <p:spPr>
           <a:xfrm>
-            <a:off x="7421018" y="3616077"/>
-            <a:ext cx="262471" cy="262471"/>
+            <a:off x="3878298" y="2229659"/>
+            <a:ext cx="811034" cy="1042072"/>
           </a:xfrm>
           <a:prstGeom prst="rect">
             <a:avLst/>
           </a:prstGeom>
+          <a:ln w="19050">
+            <a:solidFill>
+              <a:schemeClr val="tx1"/>
+            </a:solidFill>
+          </a:ln>
         </p:spPr>
       </p:pic>
       <p:pic>
         <p:nvPicPr>
-          <p:cNvPr id="43" name="그림 42"/>
-          <p:cNvPicPr>
-            <a:picLocks noChangeAspect="1"/>
+          <p:cNvPr id="44" name="그림 43"/>
+          <p:cNvPicPr preferRelativeResize="0">
+            <a:picLocks/>
           </p:cNvPicPr>
           <p:nvPr/>
         </p:nvPicPr>
         <p:blipFill>
-          <a:blip r:embed="rId4" cstate="print">
+          <a:blip r:embed="rId9"/>
+          <a:stretch>
+            <a:fillRect/>
+          </a:stretch>
+        </p:blipFill>
+        <p:spPr>
+          <a:xfrm>
+            <a:off x="6293204" y="2277429"/>
+            <a:ext cx="820750" cy="994302"/>
+          </a:xfrm>
+          <a:prstGeom prst="rect">
+            <a:avLst/>
+          </a:prstGeom>
+          <a:ln w="19050">
+            <a:solidFill>
+              <a:schemeClr val="tx1"/>
+            </a:solidFill>
+          </a:ln>
+        </p:spPr>
+      </p:pic>
+      <p:pic>
+        <p:nvPicPr>
+          <p:cNvPr id="45" name="그림 44"/>
+          <p:cNvPicPr preferRelativeResize="0">
+            <a:picLocks/>
+          </p:cNvPicPr>
+          <p:nvPr/>
+        </p:nvPicPr>
+        <p:blipFill>
+          <a:blip r:embed="rId9"/>
+          <a:stretch>
+            <a:fillRect/>
+          </a:stretch>
+        </p:blipFill>
+        <p:spPr>
+          <a:xfrm>
+            <a:off x="3868319" y="5781008"/>
+            <a:ext cx="830991" cy="900000"/>
+          </a:xfrm>
+          <a:prstGeom prst="rect">
+            <a:avLst/>
+          </a:prstGeom>
+          <a:ln w="19050">
+            <a:solidFill>
+              <a:schemeClr val="tx1"/>
+            </a:solidFill>
+          </a:ln>
+        </p:spPr>
+      </p:pic>
+      <p:pic>
+        <p:nvPicPr>
+          <p:cNvPr id="46" name="그림 45"/>
+          <p:cNvPicPr preferRelativeResize="0">
+            <a:picLocks/>
+          </p:cNvPicPr>
+          <p:nvPr/>
+        </p:nvPicPr>
+        <p:blipFill>
+          <a:blip r:embed="rId7">
             <a:extLst>
-              <a:ext uri="{28A0092B-C50C-407E-A947-70E740481C1C}">
-                <a14:useLocalDpi xmlns:a14="http://schemas.microsoft.com/office/drawing/2010/main" val="0"/>
+              <a:ext uri="{BEBA8EAE-BF5A-486C-A8C5-ECC9F3942E4B}">
+                <a14:imgProps xmlns:a14="http://schemas.microsoft.com/office/drawing/2010/main">
+                  <a14:imgLayer r:embed="rId8">
+                    <a14:imgEffect>
+                      <a14:backgroundRemoval t="8168" b="100000" l="0" r="100000">
+                        <a14:foregroundMark x1="91988" y1="88614" x2="91691" y2="94554"/>
+                        <a14:foregroundMark x1="91395" y1="80693" x2="97923" y2="84901"/>
+                        <a14:foregroundMark x1="89021" y1="77228" x2="98220" y2="81436"/>
+                        <a14:backgroundMark x1="17804" y1="69554" x2="8309" y2="77475"/>
+                      </a14:backgroundRemoval>
+                    </a14:imgEffect>
+                  </a14:imgLayer>
+                </a14:imgProps>
               </a:ext>
             </a:extLst>
           </a:blip>
@@ -16547,315 +14710,66 @@
           </a:stretch>
         </p:blipFill>
         <p:spPr>
-          <a:xfrm flipH="1">
-            <a:off x="7851765" y="3600753"/>
-            <a:ext cx="290158" cy="290158"/>
+          <a:xfrm>
+            <a:off x="1457748" y="5717503"/>
+            <a:ext cx="811034" cy="1042072"/>
           </a:xfrm>
           <a:prstGeom prst="rect">
             <a:avLst/>
           </a:prstGeom>
+          <a:ln w="19050">
+            <a:solidFill>
+              <a:schemeClr val="tx1"/>
+            </a:solidFill>
+          </a:ln>
         </p:spPr>
       </p:pic>
-      <p:pic>
-        <p:nvPicPr>
-          <p:cNvPr id="44" name="그림 43"/>
-          <p:cNvPicPr>
-            <a:picLocks noChangeAspect="1"/>
-          </p:cNvPicPr>
-          <p:nvPr/>
-        </p:nvPicPr>
-        <p:blipFill>
-          <a:blip r:embed="rId3" cstate="print">
-            <a:extLst>
-              <a:ext uri="{28A0092B-C50C-407E-A947-70E740481C1C}">
-                <a14:useLocalDpi xmlns:a14="http://schemas.microsoft.com/office/drawing/2010/main" val="0"/>
-              </a:ext>
-            </a:extLst>
-          </a:blip>
-          <a:stretch>
-            <a:fillRect/>
-          </a:stretch>
-        </p:blipFill>
-        <p:spPr>
-          <a:xfrm>
-            <a:off x="7421018" y="3999724"/>
-            <a:ext cx="262471" cy="262471"/>
+      <p:sp>
+        <p:nvSpPr>
+          <p:cNvPr id="7" name="직사각형 6"/>
+          <p:cNvSpPr/>
+          <p:nvPr/>
+        </p:nvSpPr>
+        <p:spPr>
+          <a:xfrm>
+            <a:off x="228600" y="6464341"/>
+            <a:ext cx="8348654" cy="419114"/>
           </a:xfrm>
           <a:prstGeom prst="rect">
             <a:avLst/>
           </a:prstGeom>
-        </p:spPr>
-      </p:pic>
-      <p:pic>
-        <p:nvPicPr>
-          <p:cNvPr id="45" name="그림 44"/>
-          <p:cNvPicPr>
-            <a:picLocks noChangeAspect="1"/>
-          </p:cNvPicPr>
-          <p:nvPr/>
-        </p:nvPicPr>
-        <p:blipFill>
-          <a:blip r:embed="rId4" cstate="print">
-            <a:extLst>
-              <a:ext uri="{28A0092B-C50C-407E-A947-70E740481C1C}">
-                <a14:useLocalDpi xmlns:a14="http://schemas.microsoft.com/office/drawing/2010/main" val="0"/>
-              </a:ext>
-            </a:extLst>
-          </a:blip>
-          <a:stretch>
-            <a:fillRect/>
-          </a:stretch>
-        </p:blipFill>
-        <p:spPr>
-          <a:xfrm flipH="1">
-            <a:off x="7851765" y="3984400"/>
-            <a:ext cx="290158" cy="290158"/>
-          </a:xfrm>
-          <a:prstGeom prst="rect">
-            <a:avLst/>
-          </a:prstGeom>
-        </p:spPr>
-      </p:pic>
-      <p:pic>
-        <p:nvPicPr>
-          <p:cNvPr id="46" name="그림 45"/>
-          <p:cNvPicPr>
-            <a:picLocks noChangeAspect="1"/>
-          </p:cNvPicPr>
-          <p:nvPr/>
-        </p:nvPicPr>
-        <p:blipFill>
-          <a:blip r:embed="rId3" cstate="print">
-            <a:extLst>
-              <a:ext uri="{28A0092B-C50C-407E-A947-70E740481C1C}">
-                <a14:useLocalDpi xmlns:a14="http://schemas.microsoft.com/office/drawing/2010/main" val="0"/>
-              </a:ext>
-            </a:extLst>
-          </a:blip>
-          <a:stretch>
-            <a:fillRect/>
-          </a:stretch>
-        </p:blipFill>
-        <p:spPr>
-          <a:xfrm>
-            <a:off x="7421018" y="4369056"/>
-            <a:ext cx="262471" cy="262471"/>
-          </a:xfrm>
-          <a:prstGeom prst="rect">
-            <a:avLst/>
-          </a:prstGeom>
-        </p:spPr>
-      </p:pic>
-      <p:pic>
-        <p:nvPicPr>
-          <p:cNvPr id="47" name="그림 46"/>
-          <p:cNvPicPr>
-            <a:picLocks noChangeAspect="1"/>
-          </p:cNvPicPr>
-          <p:nvPr/>
-        </p:nvPicPr>
-        <p:blipFill>
-          <a:blip r:embed="rId4" cstate="print">
-            <a:extLst>
-              <a:ext uri="{28A0092B-C50C-407E-A947-70E740481C1C}">
-                <a14:useLocalDpi xmlns:a14="http://schemas.microsoft.com/office/drawing/2010/main" val="0"/>
-              </a:ext>
-            </a:extLst>
-          </a:blip>
-          <a:stretch>
-            <a:fillRect/>
-          </a:stretch>
-        </p:blipFill>
-        <p:spPr>
-          <a:xfrm flipH="1">
-            <a:off x="7851765" y="4353732"/>
-            <a:ext cx="290158" cy="290158"/>
-          </a:xfrm>
-          <a:prstGeom prst="rect">
-            <a:avLst/>
-          </a:prstGeom>
-        </p:spPr>
-      </p:pic>
-      <p:pic>
-        <p:nvPicPr>
-          <p:cNvPr id="48" name="그림 47"/>
-          <p:cNvPicPr>
-            <a:picLocks noChangeAspect="1"/>
-          </p:cNvPicPr>
-          <p:nvPr/>
-        </p:nvPicPr>
-        <p:blipFill>
-          <a:blip r:embed="rId3" cstate="print">
-            <a:extLst>
-              <a:ext uri="{28A0092B-C50C-407E-A947-70E740481C1C}">
-                <a14:useLocalDpi xmlns:a14="http://schemas.microsoft.com/office/drawing/2010/main" val="0"/>
-              </a:ext>
-            </a:extLst>
-          </a:blip>
-          <a:stretch>
-            <a:fillRect/>
-          </a:stretch>
-        </p:blipFill>
-        <p:spPr>
-          <a:xfrm>
-            <a:off x="7421018" y="4723064"/>
-            <a:ext cx="262471" cy="262471"/>
-          </a:xfrm>
-          <a:prstGeom prst="rect">
-            <a:avLst/>
-          </a:prstGeom>
-        </p:spPr>
-      </p:pic>
-      <p:pic>
-        <p:nvPicPr>
-          <p:cNvPr id="49" name="그림 48"/>
-          <p:cNvPicPr>
-            <a:picLocks noChangeAspect="1"/>
-          </p:cNvPicPr>
-          <p:nvPr/>
-        </p:nvPicPr>
-        <p:blipFill>
-          <a:blip r:embed="rId4" cstate="print">
-            <a:extLst>
-              <a:ext uri="{28A0092B-C50C-407E-A947-70E740481C1C}">
-                <a14:useLocalDpi xmlns:a14="http://schemas.microsoft.com/office/drawing/2010/main" val="0"/>
-              </a:ext>
-            </a:extLst>
-          </a:blip>
-          <a:stretch>
-            <a:fillRect/>
-          </a:stretch>
-        </p:blipFill>
-        <p:spPr>
-          <a:xfrm flipH="1">
-            <a:off x="7851765" y="4707740"/>
-            <a:ext cx="290158" cy="290158"/>
-          </a:xfrm>
-          <a:prstGeom prst="rect">
-            <a:avLst/>
-          </a:prstGeom>
-        </p:spPr>
-      </p:pic>
-      <p:pic>
-        <p:nvPicPr>
-          <p:cNvPr id="50" name="그림 49"/>
-          <p:cNvPicPr>
-            <a:picLocks noChangeAspect="1"/>
-          </p:cNvPicPr>
-          <p:nvPr/>
-        </p:nvPicPr>
-        <p:blipFill>
-          <a:blip r:embed="rId3" cstate="print">
-            <a:extLst>
-              <a:ext uri="{28A0092B-C50C-407E-A947-70E740481C1C}">
-                <a14:useLocalDpi xmlns:a14="http://schemas.microsoft.com/office/drawing/2010/main" val="0"/>
-              </a:ext>
-            </a:extLst>
-          </a:blip>
-          <a:stretch>
-            <a:fillRect/>
-          </a:stretch>
-        </p:blipFill>
-        <p:spPr>
-          <a:xfrm>
-            <a:off x="7421018" y="5106711"/>
-            <a:ext cx="262471" cy="262471"/>
-          </a:xfrm>
-          <a:prstGeom prst="rect">
-            <a:avLst/>
-          </a:prstGeom>
-        </p:spPr>
-      </p:pic>
-      <p:pic>
-        <p:nvPicPr>
-          <p:cNvPr id="51" name="그림 50"/>
-          <p:cNvPicPr>
-            <a:picLocks noChangeAspect="1"/>
-          </p:cNvPicPr>
-          <p:nvPr/>
-        </p:nvPicPr>
-        <p:blipFill>
-          <a:blip r:embed="rId4" cstate="print">
-            <a:extLst>
-              <a:ext uri="{28A0092B-C50C-407E-A947-70E740481C1C}">
-                <a14:useLocalDpi xmlns:a14="http://schemas.microsoft.com/office/drawing/2010/main" val="0"/>
-              </a:ext>
-            </a:extLst>
-          </a:blip>
-          <a:stretch>
-            <a:fillRect/>
-          </a:stretch>
-        </p:blipFill>
-        <p:spPr>
-          <a:xfrm flipH="1">
-            <a:off x="7851765" y="5091387"/>
-            <a:ext cx="290158" cy="290158"/>
-          </a:xfrm>
-          <a:prstGeom prst="rect">
-            <a:avLst/>
-          </a:prstGeom>
-        </p:spPr>
-      </p:pic>
-      <p:pic>
-        <p:nvPicPr>
-          <p:cNvPr id="52" name="그림 51"/>
-          <p:cNvPicPr>
-            <a:picLocks noChangeAspect="1"/>
-          </p:cNvPicPr>
-          <p:nvPr/>
-        </p:nvPicPr>
-        <p:blipFill>
-          <a:blip r:embed="rId3" cstate="print">
-            <a:extLst>
-              <a:ext uri="{28A0092B-C50C-407E-A947-70E740481C1C}">
-                <a14:useLocalDpi xmlns:a14="http://schemas.microsoft.com/office/drawing/2010/main" val="0"/>
-              </a:ext>
-            </a:extLst>
-          </a:blip>
-          <a:stretch>
-            <a:fillRect/>
-          </a:stretch>
-        </p:blipFill>
-        <p:spPr>
-          <a:xfrm>
-            <a:off x="7421018" y="5476043"/>
-            <a:ext cx="262471" cy="262471"/>
-          </a:xfrm>
-          <a:prstGeom prst="rect">
-            <a:avLst/>
-          </a:prstGeom>
-        </p:spPr>
-      </p:pic>
-      <p:pic>
-        <p:nvPicPr>
-          <p:cNvPr id="53" name="그림 52"/>
-          <p:cNvPicPr>
-            <a:picLocks noChangeAspect="1"/>
-          </p:cNvPicPr>
-          <p:nvPr/>
-        </p:nvPicPr>
-        <p:blipFill>
-          <a:blip r:embed="rId4" cstate="print">
-            <a:extLst>
-              <a:ext uri="{28A0092B-C50C-407E-A947-70E740481C1C}">
-                <a14:useLocalDpi xmlns:a14="http://schemas.microsoft.com/office/drawing/2010/main" val="0"/>
-              </a:ext>
-            </a:extLst>
-          </a:blip>
-          <a:stretch>
-            <a:fillRect/>
-          </a:stretch>
-        </p:blipFill>
-        <p:spPr>
-          <a:xfrm flipH="1">
-            <a:off x="7851765" y="5460719"/>
-            <a:ext cx="290158" cy="290158"/>
-          </a:xfrm>
-          <a:prstGeom prst="rect">
-            <a:avLst/>
-          </a:prstGeom>
-        </p:spPr>
-      </p:pic>
+          <a:solidFill>
+            <a:schemeClr val="bg1"/>
+          </a:solidFill>
+          <a:ln>
+            <a:noFill/>
+          </a:ln>
+        </p:spPr>
+        <p:style>
+          <a:lnRef idx="2">
+            <a:schemeClr val="accent1">
+              <a:shade val="50000"/>
+            </a:schemeClr>
+          </a:lnRef>
+          <a:fillRef idx="1">
+            <a:schemeClr val="accent1"/>
+          </a:fillRef>
+          <a:effectRef idx="0">
+            <a:schemeClr val="accent1"/>
+          </a:effectRef>
+          <a:fontRef idx="minor">
+            <a:schemeClr val="lt1"/>
+          </a:fontRef>
+        </p:style>
+        <p:txBody>
+          <a:bodyPr rtlCol="0" anchor="ctr"/>
+          <a:lstStyle/>
+          <a:p>
+            <a:pPr algn="ctr"/>
+            <a:endParaRPr lang="ko-KR" altLang="en-US"/>
+          </a:p>
+        </p:txBody>
+      </p:sp>
     </p:spTree>
     <p:extLst>
       <p:ext uri="{BB962C8B-B14F-4D97-AF65-F5344CB8AC3E}">
